--- a/BIA_SEM_Presentation1.pptx
+++ b/BIA_SEM_Presentation1.pptx
@@ -15,11 +15,12 @@
     <p:sldId id="266" r:id="rId9"/>
     <p:sldId id="271" r:id="rId10"/>
     <p:sldId id="270" r:id="rId11"/>
-    <p:sldId id="257" r:id="rId12"/>
-    <p:sldId id="269" r:id="rId13"/>
-    <p:sldId id="261" r:id="rId14"/>
-    <p:sldId id="267" r:id="rId15"/>
-    <p:sldId id="268" r:id="rId16"/>
+    <p:sldId id="272" r:id="rId12"/>
+    <p:sldId id="257" r:id="rId13"/>
+    <p:sldId id="269" r:id="rId14"/>
+    <p:sldId id="261" r:id="rId15"/>
+    <p:sldId id="267" r:id="rId16"/>
+    <p:sldId id="268" r:id="rId17"/>
   </p:sldIdLst>
   <p:sldSz cx="12192000" cy="6858000"/>
   <p:notesSz cx="6858000" cy="9144000"/>
@@ -3365,7 +3366,7 @@
           <a:p>
             <a:r>
               <a:rPr lang="en-US" sz="5400" dirty="0"/>
-              <a:t>The Student Recruitment Funnel</a:t>
+              <a:t>The (extended) Admissions Funnel</a:t>
             </a:r>
           </a:p>
         </p:txBody>
@@ -3959,7 +3960,7 @@
         <p:cNvPr id="1" name="">
           <a:extLst>
             <a:ext uri="{FF2B5EF4-FFF2-40B4-BE49-F238E27FC236}">
-              <a16:creationId xmlns:a16="http://schemas.microsoft.com/office/drawing/2014/main" id="{2A806912-E32C-D058-7D0C-58B959C83671}"/>
+              <a16:creationId xmlns:a16="http://schemas.microsoft.com/office/drawing/2014/main" id="{CC98A03E-3A7B-F445-09EF-8FFF1521085A}"/>
             </a:ext>
           </a:extLst>
         </p:cNvPr>
@@ -3976,10 +3977,10 @@
       </p:grpSpPr>
       <p:sp>
         <p:nvSpPr>
-          <p:cNvPr id="2" name="Title 1">
-            <a:extLst>
-              <a:ext uri="{FF2B5EF4-FFF2-40B4-BE49-F238E27FC236}">
-                <a16:creationId xmlns:a16="http://schemas.microsoft.com/office/drawing/2014/main" id="{F53838C5-8C12-FD70-FD9C-B7FDA78E1164}"/>
+          <p:cNvPr id="4" name="Title 3">
+            <a:extLst>
+              <a:ext uri="{FF2B5EF4-FFF2-40B4-BE49-F238E27FC236}">
+                <a16:creationId xmlns:a16="http://schemas.microsoft.com/office/drawing/2014/main" id="{8F7FA092-BA90-6E03-2A7A-E07BBF6A956C}"/>
               </a:ext>
             </a:extLst>
           </p:cNvPr>
@@ -3987,40 +3988,23 @@
             <a:spLocks noGrp="1"/>
           </p:cNvSpPr>
           <p:nvPr>
-            <p:ph type="ctrTitle"/>
+            <p:ph type="title"/>
           </p:nvPr>
         </p:nvSpPr>
-        <p:spPr/>
+        <p:spPr>
+          <a:xfrm>
+            <a:off x="838200" y="500062"/>
+            <a:ext cx="10515600" cy="1325563"/>
+          </a:xfrm>
+        </p:spPr>
         <p:txBody>
           <a:bodyPr/>
           <a:lstStyle/>
           <a:p>
-            <a:endParaRPr lang="en-US" dirty="0"/>
-          </a:p>
-        </p:txBody>
-      </p:sp>
-      <p:sp>
-        <p:nvSpPr>
-          <p:cNvPr id="3" name="Subtitle 2">
-            <a:extLst>
-              <a:ext uri="{FF2B5EF4-FFF2-40B4-BE49-F238E27FC236}">
-                <a16:creationId xmlns:a16="http://schemas.microsoft.com/office/drawing/2014/main" id="{E31881A4-1819-3D79-9238-5E493D4EDBD0}"/>
-              </a:ext>
-            </a:extLst>
-          </p:cNvPr>
-          <p:cNvSpPr>
-            <a:spLocks noGrp="1"/>
-          </p:cNvSpPr>
-          <p:nvPr>
-            <p:ph type="subTitle" idx="1"/>
-          </p:nvPr>
-        </p:nvSpPr>
-        <p:spPr/>
-        <p:txBody>
-          <a:bodyPr/>
-          <a:lstStyle/>
-          <a:p>
-            <a:endParaRPr lang="en-US"/>
+            <a:r>
+              <a:rPr lang="en-US" dirty="0"/>
+              <a:t>Online &amp; Statewide Students</a:t>
+            </a:r>
           </a:p>
         </p:txBody>
       </p:sp>
@@ -4029,7 +4013,7 @@
           <p:cNvPr id="6" name="Artifact">
             <a:extLst>
               <a:ext uri="{FF2B5EF4-FFF2-40B4-BE49-F238E27FC236}">
-                <a16:creationId xmlns:a16="http://schemas.microsoft.com/office/drawing/2014/main" id="{C92A24BA-F8D1-95F0-53EC-5D111E08C5A5}"/>
+                <a16:creationId xmlns:a16="http://schemas.microsoft.com/office/drawing/2014/main" id="{7AE7D578-335D-49B3-C28D-2B861761E5A4}"/>
               </a:ext>
               <a:ext uri="{C183D7F6-B498-43B3-948B-1728B52AA6E4}">
                 <adec:decorative xmlns:adec="http://schemas.microsoft.com/office/drawing/2017/decorative" val="1"/>
@@ -4099,7 +4083,7 @@
           <p:cNvPr id="5" name="Figure" descr="NAU: Northern Arizona University.">
             <a:extLst>
               <a:ext uri="{FF2B5EF4-FFF2-40B4-BE49-F238E27FC236}">
-                <a16:creationId xmlns:a16="http://schemas.microsoft.com/office/drawing/2014/main" id="{8FC6B846-6196-24DF-9BD9-CF2221680D8B}"/>
+                <a16:creationId xmlns:a16="http://schemas.microsoft.com/office/drawing/2014/main" id="{6D854CD5-5E5E-FD16-298B-F5F0DBF8DE16}"/>
               </a:ext>
             </a:extLst>
           </p:cNvPr>
@@ -4124,181 +4108,12 @@
           </a:prstGeom>
         </p:spPr>
       </p:pic>
-    </p:spTree>
-    <p:extLst>
-      <p:ext uri="{BB962C8B-B14F-4D97-AF65-F5344CB8AC3E}">
-        <p14:creationId xmlns:p14="http://schemas.microsoft.com/office/powerpoint/2010/main" val="2190655310"/>
-      </p:ext>
-    </p:extLst>
-  </p:cSld>
-  <p:clrMapOvr>
-    <a:masterClrMapping/>
-  </p:clrMapOvr>
-</p:sld>
-</file>
-
-<file path=ppt/slides/slide12.xml><?xml version="1.0" encoding="utf-8"?>
-<p:sld xmlns:a="http://schemas.openxmlformats.org/drawingml/2006/main" xmlns:r="http://schemas.openxmlformats.org/officeDocument/2006/relationships" xmlns:p="http://schemas.openxmlformats.org/presentationml/2006/main">
-  <p:cSld>
-    <p:spTree>
-      <p:nvGrpSpPr>
-        <p:cNvPr id="1" name="">
-          <a:extLst>
-            <a:ext uri="{FF2B5EF4-FFF2-40B4-BE49-F238E27FC236}">
-              <a16:creationId xmlns:a16="http://schemas.microsoft.com/office/drawing/2014/main" id="{90D891B7-2542-9866-0354-8D9A078A2137}"/>
-            </a:ext>
-          </a:extLst>
-        </p:cNvPr>
-        <p:cNvGrpSpPr/>
-        <p:nvPr/>
-      </p:nvGrpSpPr>
-      <p:grpSpPr>
-        <a:xfrm>
-          <a:off x="0" y="0"/>
-          <a:ext cx="0" cy="0"/>
-          <a:chOff x="0" y="0"/>
-          <a:chExt cx="0" cy="0"/>
-        </a:xfrm>
-      </p:grpSpPr>
-      <p:sp>
-        <p:nvSpPr>
-          <p:cNvPr id="4" name="Title 3">
-            <a:extLst>
-              <a:ext uri="{FF2B5EF4-FFF2-40B4-BE49-F238E27FC236}">
-                <a16:creationId xmlns:a16="http://schemas.microsoft.com/office/drawing/2014/main" id="{66B227C2-38E8-8277-ABB6-2D6CF5C02142}"/>
-              </a:ext>
-            </a:extLst>
-          </p:cNvPr>
-          <p:cNvSpPr>
-            <a:spLocks noGrp="1"/>
-          </p:cNvSpPr>
-          <p:nvPr>
-            <p:ph type="title"/>
-          </p:nvPr>
-        </p:nvSpPr>
-        <p:spPr>
-          <a:xfrm>
-            <a:off x="838200" y="500062"/>
-            <a:ext cx="10515600" cy="1325563"/>
-          </a:xfrm>
-        </p:spPr>
-        <p:txBody>
-          <a:bodyPr/>
-          <a:lstStyle/>
-          <a:p>
-            <a:r>
-              <a:rPr lang="en-US" dirty="0"/>
-              <a:t>Conclusion</a:t>
-            </a:r>
-          </a:p>
-        </p:txBody>
-      </p:sp>
-      <p:sp>
-        <p:nvSpPr>
-          <p:cNvPr id="6" name="Artifact">
-            <a:extLst>
-              <a:ext uri="{FF2B5EF4-FFF2-40B4-BE49-F238E27FC236}">
-                <a16:creationId xmlns:a16="http://schemas.microsoft.com/office/drawing/2014/main" id="{2787D985-6518-358E-0B6F-4BCEEA098ACE}"/>
-              </a:ext>
-              <a:ext uri="{C183D7F6-B498-43B3-948B-1728B52AA6E4}">
-                <adec:decorative xmlns:adec="http://schemas.microsoft.com/office/drawing/2017/decorative" val="1"/>
-              </a:ext>
-            </a:extLst>
-          </p:cNvPr>
-          <p:cNvSpPr/>
-          <p:nvPr/>
-        </p:nvSpPr>
-        <p:spPr>
-          <a:xfrm>
-            <a:off x="0" y="0"/>
-            <a:ext cx="12192000" cy="580103"/>
-          </a:xfrm>
-          <a:prstGeom prst="rect">
-            <a:avLst/>
-          </a:prstGeom>
-          <a:gradFill flip="none" rotWithShape="1">
-            <a:gsLst>
-              <a:gs pos="10000">
-                <a:srgbClr val="172140"/>
-              </a:gs>
-              <a:gs pos="100000">
-                <a:srgbClr val="0066B3"/>
-              </a:gs>
-            </a:gsLst>
-            <a:lin ang="18900000" scaled="1"/>
-            <a:tileRect/>
-          </a:gradFill>
-        </p:spPr>
-        <p:style>
-          <a:lnRef idx="2">
-            <a:schemeClr val="accent1">
-              <a:shade val="50000"/>
-            </a:schemeClr>
-          </a:lnRef>
-          <a:fillRef idx="1">
-            <a:schemeClr val="accent1"/>
-          </a:fillRef>
-          <a:effectRef idx="0">
-            <a:schemeClr val="accent1"/>
-          </a:effectRef>
-          <a:fontRef idx="minor">
-            <a:schemeClr val="lt1"/>
-          </a:fontRef>
-        </p:style>
-        <p:txBody>
-          <a:bodyPr rtlCol="0" anchor="ctr"/>
-          <a:lstStyle/>
-          <a:p>
-            <a:pPr algn="ctr"/>
-            <a:endParaRPr lang="en-US">
-              <a:ln>
-                <a:solidFill>
-                  <a:sysClr val="windowText" lastClr="000000"/>
-                </a:solidFill>
-              </a:ln>
-              <a:solidFill>
-                <a:sysClr val="windowText" lastClr="000000"/>
-              </a:solidFill>
-            </a:endParaRPr>
-          </a:p>
-        </p:txBody>
-      </p:sp>
-      <p:pic>
-        <p:nvPicPr>
-          <p:cNvPr id="5" name="Figure" descr="NAU: Northern Arizona University.">
-            <a:extLst>
-              <a:ext uri="{FF2B5EF4-FFF2-40B4-BE49-F238E27FC236}">
-                <a16:creationId xmlns:a16="http://schemas.microsoft.com/office/drawing/2014/main" id="{31B09752-0451-20D8-9E07-04C3DFADA5D7}"/>
-              </a:ext>
-            </a:extLst>
-          </p:cNvPr>
-          <p:cNvPicPr>
-            <a:picLocks noChangeAspect="1"/>
-          </p:cNvPicPr>
-          <p:nvPr/>
-        </p:nvPicPr>
-        <p:blipFill>
-          <a:blip r:embed="rId2"/>
-          <a:stretch>
-            <a:fillRect/>
-          </a:stretch>
-        </p:blipFill>
-        <p:spPr>
-          <a:xfrm>
-            <a:off x="2914649" y="132174"/>
-            <a:ext cx="6362701" cy="315753"/>
-          </a:xfrm>
-          <a:prstGeom prst="rect">
-            <a:avLst/>
-          </a:prstGeom>
-        </p:spPr>
-      </p:pic>
       <p:sp>
         <p:nvSpPr>
           <p:cNvPr id="12" name="Content Placeholder 6">
             <a:extLst>
               <a:ext uri="{FF2B5EF4-FFF2-40B4-BE49-F238E27FC236}">
-                <a16:creationId xmlns:a16="http://schemas.microsoft.com/office/drawing/2014/main" id="{4D1B9D98-94A7-A361-4E3A-B441BF46933A}"/>
+                <a16:creationId xmlns:a16="http://schemas.microsoft.com/office/drawing/2014/main" id="{D7DD1DF6-8234-DBDA-6A45-5CF40813CC17}"/>
               </a:ext>
             </a:extLst>
           </p:cNvPr>
@@ -4487,21 +4302,34 @@
           <a:p>
             <a:r>
               <a:rPr lang="en-US" dirty="0"/>
-              <a:t>Recommendations</a:t>
-            </a:r>
-          </a:p>
-          <a:p>
-            <a:pPr marL="514350" indent="-514350">
-              <a:buFont typeface="+mj-lt"/>
-              <a:buAutoNum type="arabicPeriod"/>
-            </a:pPr>
+              <a:t>Only 94 students in this cohort enrolled in Online/Statewide</a:t>
+            </a:r>
+          </a:p>
+          <a:p>
             <a:r>
               <a:rPr lang="en-US" dirty="0"/>
-              <a:t>Split methods for Hispanic and Indigenous students</a:t>
-            </a:r>
-          </a:p>
-          <a:p>
-            <a:endParaRPr lang="en-US" dirty="0"/>
+              <a:t>Tend to be older, part time, non-traditional</a:t>
+            </a:r>
+          </a:p>
+          <a:p>
+            <a:r>
+              <a:rPr lang="en-US" dirty="0"/>
+              <a:t>Recommendations:</a:t>
+            </a:r>
+          </a:p>
+          <a:p>
+            <a:pPr lvl="1"/>
+            <a:r>
+              <a:rPr lang="en-US" dirty="0"/>
+              <a:t>Non-traditional programs mean non-traditional start</a:t>
+            </a:r>
+          </a:p>
+          <a:p>
+            <a:pPr lvl="1"/>
+            <a:r>
+              <a:rPr lang="en-US" dirty="0"/>
+              <a:t>Increase flexibility</a:t>
+            </a:r>
           </a:p>
           <a:p>
             <a:pPr lvl="1"/>
@@ -4510,28 +4338,478 @@
           <a:p>
             <a:endParaRPr lang="en-US" dirty="0"/>
           </a:p>
-        </p:txBody>
-      </p:sp>
-      <p:sp>
-        <p:nvSpPr>
-          <p:cNvPr id="13" name="Content Placeholder 6">
-            <a:extLst>
-              <a:ext uri="{FF2B5EF4-FFF2-40B4-BE49-F238E27FC236}">
-                <a16:creationId xmlns:a16="http://schemas.microsoft.com/office/drawing/2014/main" id="{DB52953C-4B45-9EAF-26A5-70E38D973122}"/>
-              </a:ext>
-            </a:extLst>
-          </p:cNvPr>
-          <p:cNvSpPr txBox="1">
+          <a:p>
+            <a:pPr lvl="1"/>
+            <a:endParaRPr lang="en-US" dirty="0"/>
+          </a:p>
+          <a:p>
+            <a:endParaRPr lang="en-US" dirty="0"/>
+          </a:p>
+        </p:txBody>
+      </p:sp>
+      <p:pic>
+        <p:nvPicPr>
+          <p:cNvPr id="11" name="Picture 10">
+            <a:extLst>
+              <a:ext uri="{FF2B5EF4-FFF2-40B4-BE49-F238E27FC236}">
+                <a16:creationId xmlns:a16="http://schemas.microsoft.com/office/drawing/2014/main" id="{F88DB7C1-30B8-7848-7E8C-114015CE3717}"/>
+              </a:ext>
+            </a:extLst>
+          </p:cNvPr>
+          <p:cNvPicPr>
+            <a:picLocks noChangeAspect="1"/>
+          </p:cNvPicPr>
+          <p:nvPr/>
+        </p:nvPicPr>
+        <p:blipFill>
+          <a:blip r:embed="rId3"/>
+          <a:stretch>
+            <a:fillRect/>
+          </a:stretch>
+        </p:blipFill>
+        <p:spPr>
+          <a:xfrm>
+            <a:off x="6841379" y="1395723"/>
+            <a:ext cx="4635251" cy="1905603"/>
+          </a:xfrm>
+          <a:prstGeom prst="rect">
+            <a:avLst/>
+          </a:prstGeom>
+        </p:spPr>
+      </p:pic>
+      <p:pic>
+        <p:nvPicPr>
+          <p:cNvPr id="14" name="Picture 13">
+            <a:extLst>
+              <a:ext uri="{FF2B5EF4-FFF2-40B4-BE49-F238E27FC236}">
+                <a16:creationId xmlns:a16="http://schemas.microsoft.com/office/drawing/2014/main" id="{5DD1D53D-C0D6-9D39-AC79-DA82ED78CAF1}"/>
+              </a:ext>
+            </a:extLst>
+          </p:cNvPr>
+          <p:cNvPicPr>
+            <a:picLocks noChangeAspect="1"/>
+          </p:cNvPicPr>
+          <p:nvPr/>
+        </p:nvPicPr>
+        <p:blipFill>
+          <a:blip r:embed="rId4"/>
+          <a:stretch>
+            <a:fillRect/>
+          </a:stretch>
+        </p:blipFill>
+        <p:spPr>
+          <a:xfrm>
+            <a:off x="6841379" y="3365163"/>
+            <a:ext cx="4767525" cy="1619736"/>
+          </a:xfrm>
+          <a:prstGeom prst="rect">
+            <a:avLst/>
+          </a:prstGeom>
+        </p:spPr>
+      </p:pic>
+      <p:pic>
+        <p:nvPicPr>
+          <p:cNvPr id="16" name="Picture 15">
+            <a:extLst>
+              <a:ext uri="{FF2B5EF4-FFF2-40B4-BE49-F238E27FC236}">
+                <a16:creationId xmlns:a16="http://schemas.microsoft.com/office/drawing/2014/main" id="{0478B748-0B9C-A567-1101-7913A205B4A3}"/>
+              </a:ext>
+            </a:extLst>
+          </p:cNvPr>
+          <p:cNvPicPr>
+            <a:picLocks noChangeAspect="1"/>
+          </p:cNvPicPr>
+          <p:nvPr/>
+        </p:nvPicPr>
+        <p:blipFill>
+          <a:blip r:embed="rId5"/>
+          <a:stretch>
+            <a:fillRect/>
+          </a:stretch>
+        </p:blipFill>
+        <p:spPr>
+          <a:xfrm>
+            <a:off x="6841379" y="5048736"/>
+            <a:ext cx="4886795" cy="1762957"/>
+          </a:xfrm>
+          <a:prstGeom prst="rect">
+            <a:avLst/>
+          </a:prstGeom>
+        </p:spPr>
+      </p:pic>
+    </p:spTree>
+    <p:extLst>
+      <p:ext uri="{BB962C8B-B14F-4D97-AF65-F5344CB8AC3E}">
+        <p14:creationId xmlns:p14="http://schemas.microsoft.com/office/powerpoint/2010/main" val="2681648034"/>
+      </p:ext>
+    </p:extLst>
+  </p:cSld>
+  <p:clrMapOvr>
+    <a:masterClrMapping/>
+  </p:clrMapOvr>
+</p:sld>
+</file>
+
+<file path=ppt/slides/slide12.xml><?xml version="1.0" encoding="utf-8"?>
+<p:sld xmlns:a="http://schemas.openxmlformats.org/drawingml/2006/main" xmlns:r="http://schemas.openxmlformats.org/officeDocument/2006/relationships" xmlns:p="http://schemas.openxmlformats.org/presentationml/2006/main">
+  <p:cSld>
+    <p:spTree>
+      <p:nvGrpSpPr>
+        <p:cNvPr id="1" name="">
+          <a:extLst>
+            <a:ext uri="{FF2B5EF4-FFF2-40B4-BE49-F238E27FC236}">
+              <a16:creationId xmlns:a16="http://schemas.microsoft.com/office/drawing/2014/main" id="{2A806912-E32C-D058-7D0C-58B959C83671}"/>
+            </a:ext>
+          </a:extLst>
+        </p:cNvPr>
+        <p:cNvGrpSpPr/>
+        <p:nvPr/>
+      </p:nvGrpSpPr>
+      <p:grpSpPr>
+        <a:xfrm>
+          <a:off x="0" y="0"/>
+          <a:ext cx="0" cy="0"/>
+          <a:chOff x="0" y="0"/>
+          <a:chExt cx="0" cy="0"/>
+        </a:xfrm>
+      </p:grpSpPr>
+      <p:sp>
+        <p:nvSpPr>
+          <p:cNvPr id="2" name="Title 1">
+            <a:extLst>
+              <a:ext uri="{FF2B5EF4-FFF2-40B4-BE49-F238E27FC236}">
+                <a16:creationId xmlns:a16="http://schemas.microsoft.com/office/drawing/2014/main" id="{F53838C5-8C12-FD70-FD9C-B7FDA78E1164}"/>
+              </a:ext>
+            </a:extLst>
+          </p:cNvPr>
+          <p:cNvSpPr>
             <a:spLocks noGrp="1"/>
           </p:cNvSpPr>
           <p:nvPr>
-            <p:ph sz="half" idx="2"/>
+            <p:ph type="ctrTitle"/>
           </p:nvPr>
+        </p:nvSpPr>
+        <p:spPr/>
+        <p:txBody>
+          <a:bodyPr/>
+          <a:lstStyle/>
+          <a:p>
+            <a:endParaRPr lang="en-US" dirty="0"/>
+          </a:p>
+        </p:txBody>
+      </p:sp>
+      <p:sp>
+        <p:nvSpPr>
+          <p:cNvPr id="3" name="Subtitle 2">
+            <a:extLst>
+              <a:ext uri="{FF2B5EF4-FFF2-40B4-BE49-F238E27FC236}">
+                <a16:creationId xmlns:a16="http://schemas.microsoft.com/office/drawing/2014/main" id="{E31881A4-1819-3D79-9238-5E493D4EDBD0}"/>
+              </a:ext>
+            </a:extLst>
+          </p:cNvPr>
+          <p:cNvSpPr>
+            <a:spLocks noGrp="1"/>
+          </p:cNvSpPr>
+          <p:nvPr>
+            <p:ph type="subTitle" idx="1"/>
+          </p:nvPr>
+        </p:nvSpPr>
+        <p:spPr/>
+        <p:txBody>
+          <a:bodyPr/>
+          <a:lstStyle/>
+          <a:p>
+            <a:endParaRPr lang="en-US"/>
+          </a:p>
+        </p:txBody>
+      </p:sp>
+      <p:sp>
+        <p:nvSpPr>
+          <p:cNvPr id="6" name="Artifact">
+            <a:extLst>
+              <a:ext uri="{FF2B5EF4-FFF2-40B4-BE49-F238E27FC236}">
+                <a16:creationId xmlns:a16="http://schemas.microsoft.com/office/drawing/2014/main" id="{C92A24BA-F8D1-95F0-53EC-5D111E08C5A5}"/>
+              </a:ext>
+              <a:ext uri="{C183D7F6-B498-43B3-948B-1728B52AA6E4}">
+                <adec:decorative xmlns:adec="http://schemas.microsoft.com/office/drawing/2017/decorative" val="1"/>
+              </a:ext>
+            </a:extLst>
+          </p:cNvPr>
+          <p:cNvSpPr/>
+          <p:nvPr/>
         </p:nvSpPr>
         <p:spPr>
           <a:xfrm>
-            <a:off x="6172200" y="1652153"/>
-            <a:ext cx="5304430" cy="4900201"/>
+            <a:off x="0" y="0"/>
+            <a:ext cx="12192000" cy="580103"/>
+          </a:xfrm>
+          <a:prstGeom prst="rect">
+            <a:avLst/>
+          </a:prstGeom>
+          <a:gradFill flip="none" rotWithShape="1">
+            <a:gsLst>
+              <a:gs pos="10000">
+                <a:srgbClr val="172140"/>
+              </a:gs>
+              <a:gs pos="100000">
+                <a:srgbClr val="0066B3"/>
+              </a:gs>
+            </a:gsLst>
+            <a:lin ang="18900000" scaled="1"/>
+            <a:tileRect/>
+          </a:gradFill>
+        </p:spPr>
+        <p:style>
+          <a:lnRef idx="2">
+            <a:schemeClr val="accent1">
+              <a:shade val="50000"/>
+            </a:schemeClr>
+          </a:lnRef>
+          <a:fillRef idx="1">
+            <a:schemeClr val="accent1"/>
+          </a:fillRef>
+          <a:effectRef idx="0">
+            <a:schemeClr val="accent1"/>
+          </a:effectRef>
+          <a:fontRef idx="minor">
+            <a:schemeClr val="lt1"/>
+          </a:fontRef>
+        </p:style>
+        <p:txBody>
+          <a:bodyPr rtlCol="0" anchor="ctr"/>
+          <a:lstStyle/>
+          <a:p>
+            <a:pPr algn="ctr"/>
+            <a:endParaRPr lang="en-US">
+              <a:ln>
+                <a:solidFill>
+                  <a:sysClr val="windowText" lastClr="000000"/>
+                </a:solidFill>
+              </a:ln>
+              <a:solidFill>
+                <a:sysClr val="windowText" lastClr="000000"/>
+              </a:solidFill>
+            </a:endParaRPr>
+          </a:p>
+        </p:txBody>
+      </p:sp>
+      <p:pic>
+        <p:nvPicPr>
+          <p:cNvPr id="5" name="Figure" descr="NAU: Northern Arizona University.">
+            <a:extLst>
+              <a:ext uri="{FF2B5EF4-FFF2-40B4-BE49-F238E27FC236}">
+                <a16:creationId xmlns:a16="http://schemas.microsoft.com/office/drawing/2014/main" id="{8FC6B846-6196-24DF-9BD9-CF2221680D8B}"/>
+              </a:ext>
+            </a:extLst>
+          </p:cNvPr>
+          <p:cNvPicPr>
+            <a:picLocks noChangeAspect="1"/>
+          </p:cNvPicPr>
+          <p:nvPr/>
+        </p:nvPicPr>
+        <p:blipFill>
+          <a:blip r:embed="rId2"/>
+          <a:stretch>
+            <a:fillRect/>
+          </a:stretch>
+        </p:blipFill>
+        <p:spPr>
+          <a:xfrm>
+            <a:off x="2914649" y="132174"/>
+            <a:ext cx="6362701" cy="315753"/>
+          </a:xfrm>
+          <a:prstGeom prst="rect">
+            <a:avLst/>
+          </a:prstGeom>
+        </p:spPr>
+      </p:pic>
+    </p:spTree>
+    <p:extLst>
+      <p:ext uri="{BB962C8B-B14F-4D97-AF65-F5344CB8AC3E}">
+        <p14:creationId xmlns:p14="http://schemas.microsoft.com/office/powerpoint/2010/main" val="2190655310"/>
+      </p:ext>
+    </p:extLst>
+  </p:cSld>
+  <p:clrMapOvr>
+    <a:masterClrMapping/>
+  </p:clrMapOvr>
+</p:sld>
+</file>
+
+<file path=ppt/slides/slide13.xml><?xml version="1.0" encoding="utf-8"?>
+<p:sld xmlns:a="http://schemas.openxmlformats.org/drawingml/2006/main" xmlns:r="http://schemas.openxmlformats.org/officeDocument/2006/relationships" xmlns:p="http://schemas.openxmlformats.org/presentationml/2006/main">
+  <p:cSld>
+    <p:spTree>
+      <p:nvGrpSpPr>
+        <p:cNvPr id="1" name="">
+          <a:extLst>
+            <a:ext uri="{FF2B5EF4-FFF2-40B4-BE49-F238E27FC236}">
+              <a16:creationId xmlns:a16="http://schemas.microsoft.com/office/drawing/2014/main" id="{90D891B7-2542-9866-0354-8D9A078A2137}"/>
+            </a:ext>
+          </a:extLst>
+        </p:cNvPr>
+        <p:cNvGrpSpPr/>
+        <p:nvPr/>
+      </p:nvGrpSpPr>
+      <p:grpSpPr>
+        <a:xfrm>
+          <a:off x="0" y="0"/>
+          <a:ext cx="0" cy="0"/>
+          <a:chOff x="0" y="0"/>
+          <a:chExt cx="0" cy="0"/>
+        </a:xfrm>
+      </p:grpSpPr>
+      <p:sp>
+        <p:nvSpPr>
+          <p:cNvPr id="4" name="Title 3">
+            <a:extLst>
+              <a:ext uri="{FF2B5EF4-FFF2-40B4-BE49-F238E27FC236}">
+                <a16:creationId xmlns:a16="http://schemas.microsoft.com/office/drawing/2014/main" id="{66B227C2-38E8-8277-ABB6-2D6CF5C02142}"/>
+              </a:ext>
+            </a:extLst>
+          </p:cNvPr>
+          <p:cNvSpPr>
+            <a:spLocks noGrp="1"/>
+          </p:cNvSpPr>
+          <p:nvPr>
+            <p:ph type="title"/>
+          </p:nvPr>
+        </p:nvSpPr>
+        <p:spPr>
+          <a:xfrm>
+            <a:off x="838200" y="500062"/>
+            <a:ext cx="10515600" cy="1325563"/>
+          </a:xfrm>
+        </p:spPr>
+        <p:txBody>
+          <a:bodyPr/>
+          <a:lstStyle/>
+          <a:p>
+            <a:r>
+              <a:rPr lang="en-US" dirty="0"/>
+              <a:t>Conclusion</a:t>
+            </a:r>
+          </a:p>
+        </p:txBody>
+      </p:sp>
+      <p:sp>
+        <p:nvSpPr>
+          <p:cNvPr id="6" name="Artifact">
+            <a:extLst>
+              <a:ext uri="{FF2B5EF4-FFF2-40B4-BE49-F238E27FC236}">
+                <a16:creationId xmlns:a16="http://schemas.microsoft.com/office/drawing/2014/main" id="{2787D985-6518-358E-0B6F-4BCEEA098ACE}"/>
+              </a:ext>
+              <a:ext uri="{C183D7F6-B498-43B3-948B-1728B52AA6E4}">
+                <adec:decorative xmlns:adec="http://schemas.microsoft.com/office/drawing/2017/decorative" val="1"/>
+              </a:ext>
+            </a:extLst>
+          </p:cNvPr>
+          <p:cNvSpPr/>
+          <p:nvPr/>
+        </p:nvSpPr>
+        <p:spPr>
+          <a:xfrm>
+            <a:off x="0" y="0"/>
+            <a:ext cx="12192000" cy="580103"/>
+          </a:xfrm>
+          <a:prstGeom prst="rect">
+            <a:avLst/>
+          </a:prstGeom>
+          <a:gradFill flip="none" rotWithShape="1">
+            <a:gsLst>
+              <a:gs pos="10000">
+                <a:srgbClr val="172140"/>
+              </a:gs>
+              <a:gs pos="100000">
+                <a:srgbClr val="0066B3"/>
+              </a:gs>
+            </a:gsLst>
+            <a:lin ang="18900000" scaled="1"/>
+            <a:tileRect/>
+          </a:gradFill>
+        </p:spPr>
+        <p:style>
+          <a:lnRef idx="2">
+            <a:schemeClr val="accent1">
+              <a:shade val="50000"/>
+            </a:schemeClr>
+          </a:lnRef>
+          <a:fillRef idx="1">
+            <a:schemeClr val="accent1"/>
+          </a:fillRef>
+          <a:effectRef idx="0">
+            <a:schemeClr val="accent1"/>
+          </a:effectRef>
+          <a:fontRef idx="minor">
+            <a:schemeClr val="lt1"/>
+          </a:fontRef>
+        </p:style>
+        <p:txBody>
+          <a:bodyPr rtlCol="0" anchor="ctr"/>
+          <a:lstStyle/>
+          <a:p>
+            <a:pPr algn="ctr"/>
+            <a:endParaRPr lang="en-US">
+              <a:ln>
+                <a:solidFill>
+                  <a:sysClr val="windowText" lastClr="000000"/>
+                </a:solidFill>
+              </a:ln>
+              <a:solidFill>
+                <a:sysClr val="windowText" lastClr="000000"/>
+              </a:solidFill>
+            </a:endParaRPr>
+          </a:p>
+        </p:txBody>
+      </p:sp>
+      <p:pic>
+        <p:nvPicPr>
+          <p:cNvPr id="5" name="Figure" descr="NAU: Northern Arizona University.">
+            <a:extLst>
+              <a:ext uri="{FF2B5EF4-FFF2-40B4-BE49-F238E27FC236}">
+                <a16:creationId xmlns:a16="http://schemas.microsoft.com/office/drawing/2014/main" id="{31B09752-0451-20D8-9E07-04C3DFADA5D7}"/>
+              </a:ext>
+            </a:extLst>
+          </p:cNvPr>
+          <p:cNvPicPr>
+            <a:picLocks noChangeAspect="1"/>
+          </p:cNvPicPr>
+          <p:nvPr/>
+        </p:nvPicPr>
+        <p:blipFill>
+          <a:blip r:embed="rId2"/>
+          <a:stretch>
+            <a:fillRect/>
+          </a:stretch>
+        </p:blipFill>
+        <p:spPr>
+          <a:xfrm>
+            <a:off x="2914649" y="132174"/>
+            <a:ext cx="6362701" cy="315753"/>
+          </a:xfrm>
+          <a:prstGeom prst="rect">
+            <a:avLst/>
+          </a:prstGeom>
+        </p:spPr>
+      </p:pic>
+      <p:sp>
+        <p:nvSpPr>
+          <p:cNvPr id="12" name="Content Placeholder 6">
+            <a:extLst>
+              <a:ext uri="{FF2B5EF4-FFF2-40B4-BE49-F238E27FC236}">
+                <a16:creationId xmlns:a16="http://schemas.microsoft.com/office/drawing/2014/main" id="{4D1B9D98-94A7-A361-4E3A-B441BF46933A}"/>
+              </a:ext>
+            </a:extLst>
+          </p:cNvPr>
+          <p:cNvSpPr txBox="1">
+            <a:spLocks/>
+          </p:cNvSpPr>
+          <p:nvPr/>
+        </p:nvSpPr>
+        <p:spPr>
+          <a:xfrm>
+            <a:off x="715370" y="1652154"/>
+            <a:ext cx="5181600" cy="4900201"/>
           </a:xfrm>
           <a:prstGeom prst="rect">
             <a:avLst/>
@@ -4706,6 +4984,227 @@
             </a:lvl9pPr>
           </a:lstStyle>
           <a:p>
+            <a:r>
+              <a:rPr lang="en-US" dirty="0"/>
+              <a:t>Recommendations</a:t>
+            </a:r>
+          </a:p>
+          <a:p>
+            <a:pPr marL="514350" indent="-514350">
+              <a:buFont typeface="+mj-lt"/>
+              <a:buAutoNum type="arabicPeriod"/>
+            </a:pPr>
+            <a:r>
+              <a:rPr lang="en-US" dirty="0"/>
+              <a:t>Split methods for Hispanic and Indigenous students</a:t>
+            </a:r>
+          </a:p>
+          <a:p>
+            <a:endParaRPr lang="en-US" dirty="0"/>
+          </a:p>
+          <a:p>
+            <a:pPr lvl="1"/>
+            <a:endParaRPr lang="en-US" dirty="0"/>
+          </a:p>
+          <a:p>
+            <a:endParaRPr lang="en-US" dirty="0"/>
+          </a:p>
+        </p:txBody>
+      </p:sp>
+      <p:sp>
+        <p:nvSpPr>
+          <p:cNvPr id="13" name="Content Placeholder 6">
+            <a:extLst>
+              <a:ext uri="{FF2B5EF4-FFF2-40B4-BE49-F238E27FC236}">
+                <a16:creationId xmlns:a16="http://schemas.microsoft.com/office/drawing/2014/main" id="{DB52953C-4B45-9EAF-26A5-70E38D973122}"/>
+              </a:ext>
+            </a:extLst>
+          </p:cNvPr>
+          <p:cNvSpPr txBox="1">
+            <a:spLocks noGrp="1"/>
+          </p:cNvSpPr>
+          <p:nvPr>
+            <p:ph sz="half" idx="2"/>
+          </p:nvPr>
+        </p:nvSpPr>
+        <p:spPr>
+          <a:xfrm>
+            <a:off x="6172200" y="1652153"/>
+            <a:ext cx="5304430" cy="4900201"/>
+          </a:xfrm>
+          <a:prstGeom prst="rect">
+            <a:avLst/>
+          </a:prstGeom>
+        </p:spPr>
+        <p:txBody>
+          <a:bodyPr vert="horz" lIns="91440" tIns="45720" rIns="91440" bIns="45720" rtlCol="0">
+            <a:normAutofit/>
+          </a:bodyPr>
+          <a:lstStyle>
+            <a:lvl1pPr marL="228600" indent="-228600" algn="l" defTabSz="914400" rtl="0" eaLnBrk="1" latinLnBrk="0" hangingPunct="1">
+              <a:lnSpc>
+                <a:spcPct val="90000"/>
+              </a:lnSpc>
+              <a:spcBef>
+                <a:spcPts val="1000"/>
+              </a:spcBef>
+              <a:buFont typeface="Arial" panose="020B0604020202020204" pitchFamily="34" charset="0"/>
+              <a:buChar char="•"/>
+              <a:defRPr sz="2800" kern="1200">
+                <a:solidFill>
+                  <a:schemeClr val="tx1"/>
+                </a:solidFill>
+                <a:latin typeface="+mn-lt"/>
+                <a:ea typeface="+mn-ea"/>
+                <a:cs typeface="+mn-cs"/>
+              </a:defRPr>
+            </a:lvl1pPr>
+            <a:lvl2pPr marL="685800" indent="-228600" algn="l" defTabSz="914400" rtl="0" eaLnBrk="1" latinLnBrk="0" hangingPunct="1">
+              <a:lnSpc>
+                <a:spcPct val="90000"/>
+              </a:lnSpc>
+              <a:spcBef>
+                <a:spcPts val="500"/>
+              </a:spcBef>
+              <a:buFont typeface="Arial" panose="020B0604020202020204" pitchFamily="34" charset="0"/>
+              <a:buChar char="•"/>
+              <a:defRPr sz="2400" kern="1200">
+                <a:solidFill>
+                  <a:schemeClr val="tx1"/>
+                </a:solidFill>
+                <a:latin typeface="+mn-lt"/>
+                <a:ea typeface="+mn-ea"/>
+                <a:cs typeface="+mn-cs"/>
+              </a:defRPr>
+            </a:lvl2pPr>
+            <a:lvl3pPr marL="1143000" indent="-228600" algn="l" defTabSz="914400" rtl="0" eaLnBrk="1" latinLnBrk="0" hangingPunct="1">
+              <a:lnSpc>
+                <a:spcPct val="90000"/>
+              </a:lnSpc>
+              <a:spcBef>
+                <a:spcPts val="500"/>
+              </a:spcBef>
+              <a:buFont typeface="Arial" panose="020B0604020202020204" pitchFamily="34" charset="0"/>
+              <a:buChar char="•"/>
+              <a:defRPr sz="2000" kern="1200">
+                <a:solidFill>
+                  <a:schemeClr val="tx1"/>
+                </a:solidFill>
+                <a:latin typeface="+mn-lt"/>
+                <a:ea typeface="+mn-ea"/>
+                <a:cs typeface="+mn-cs"/>
+              </a:defRPr>
+            </a:lvl3pPr>
+            <a:lvl4pPr marL="1600200" indent="-228600" algn="l" defTabSz="914400" rtl="0" eaLnBrk="1" latinLnBrk="0" hangingPunct="1">
+              <a:lnSpc>
+                <a:spcPct val="90000"/>
+              </a:lnSpc>
+              <a:spcBef>
+                <a:spcPts val="500"/>
+              </a:spcBef>
+              <a:buFont typeface="Arial" panose="020B0604020202020204" pitchFamily="34" charset="0"/>
+              <a:buChar char="•"/>
+              <a:defRPr sz="1800" kern="1200">
+                <a:solidFill>
+                  <a:schemeClr val="tx1"/>
+                </a:solidFill>
+                <a:latin typeface="+mn-lt"/>
+                <a:ea typeface="+mn-ea"/>
+                <a:cs typeface="+mn-cs"/>
+              </a:defRPr>
+            </a:lvl4pPr>
+            <a:lvl5pPr marL="2057400" indent="-228600" algn="l" defTabSz="914400" rtl="0" eaLnBrk="1" latinLnBrk="0" hangingPunct="1">
+              <a:lnSpc>
+                <a:spcPct val="90000"/>
+              </a:lnSpc>
+              <a:spcBef>
+                <a:spcPts val="500"/>
+              </a:spcBef>
+              <a:buFont typeface="Arial" panose="020B0604020202020204" pitchFamily="34" charset="0"/>
+              <a:buChar char="•"/>
+              <a:defRPr sz="1800" kern="1200">
+                <a:solidFill>
+                  <a:schemeClr val="tx1"/>
+                </a:solidFill>
+                <a:latin typeface="+mn-lt"/>
+                <a:ea typeface="+mn-ea"/>
+                <a:cs typeface="+mn-cs"/>
+              </a:defRPr>
+            </a:lvl5pPr>
+            <a:lvl6pPr marL="2514600" indent="-228600" algn="l" defTabSz="914400" rtl="0" eaLnBrk="1" latinLnBrk="0" hangingPunct="1">
+              <a:lnSpc>
+                <a:spcPct val="90000"/>
+              </a:lnSpc>
+              <a:spcBef>
+                <a:spcPts val="500"/>
+              </a:spcBef>
+              <a:buFont typeface="Arial" panose="020B0604020202020204" pitchFamily="34" charset="0"/>
+              <a:buChar char="•"/>
+              <a:defRPr sz="1800" kern="1200">
+                <a:solidFill>
+                  <a:schemeClr val="tx1"/>
+                </a:solidFill>
+                <a:latin typeface="+mn-lt"/>
+                <a:ea typeface="+mn-ea"/>
+                <a:cs typeface="+mn-cs"/>
+              </a:defRPr>
+            </a:lvl6pPr>
+            <a:lvl7pPr marL="2971800" indent="-228600" algn="l" defTabSz="914400" rtl="0" eaLnBrk="1" latinLnBrk="0" hangingPunct="1">
+              <a:lnSpc>
+                <a:spcPct val="90000"/>
+              </a:lnSpc>
+              <a:spcBef>
+                <a:spcPts val="500"/>
+              </a:spcBef>
+              <a:buFont typeface="Arial" panose="020B0604020202020204" pitchFamily="34" charset="0"/>
+              <a:buChar char="•"/>
+              <a:defRPr sz="1800" kern="1200">
+                <a:solidFill>
+                  <a:schemeClr val="tx1"/>
+                </a:solidFill>
+                <a:latin typeface="+mn-lt"/>
+                <a:ea typeface="+mn-ea"/>
+                <a:cs typeface="+mn-cs"/>
+              </a:defRPr>
+            </a:lvl7pPr>
+            <a:lvl8pPr marL="3429000" indent="-228600" algn="l" defTabSz="914400" rtl="0" eaLnBrk="1" latinLnBrk="0" hangingPunct="1">
+              <a:lnSpc>
+                <a:spcPct val="90000"/>
+              </a:lnSpc>
+              <a:spcBef>
+                <a:spcPts val="500"/>
+              </a:spcBef>
+              <a:buFont typeface="Arial" panose="020B0604020202020204" pitchFamily="34" charset="0"/>
+              <a:buChar char="•"/>
+              <a:defRPr sz="1800" kern="1200">
+                <a:solidFill>
+                  <a:schemeClr val="tx1"/>
+                </a:solidFill>
+                <a:latin typeface="+mn-lt"/>
+                <a:ea typeface="+mn-ea"/>
+                <a:cs typeface="+mn-cs"/>
+              </a:defRPr>
+            </a:lvl8pPr>
+            <a:lvl9pPr marL="3886200" indent="-228600" algn="l" defTabSz="914400" rtl="0" eaLnBrk="1" latinLnBrk="0" hangingPunct="1">
+              <a:lnSpc>
+                <a:spcPct val="90000"/>
+              </a:lnSpc>
+              <a:spcBef>
+                <a:spcPts val="500"/>
+              </a:spcBef>
+              <a:buFont typeface="Arial" panose="020B0604020202020204" pitchFamily="34" charset="0"/>
+              <a:buChar char="•"/>
+              <a:defRPr sz="1800" kern="1200">
+                <a:solidFill>
+                  <a:schemeClr val="tx1"/>
+                </a:solidFill>
+                <a:latin typeface="+mn-lt"/>
+                <a:ea typeface="+mn-ea"/>
+                <a:cs typeface="+mn-cs"/>
+              </a:defRPr>
+            </a:lvl9pPr>
+          </a:lstStyle>
+          <a:p>
             <a:endParaRPr lang="en-US" dirty="0"/>
           </a:p>
         </p:txBody>
@@ -4723,7 +5222,7 @@
 </p:sld>
 </file>
 
-<file path=ppt/slides/slide13.xml><?xml version="1.0" encoding="utf-8"?>
+<file path=ppt/slides/slide14.xml><?xml version="1.0" encoding="utf-8"?>
 <p:sld xmlns:a="http://schemas.openxmlformats.org/drawingml/2006/main" xmlns:r="http://schemas.openxmlformats.org/officeDocument/2006/relationships" xmlns:p="http://schemas.openxmlformats.org/presentationml/2006/main">
   <p:cSld>
     <p:spTree>
@@ -5107,7 +5606,7 @@
 </p:sld>
 </file>
 
-<file path=ppt/slides/slide14.xml><?xml version="1.0" encoding="utf-8"?>
+<file path=ppt/slides/slide15.xml><?xml version="1.0" encoding="utf-8"?>
 <p:sld xmlns:a="http://schemas.openxmlformats.org/drawingml/2006/main" xmlns:r="http://schemas.openxmlformats.org/officeDocument/2006/relationships" xmlns:p="http://schemas.openxmlformats.org/presentationml/2006/main">
   <p:cSld>
     <p:spTree>
@@ -5293,7 +5792,7 @@
 </p:sld>
 </file>
 
-<file path=ppt/slides/slide15.xml><?xml version="1.0" encoding="utf-8"?>
+<file path=ppt/slides/slide16.xml><?xml version="1.0" encoding="utf-8"?>
 <p:sld xmlns:a="http://schemas.openxmlformats.org/drawingml/2006/main" xmlns:r="http://schemas.openxmlformats.org/officeDocument/2006/relationships" xmlns:p="http://schemas.openxmlformats.org/presentationml/2006/main">
   <p:cSld>
     <p:spTree>
@@ -5594,10 +6093,30 @@
             </a:r>
           </a:p>
           <a:p>
-            <a:pPr lvl="1"/>
             <a:r>
               <a:rPr lang="en-US" dirty="0"/>
               <a:t>Primary Research Questions: </a:t>
+            </a:r>
+          </a:p>
+          <a:p>
+            <a:pPr lvl="1"/>
+            <a:r>
+              <a:rPr lang="en-US" dirty="0"/>
+              <a:t>Is the NAU student body reflective of the goals in the strategic roadmap?</a:t>
+            </a:r>
+          </a:p>
+          <a:p>
+            <a:pPr lvl="1"/>
+            <a:r>
+              <a:rPr lang="en-US" dirty="0"/>
+              <a:t>Are there any recruitment tools that drive admits/enrolls/retention?</a:t>
+            </a:r>
+          </a:p>
+          <a:p>
+            <a:pPr lvl="1"/>
+            <a:r>
+              <a:rPr lang="en-US" dirty="0"/>
+              <a:t>Is NAU successful in equitably expanding Statewide/Online programming?</a:t>
             </a:r>
           </a:p>
         </p:txBody>
@@ -9664,7 +10183,14 @@
             <a:pPr lvl="1"/>
             <a:r>
               <a:rPr lang="en-US" dirty="0"/>
-              <a:t>Each $1000 in aid is associated with 3 extra days between admission and acceptance </a:t>
+              <a:t>Each $1000 in aid is associated with 3 extra days between admission and acceptance</a:t>
+            </a:r>
+          </a:p>
+          <a:p>
+            <a:pPr lvl="1"/>
+            <a:r>
+              <a:rPr lang="en-US" dirty="0"/>
+              <a:t>Linear model with significant coefficients (p &lt; 0.01) </a:t>
             </a:r>
           </a:p>
           <a:p>
@@ -9975,6 +10501,37 @@
                                           <p:spTgt spid="13">
                                             <p:txEl>
                                               <p:pRg st="3" end="3"/>
+                                            </p:txEl>
+                                          </p:spTgt>
+                                        </p:tgtEl>
+                                        <p:attrNameLst>
+                                          <p:attrName>style.visibility</p:attrName>
+                                        </p:attrNameLst>
+                                      </p:cBhvr>
+                                      <p:to>
+                                        <p:strVal val="visible"/>
+                                      </p:to>
+                                    </p:set>
+                                  </p:childTnLst>
+                                </p:cTn>
+                              </p:par>
+                              <p:par>
+                                <p:cTn id="25" presetID="1" presetClass="entr" presetSubtype="0" fill="hold" nodeType="withEffect">
+                                  <p:stCondLst>
+                                    <p:cond delay="0"/>
+                                  </p:stCondLst>
+                                  <p:childTnLst>
+                                    <p:set>
+                                      <p:cBhvr>
+                                        <p:cTn id="26" dur="1" fill="hold">
+                                          <p:stCondLst>
+                                            <p:cond delay="0"/>
+                                          </p:stCondLst>
+                                        </p:cTn>
+                                        <p:tgtEl>
+                                          <p:spTgt spid="13">
+                                            <p:txEl>
+                                              <p:pRg st="4" end="4"/>
                                             </p:txEl>
                                           </p:spTgt>
                                         </p:tgtEl>

--- a/BIA_SEM_Presentation1.pptx
+++ b/BIA_SEM_Presentation1.pptx
@@ -127,6 +127,58 @@
 </p:presentation>
 </file>
 
+<file path=ppt/revisionInfo.xml><?xml version="1.0" encoding="utf-8"?>
+<p1510:revInfo xmlns:a="http://schemas.openxmlformats.org/drawingml/2006/main" xmlns:r="http://schemas.openxmlformats.org/officeDocument/2006/relationships" xmlns:p1510="http://schemas.microsoft.com/office/powerpoint/2015/10/main">
+  <p1510:revLst>
+    <p1510:client id="{38AF15EB-B9B6-4A38-942E-DB3CC8EC1A40}" v="48" dt="2025-10-29T17:34:21.182"/>
+  </p1510:revLst>
+</p1510:revInfo>
+</file>
+
+<file path=ppt/changesInfos/changesInfo1.xml><?xml version="1.0" encoding="utf-8"?>
+<pc:chgInfo xmlns:a="http://schemas.openxmlformats.org/drawingml/2006/main" xmlns:r="http://schemas.openxmlformats.org/officeDocument/2006/relationships" xmlns:ac="http://schemas.microsoft.com/office/drawing/2013/main/command" xmlns:pc="http://schemas.microsoft.com/office/powerpoint/2013/main/command">
+  <pc:docChgLst>
+    <pc:chgData name="Ben Jefferies" userId="8d19fc6c5aeb33de" providerId="LiveId" clId="{0004A507-A9AB-4C2A-A45A-C0E31ACD0465}"/>
+    <pc:docChg chg="modSld">
+      <pc:chgData name="Ben Jefferies" userId="8d19fc6c5aeb33de" providerId="LiveId" clId="{0004A507-A9AB-4C2A-A45A-C0E31ACD0465}" dt="2025-10-29T17:34:21.182" v="364" actId="20577"/>
+      <pc:docMkLst>
+        <pc:docMk/>
+      </pc:docMkLst>
+      <pc:sldChg chg="modSp mod">
+        <pc:chgData name="Ben Jefferies" userId="8d19fc6c5aeb33de" providerId="LiveId" clId="{0004A507-A9AB-4C2A-A45A-C0E31ACD0465}" dt="2025-10-29T15:46:46.480" v="316" actId="20577"/>
+        <pc:sldMkLst>
+          <pc:docMk/>
+          <pc:sldMk cId="2216262750" sldId="269"/>
+        </pc:sldMkLst>
+        <pc:spChg chg="mod">
+          <ac:chgData name="Ben Jefferies" userId="8d19fc6c5aeb33de" providerId="LiveId" clId="{0004A507-A9AB-4C2A-A45A-C0E31ACD0465}" dt="2025-10-29T15:46:46.480" v="316" actId="20577"/>
+          <ac:spMkLst>
+            <pc:docMk/>
+            <pc:sldMk cId="2216262750" sldId="269"/>
+            <ac:spMk id="13" creationId="{DB52953C-4B45-9EAF-26A5-70E38D973122}"/>
+          </ac:spMkLst>
+        </pc:spChg>
+      </pc:sldChg>
+      <pc:sldChg chg="modSp">
+        <pc:chgData name="Ben Jefferies" userId="8d19fc6c5aeb33de" providerId="LiveId" clId="{0004A507-A9AB-4C2A-A45A-C0E31ACD0465}" dt="2025-10-29T17:34:21.182" v="364" actId="20577"/>
+        <pc:sldMkLst>
+          <pc:docMk/>
+          <pc:sldMk cId="770675354" sldId="271"/>
+        </pc:sldMkLst>
+        <pc:spChg chg="mod">
+          <ac:chgData name="Ben Jefferies" userId="8d19fc6c5aeb33de" providerId="LiveId" clId="{0004A507-A9AB-4C2A-A45A-C0E31ACD0465}" dt="2025-10-29T17:34:21.182" v="364" actId="20577"/>
+          <ac:spMkLst>
+            <pc:docMk/>
+            <pc:sldMk cId="770675354" sldId="271"/>
+            <ac:spMk id="12" creationId="{D82841FC-0D33-4FD6-7F10-373B6457E78F}"/>
+          </ac:spMkLst>
+        </pc:spChg>
+      </pc:sldChg>
+    </pc:docChg>
+  </pc:docChgLst>
+</pc:chgInfo>
+</file>
+
 <file path=ppt/slideLayouts/slideLayout1.xml><?xml version="1.0" encoding="utf-8"?>
 <p:sldLayout xmlns:a="http://schemas.openxmlformats.org/drawingml/2006/main" xmlns:r="http://schemas.openxmlformats.org/officeDocument/2006/relationships" xmlns:p="http://schemas.openxmlformats.org/presentationml/2006/main" type="title" preserve="1">
   <p:cSld name="Title Slide">
@@ -274,7 +326,7 @@
           <a:p>
             <a:fld id="{F08FA672-5F32-4886-99DF-A18B3DFDBD3A}" type="datetimeFigureOut">
               <a:rPr lang="en-US" smtClean="0"/>
-              <a:t>10/28/2025</a:t>
+              <a:t>10/29/2025</a:t>
             </a:fld>
             <a:endParaRPr lang="en-US"/>
           </a:p>
@@ -472,7 +524,7 @@
           <a:p>
             <a:fld id="{F08FA672-5F32-4886-99DF-A18B3DFDBD3A}" type="datetimeFigureOut">
               <a:rPr lang="en-US" smtClean="0"/>
-              <a:t>10/28/2025</a:t>
+              <a:t>10/29/2025</a:t>
             </a:fld>
             <a:endParaRPr lang="en-US"/>
           </a:p>
@@ -680,7 +732,7 @@
           <a:p>
             <a:fld id="{F08FA672-5F32-4886-99DF-A18B3DFDBD3A}" type="datetimeFigureOut">
               <a:rPr lang="en-US" smtClean="0"/>
-              <a:t>10/28/2025</a:t>
+              <a:t>10/29/2025</a:t>
             </a:fld>
             <a:endParaRPr lang="en-US"/>
           </a:p>
@@ -878,7 +930,7 @@
           <a:p>
             <a:fld id="{F08FA672-5F32-4886-99DF-A18B3DFDBD3A}" type="datetimeFigureOut">
               <a:rPr lang="en-US" smtClean="0"/>
-              <a:t>10/28/2025</a:t>
+              <a:t>10/29/2025</a:t>
             </a:fld>
             <a:endParaRPr lang="en-US"/>
           </a:p>
@@ -1153,7 +1205,7 @@
           <a:p>
             <a:fld id="{F08FA672-5F32-4886-99DF-A18B3DFDBD3A}" type="datetimeFigureOut">
               <a:rPr lang="en-US" smtClean="0"/>
-              <a:t>10/28/2025</a:t>
+              <a:t>10/29/2025</a:t>
             </a:fld>
             <a:endParaRPr lang="en-US"/>
           </a:p>
@@ -1418,7 +1470,7 @@
           <a:p>
             <a:fld id="{F08FA672-5F32-4886-99DF-A18B3DFDBD3A}" type="datetimeFigureOut">
               <a:rPr lang="en-US" smtClean="0"/>
-              <a:t>10/28/2025</a:t>
+              <a:t>10/29/2025</a:t>
             </a:fld>
             <a:endParaRPr lang="en-US"/>
           </a:p>
@@ -1830,7 +1882,7 @@
           <a:p>
             <a:fld id="{F08FA672-5F32-4886-99DF-A18B3DFDBD3A}" type="datetimeFigureOut">
               <a:rPr lang="en-US" smtClean="0"/>
-              <a:t>10/28/2025</a:t>
+              <a:t>10/29/2025</a:t>
             </a:fld>
             <a:endParaRPr lang="en-US"/>
           </a:p>
@@ -1971,7 +2023,7 @@
           <a:p>
             <a:fld id="{F08FA672-5F32-4886-99DF-A18B3DFDBD3A}" type="datetimeFigureOut">
               <a:rPr lang="en-US" smtClean="0"/>
-              <a:t>10/28/2025</a:t>
+              <a:t>10/29/2025</a:t>
             </a:fld>
             <a:endParaRPr lang="en-US"/>
           </a:p>
@@ -2084,7 +2136,7 @@
           <a:p>
             <a:fld id="{F08FA672-5F32-4886-99DF-A18B3DFDBD3A}" type="datetimeFigureOut">
               <a:rPr lang="en-US" smtClean="0"/>
-              <a:t>10/28/2025</a:t>
+              <a:t>10/29/2025</a:t>
             </a:fld>
             <a:endParaRPr lang="en-US"/>
           </a:p>
@@ -2395,7 +2447,7 @@
           <a:p>
             <a:fld id="{F08FA672-5F32-4886-99DF-A18B3DFDBD3A}" type="datetimeFigureOut">
               <a:rPr lang="en-US" smtClean="0"/>
-              <a:t>10/28/2025</a:t>
+              <a:t>10/29/2025</a:t>
             </a:fld>
             <a:endParaRPr lang="en-US"/>
           </a:p>
@@ -2683,7 +2735,7 @@
           <a:p>
             <a:fld id="{F08FA672-5F32-4886-99DF-A18B3DFDBD3A}" type="datetimeFigureOut">
               <a:rPr lang="en-US" smtClean="0"/>
-              <a:t>10/28/2025</a:t>
+              <a:t>10/29/2025</a:t>
             </a:fld>
             <a:endParaRPr lang="en-US"/>
           </a:p>
@@ -2924,7 +2976,7 @@
           <a:p>
             <a:fld id="{F08FA672-5F32-4886-99DF-A18B3DFDBD3A}" type="datetimeFigureOut">
               <a:rPr lang="en-US" smtClean="0"/>
-              <a:t>10/28/2025</a:t>
+              <a:t>10/29/2025</a:t>
             </a:fld>
             <a:endParaRPr lang="en-US"/>
           </a:p>
@@ -5205,7 +5257,16 @@
             </a:lvl9pPr>
           </a:lstStyle>
           <a:p>
-            <a:endParaRPr lang="en-US" dirty="0"/>
+            <a:r>
+              <a:rPr lang="en-US" dirty="0"/>
+              <a:t>Increase connections with high GPA students and their teachers.</a:t>
+            </a:r>
+          </a:p>
+          <a:p>
+            <a:r>
+              <a:rPr lang="en-US" dirty="0"/>
+              <a:t>Need to build the perception that NAU is rigorous, exciting environment for prospective students who were successful in high school</a:t>
+            </a:r>
           </a:p>
         </p:txBody>
       </p:sp>
@@ -9935,14 +9996,14 @@
             <a:pPr lvl="1"/>
             <a:r>
               <a:rPr lang="en-US" dirty="0"/>
-              <a:t>$1000 in aid increases the probability of accepting by 4%</a:t>
+              <a:t>$5000 in aid increases the probability of accepting by 5%</a:t>
             </a:r>
           </a:p>
           <a:p>
             <a:pPr lvl="1"/>
             <a:r>
               <a:rPr lang="en-US" dirty="0"/>
-              <a:t>No difference between ethnic groups</a:t>
+              <a:t>No statistical difference between ethnic groups</a:t>
             </a:r>
           </a:p>
           <a:p>

--- a/BIA_SEM_Presentation1.pptx
+++ b/BIA_SEM_Presentation1.pptx
@@ -13,14 +13,17 @@
     <p:sldId id="264" r:id="rId7"/>
     <p:sldId id="265" r:id="rId8"/>
     <p:sldId id="266" r:id="rId9"/>
-    <p:sldId id="271" r:id="rId10"/>
-    <p:sldId id="270" r:id="rId11"/>
-    <p:sldId id="272" r:id="rId12"/>
-    <p:sldId id="257" r:id="rId13"/>
-    <p:sldId id="269" r:id="rId14"/>
-    <p:sldId id="261" r:id="rId15"/>
-    <p:sldId id="267" r:id="rId16"/>
-    <p:sldId id="268" r:id="rId17"/>
+    <p:sldId id="273" r:id="rId10"/>
+    <p:sldId id="271" r:id="rId11"/>
+    <p:sldId id="274" r:id="rId12"/>
+    <p:sldId id="270" r:id="rId13"/>
+    <p:sldId id="272" r:id="rId14"/>
+    <p:sldId id="257" r:id="rId15"/>
+    <p:sldId id="269" r:id="rId16"/>
+    <p:sldId id="261" r:id="rId17"/>
+    <p:sldId id="267" r:id="rId18"/>
+    <p:sldId id="268" r:id="rId19"/>
+    <p:sldId id="275" r:id="rId20"/>
   </p:sldIdLst>
   <p:sldSz cx="12192000" cy="6858000"/>
   <p:notesSz cx="6858000" cy="9144000"/>
@@ -3578,7 +3581,7 @@
         <p:cNvPr id="1" name="">
           <a:extLst>
             <a:ext uri="{FF2B5EF4-FFF2-40B4-BE49-F238E27FC236}">
-              <a16:creationId xmlns:a16="http://schemas.microsoft.com/office/drawing/2014/main" id="{0A36DBAA-D7F9-9CED-3098-21743F910556}"/>
+              <a16:creationId xmlns:a16="http://schemas.microsoft.com/office/drawing/2014/main" id="{4EED9730-DB0C-FDA2-5123-AA2483C78400}"/>
             </a:ext>
           </a:extLst>
         </p:cNvPr>
@@ -3598,7 +3601,7 @@
           <p:cNvPr id="4" name="Title 3">
             <a:extLst>
               <a:ext uri="{FF2B5EF4-FFF2-40B4-BE49-F238E27FC236}">
-                <a16:creationId xmlns:a16="http://schemas.microsoft.com/office/drawing/2014/main" id="{26BC9103-D035-6E63-BACA-916CF09C09A3}"/>
+                <a16:creationId xmlns:a16="http://schemas.microsoft.com/office/drawing/2014/main" id="{F48AAD1A-7A23-74FE-FE55-3EA240332D3A}"/>
               </a:ext>
             </a:extLst>
           </p:cNvPr>
@@ -3621,7 +3624,7 @@
           <a:p>
             <a:r>
               <a:rPr lang="en-US" dirty="0"/>
-              <a:t>Online &amp; Statewide</a:t>
+              <a:t>Does Financial Aid Drive Enrollment?</a:t>
             </a:r>
           </a:p>
         </p:txBody>
@@ -3631,7 +3634,7 @@
           <p:cNvPr id="6" name="Artifact">
             <a:extLst>
               <a:ext uri="{FF2B5EF4-FFF2-40B4-BE49-F238E27FC236}">
-                <a16:creationId xmlns:a16="http://schemas.microsoft.com/office/drawing/2014/main" id="{98ED9B5B-3AA3-EA71-BCD6-B8F08D14E721}"/>
+                <a16:creationId xmlns:a16="http://schemas.microsoft.com/office/drawing/2014/main" id="{1112890C-17C7-DFB4-E46E-48AE6E175DBA}"/>
               </a:ext>
               <a:ext uri="{C183D7F6-B498-43B3-948B-1728B52AA6E4}">
                 <adec:decorative xmlns:adec="http://schemas.microsoft.com/office/drawing/2017/decorative" val="1"/>
@@ -3701,7 +3704,7 @@
           <p:cNvPr id="5" name="Figure" descr="NAU: Northern Arizona University.">
             <a:extLst>
               <a:ext uri="{FF2B5EF4-FFF2-40B4-BE49-F238E27FC236}">
-                <a16:creationId xmlns:a16="http://schemas.microsoft.com/office/drawing/2014/main" id="{397510E6-C230-50D4-BD45-B6FEE6397E0E}"/>
+                <a16:creationId xmlns:a16="http://schemas.microsoft.com/office/drawing/2014/main" id="{74E7CEF6-90C5-9EC3-1A88-A24730701C93}"/>
               </a:ext>
             </a:extLst>
           </p:cNvPr>
@@ -3731,7 +3734,7 @@
           <p:cNvPr id="12" name="Content Placeholder 6">
             <a:extLst>
               <a:ext uri="{FF2B5EF4-FFF2-40B4-BE49-F238E27FC236}">
-                <a16:creationId xmlns:a16="http://schemas.microsoft.com/office/drawing/2014/main" id="{236E9D6A-F04C-A986-9E49-3FD5F1C54245}"/>
+                <a16:creationId xmlns:a16="http://schemas.microsoft.com/office/drawing/2014/main" id="{D82841FC-0D33-4FD6-7F10-373B6457E78F}"/>
               </a:ext>
             </a:extLst>
           </p:cNvPr>
@@ -3919,41 +3922,273 @@
           </a:lstStyle>
           <a:p>
             <a:r>
-              <a:rPr lang="en-US" dirty="0"/>
-              <a:t>Online Education is another critical component of the Elevating Excellence strategic roadmap</a:t>
-            </a:r>
-          </a:p>
-          <a:p>
-            <a:r>
-              <a:rPr lang="en-US" dirty="0"/>
-              <a:t>Incentives and student behavior are the reverse of in-person programs</a:t>
-            </a:r>
-          </a:p>
-          <a:p>
-            <a:r>
-              <a:rPr lang="en-US" dirty="0"/>
-              <a:t>Recommendation: </a:t>
+              <a:rPr lang="en-US" sz="2400" dirty="0"/>
+              <a:t>Increased Financial Aid does increase likelihood of a student accepting their offer</a:t>
             </a:r>
           </a:p>
           <a:p>
             <a:pPr lvl="1"/>
             <a:r>
-              <a:rPr lang="en-US" dirty="0"/>
-              <a:t>Incentives for students to enroll</a:t>
+              <a:rPr lang="en-US" sz="2000" dirty="0"/>
+              <a:t>$5000 in aid increases the probability of accepting by 5%</a:t>
             </a:r>
           </a:p>
           <a:p>
             <a:pPr lvl="1"/>
             <a:r>
-              <a:rPr lang="en-US" dirty="0"/>
-              <a:t>Identify factors making students likely to enroll in online/statewide programs</a:t>
-            </a:r>
-          </a:p>
-          <a:p>
+              <a:rPr lang="en-US" sz="2000" dirty="0"/>
+              <a:t>No statistical difference between ethnic groups</a:t>
+            </a:r>
+          </a:p>
+          <a:p>
+            <a:pPr lvl="1"/>
+            <a:r>
+              <a:rPr lang="en-US" sz="2000" dirty="0"/>
+              <a:t>Logistic Regression Model – all coefficients significant (p &lt; 0.01)</a:t>
+            </a:r>
+          </a:p>
+          <a:p>
+            <a:pPr lvl="1"/>
+            <a:endParaRPr lang="en-US" sz="2000" dirty="0"/>
+          </a:p>
+          <a:p>
+            <a:r>
+              <a:rPr lang="en-US" sz="2400" dirty="0"/>
+              <a:t>Average time between admission and acceptance: 99 days.</a:t>
+            </a:r>
+          </a:p>
+          <a:p>
+            <a:endParaRPr lang="en-US" sz="2400" dirty="0"/>
+          </a:p>
+          <a:p>
+            <a:pPr marL="0" indent="0">
+              <a:buNone/>
+            </a:pPr>
             <a:endParaRPr lang="en-US" dirty="0"/>
           </a:p>
           <a:p>
             <a:pPr lvl="1"/>
+            <a:endParaRPr lang="en-US" dirty="0"/>
+          </a:p>
+          <a:p>
+            <a:endParaRPr lang="en-US" dirty="0"/>
+          </a:p>
+        </p:txBody>
+      </p:sp>
+      <p:sp>
+        <p:nvSpPr>
+          <p:cNvPr id="13" name="Content Placeholder 6">
+            <a:extLst>
+              <a:ext uri="{FF2B5EF4-FFF2-40B4-BE49-F238E27FC236}">
+                <a16:creationId xmlns:a16="http://schemas.microsoft.com/office/drawing/2014/main" id="{21B447B4-37CD-6DB0-23ED-B44982037E36}"/>
+              </a:ext>
+            </a:extLst>
+          </p:cNvPr>
+          <p:cNvSpPr txBox="1">
+            <a:spLocks noGrp="1"/>
+          </p:cNvSpPr>
+          <p:nvPr>
+            <p:ph sz="half" idx="2"/>
+          </p:nvPr>
+        </p:nvSpPr>
+        <p:spPr>
+          <a:xfrm>
+            <a:off x="6172200" y="4557290"/>
+            <a:ext cx="5304430" cy="4900201"/>
+          </a:xfrm>
+          <a:prstGeom prst="rect">
+            <a:avLst/>
+          </a:prstGeom>
+        </p:spPr>
+        <p:txBody>
+          <a:bodyPr vert="horz" lIns="91440" tIns="45720" rIns="91440" bIns="45720" rtlCol="0">
+            <a:normAutofit/>
+          </a:bodyPr>
+          <a:lstStyle>
+            <a:lvl1pPr marL="228600" indent="-228600" algn="l" defTabSz="914400" rtl="0" eaLnBrk="1" latinLnBrk="0" hangingPunct="1">
+              <a:lnSpc>
+                <a:spcPct val="90000"/>
+              </a:lnSpc>
+              <a:spcBef>
+                <a:spcPts val="1000"/>
+              </a:spcBef>
+              <a:buFont typeface="Arial" panose="020B0604020202020204" pitchFamily="34" charset="0"/>
+              <a:buChar char="•"/>
+              <a:defRPr sz="2800" kern="1200">
+                <a:solidFill>
+                  <a:schemeClr val="tx1"/>
+                </a:solidFill>
+                <a:latin typeface="+mn-lt"/>
+                <a:ea typeface="+mn-ea"/>
+                <a:cs typeface="+mn-cs"/>
+              </a:defRPr>
+            </a:lvl1pPr>
+            <a:lvl2pPr marL="685800" indent="-228600" algn="l" defTabSz="914400" rtl="0" eaLnBrk="1" latinLnBrk="0" hangingPunct="1">
+              <a:lnSpc>
+                <a:spcPct val="90000"/>
+              </a:lnSpc>
+              <a:spcBef>
+                <a:spcPts val="500"/>
+              </a:spcBef>
+              <a:buFont typeface="Arial" panose="020B0604020202020204" pitchFamily="34" charset="0"/>
+              <a:buChar char="•"/>
+              <a:defRPr sz="2400" kern="1200">
+                <a:solidFill>
+                  <a:schemeClr val="tx1"/>
+                </a:solidFill>
+                <a:latin typeface="+mn-lt"/>
+                <a:ea typeface="+mn-ea"/>
+                <a:cs typeface="+mn-cs"/>
+              </a:defRPr>
+            </a:lvl2pPr>
+            <a:lvl3pPr marL="1143000" indent="-228600" algn="l" defTabSz="914400" rtl="0" eaLnBrk="1" latinLnBrk="0" hangingPunct="1">
+              <a:lnSpc>
+                <a:spcPct val="90000"/>
+              </a:lnSpc>
+              <a:spcBef>
+                <a:spcPts val="500"/>
+              </a:spcBef>
+              <a:buFont typeface="Arial" panose="020B0604020202020204" pitchFamily="34" charset="0"/>
+              <a:buChar char="•"/>
+              <a:defRPr sz="2000" kern="1200">
+                <a:solidFill>
+                  <a:schemeClr val="tx1"/>
+                </a:solidFill>
+                <a:latin typeface="+mn-lt"/>
+                <a:ea typeface="+mn-ea"/>
+                <a:cs typeface="+mn-cs"/>
+              </a:defRPr>
+            </a:lvl3pPr>
+            <a:lvl4pPr marL="1600200" indent="-228600" algn="l" defTabSz="914400" rtl="0" eaLnBrk="1" latinLnBrk="0" hangingPunct="1">
+              <a:lnSpc>
+                <a:spcPct val="90000"/>
+              </a:lnSpc>
+              <a:spcBef>
+                <a:spcPts val="500"/>
+              </a:spcBef>
+              <a:buFont typeface="Arial" panose="020B0604020202020204" pitchFamily="34" charset="0"/>
+              <a:buChar char="•"/>
+              <a:defRPr sz="1800" kern="1200">
+                <a:solidFill>
+                  <a:schemeClr val="tx1"/>
+                </a:solidFill>
+                <a:latin typeface="+mn-lt"/>
+                <a:ea typeface="+mn-ea"/>
+                <a:cs typeface="+mn-cs"/>
+              </a:defRPr>
+            </a:lvl4pPr>
+            <a:lvl5pPr marL="2057400" indent="-228600" algn="l" defTabSz="914400" rtl="0" eaLnBrk="1" latinLnBrk="0" hangingPunct="1">
+              <a:lnSpc>
+                <a:spcPct val="90000"/>
+              </a:lnSpc>
+              <a:spcBef>
+                <a:spcPts val="500"/>
+              </a:spcBef>
+              <a:buFont typeface="Arial" panose="020B0604020202020204" pitchFamily="34" charset="0"/>
+              <a:buChar char="•"/>
+              <a:defRPr sz="1800" kern="1200">
+                <a:solidFill>
+                  <a:schemeClr val="tx1"/>
+                </a:solidFill>
+                <a:latin typeface="+mn-lt"/>
+                <a:ea typeface="+mn-ea"/>
+                <a:cs typeface="+mn-cs"/>
+              </a:defRPr>
+            </a:lvl5pPr>
+            <a:lvl6pPr marL="2514600" indent="-228600" algn="l" defTabSz="914400" rtl="0" eaLnBrk="1" latinLnBrk="0" hangingPunct="1">
+              <a:lnSpc>
+                <a:spcPct val="90000"/>
+              </a:lnSpc>
+              <a:spcBef>
+                <a:spcPts val="500"/>
+              </a:spcBef>
+              <a:buFont typeface="Arial" panose="020B0604020202020204" pitchFamily="34" charset="0"/>
+              <a:buChar char="•"/>
+              <a:defRPr sz="1800" kern="1200">
+                <a:solidFill>
+                  <a:schemeClr val="tx1"/>
+                </a:solidFill>
+                <a:latin typeface="+mn-lt"/>
+                <a:ea typeface="+mn-ea"/>
+                <a:cs typeface="+mn-cs"/>
+              </a:defRPr>
+            </a:lvl6pPr>
+            <a:lvl7pPr marL="2971800" indent="-228600" algn="l" defTabSz="914400" rtl="0" eaLnBrk="1" latinLnBrk="0" hangingPunct="1">
+              <a:lnSpc>
+                <a:spcPct val="90000"/>
+              </a:lnSpc>
+              <a:spcBef>
+                <a:spcPts val="500"/>
+              </a:spcBef>
+              <a:buFont typeface="Arial" panose="020B0604020202020204" pitchFamily="34" charset="0"/>
+              <a:buChar char="•"/>
+              <a:defRPr sz="1800" kern="1200">
+                <a:solidFill>
+                  <a:schemeClr val="tx1"/>
+                </a:solidFill>
+                <a:latin typeface="+mn-lt"/>
+                <a:ea typeface="+mn-ea"/>
+                <a:cs typeface="+mn-cs"/>
+              </a:defRPr>
+            </a:lvl7pPr>
+            <a:lvl8pPr marL="3429000" indent="-228600" algn="l" defTabSz="914400" rtl="0" eaLnBrk="1" latinLnBrk="0" hangingPunct="1">
+              <a:lnSpc>
+                <a:spcPct val="90000"/>
+              </a:lnSpc>
+              <a:spcBef>
+                <a:spcPts val="500"/>
+              </a:spcBef>
+              <a:buFont typeface="Arial" panose="020B0604020202020204" pitchFamily="34" charset="0"/>
+              <a:buChar char="•"/>
+              <a:defRPr sz="1800" kern="1200">
+                <a:solidFill>
+                  <a:schemeClr val="tx1"/>
+                </a:solidFill>
+                <a:latin typeface="+mn-lt"/>
+                <a:ea typeface="+mn-ea"/>
+                <a:cs typeface="+mn-cs"/>
+              </a:defRPr>
+            </a:lvl8pPr>
+            <a:lvl9pPr marL="3886200" indent="-228600" algn="l" defTabSz="914400" rtl="0" eaLnBrk="1" latinLnBrk="0" hangingPunct="1">
+              <a:lnSpc>
+                <a:spcPct val="90000"/>
+              </a:lnSpc>
+              <a:spcBef>
+                <a:spcPts val="500"/>
+              </a:spcBef>
+              <a:buFont typeface="Arial" panose="020B0604020202020204" pitchFamily="34" charset="0"/>
+              <a:buChar char="•"/>
+              <a:defRPr sz="1800" kern="1200">
+                <a:solidFill>
+                  <a:schemeClr val="tx1"/>
+                </a:solidFill>
+                <a:latin typeface="+mn-lt"/>
+                <a:ea typeface="+mn-ea"/>
+                <a:cs typeface="+mn-cs"/>
+              </a:defRPr>
+            </a:lvl9pPr>
+          </a:lstStyle>
+          <a:p>
+            <a:r>
+              <a:rPr lang="en-US" sz="2400" dirty="0"/>
+              <a:t>Does increasing Financial Aid decrease time to acceptance?</a:t>
+            </a:r>
+          </a:p>
+          <a:p>
+            <a:pPr lvl="1"/>
+            <a:r>
+              <a:rPr lang="en-US" sz="2000" dirty="0"/>
+              <a:t>Each $1000 in aid is associated with 3 additional days between admission and acceptance</a:t>
+            </a:r>
+          </a:p>
+          <a:p>
+            <a:pPr lvl="1"/>
+            <a:r>
+              <a:rPr lang="en-US" sz="2000" dirty="0"/>
+              <a:t>Linear model with significant coefficients (p &lt; 0.01) </a:t>
+            </a:r>
+          </a:p>
+          <a:p>
             <a:endParaRPr lang="en-US" dirty="0"/>
           </a:p>
           <a:p>
@@ -3963,10 +4198,10 @@
       </p:sp>
       <p:pic>
         <p:nvPicPr>
-          <p:cNvPr id="8" name="Picture 7">
-            <a:extLst>
-              <a:ext uri="{FF2B5EF4-FFF2-40B4-BE49-F238E27FC236}">
-                <a16:creationId xmlns:a16="http://schemas.microsoft.com/office/drawing/2014/main" id="{9873D483-FE36-E7C7-AB8A-015CD0B3C554}"/>
+          <p:cNvPr id="2" name="Picture 1">
+            <a:extLst>
+              <a:ext uri="{FF2B5EF4-FFF2-40B4-BE49-F238E27FC236}">
+                <a16:creationId xmlns:a16="http://schemas.microsoft.com/office/drawing/2014/main" id="{D3FD56A2-0B9C-02C0-D3A8-67B0F293294F}"/>
               </a:ext>
             </a:extLst>
           </p:cNvPr>
@@ -3983,24 +4218,546 @@
         </p:blipFill>
         <p:spPr>
           <a:xfrm>
-            <a:off x="6447430" y="847150"/>
-            <a:ext cx="5181600" cy="5878676"/>
+            <a:off x="6579954" y="1447913"/>
+            <a:ext cx="5612046" cy="3109377"/>
           </a:xfrm>
           <a:prstGeom prst="rect">
             <a:avLst/>
           </a:prstGeom>
         </p:spPr>
       </p:pic>
+      <p:graphicFrame>
+        <p:nvGraphicFramePr>
+          <p:cNvPr id="3" name="Table 2">
+            <a:extLst>
+              <a:ext uri="{FF2B5EF4-FFF2-40B4-BE49-F238E27FC236}">
+                <a16:creationId xmlns:a16="http://schemas.microsoft.com/office/drawing/2014/main" id="{0E8726C8-EC61-B298-717C-9FDDFC481378}"/>
+              </a:ext>
+            </a:extLst>
+          </p:cNvPr>
+          <p:cNvGraphicFramePr>
+            <a:graphicFrameLocks noGrp="1"/>
+          </p:cNvGraphicFramePr>
+          <p:nvPr>
+            <p:extLst>
+              <p:ext uri="{D42A27DB-BD31-4B8C-83A1-F6EECF244321}">
+                <p14:modId xmlns:p14="http://schemas.microsoft.com/office/powerpoint/2010/main" val="1278049402"/>
+              </p:ext>
+            </p:extLst>
+          </p:nvPr>
+        </p:nvGraphicFramePr>
+        <p:xfrm>
+          <a:off x="5741754" y="1726658"/>
+          <a:ext cx="717210" cy="2169267"/>
+        </p:xfrm>
+        <a:graphic>
+          <a:graphicData uri="http://schemas.openxmlformats.org/drawingml/2006/table">
+            <a:tbl>
+              <a:tblPr bandRow="1">
+                <a:tableStyleId>{00A15C55-8517-42AA-B614-E9B94910E393}</a:tableStyleId>
+              </a:tblPr>
+              <a:tblGrid>
+                <a:gridCol w="717210">
+                  <a:extLst>
+                    <a:ext uri="{9D8B030D-6E8A-4147-A177-3AD203B41FA5}">
+                      <a16:colId xmlns:a16="http://schemas.microsoft.com/office/drawing/2014/main" val="3203727254"/>
+                    </a:ext>
+                  </a:extLst>
+                </a:gridCol>
+              </a:tblGrid>
+              <a:tr h="249475">
+                <a:tc>
+                  <a:txBody>
+                    <a:bodyPr/>
+                    <a:lstStyle/>
+                    <a:p>
+                      <a:pPr algn="ctr"/>
+                      <a:r>
+                        <a:rPr lang="en-US" sz="900" b="1" dirty="0"/>
+                        <a:t>Quartiles</a:t>
+                      </a:r>
+                    </a:p>
+                  </a:txBody>
+                  <a:tcPr/>
+                </a:tc>
+                <a:extLst>
+                  <a:ext uri="{0D108BD9-81ED-4DB2-BD59-A6C34878D82A}">
+                    <a16:rowId xmlns:a16="http://schemas.microsoft.com/office/drawing/2014/main" val="2451210673"/>
+                  </a:ext>
+                </a:extLst>
+              </a:tr>
+              <a:tr h="471992">
+                <a:tc>
+                  <a:txBody>
+                    <a:bodyPr/>
+                    <a:lstStyle/>
+                    <a:p>
+                      <a:pPr algn="ctr"/>
+                      <a:r>
+                        <a:rPr lang="en-US" sz="1200" dirty="0"/>
+                        <a:t>$0 </a:t>
+                      </a:r>
+                    </a:p>
+                    <a:p>
+                      <a:pPr algn="ctr"/>
+                      <a:r>
+                        <a:rPr lang="en-US" sz="1200" dirty="0"/>
+                        <a:t>$6405</a:t>
+                      </a:r>
+                    </a:p>
+                  </a:txBody>
+                  <a:tcPr/>
+                </a:tc>
+                <a:extLst>
+                  <a:ext uri="{0D108BD9-81ED-4DB2-BD59-A6C34878D82A}">
+                    <a16:rowId xmlns:a16="http://schemas.microsoft.com/office/drawing/2014/main" val="3258344171"/>
+                  </a:ext>
+                </a:extLst>
+              </a:tr>
+              <a:tr h="495300">
+                <a:tc>
+                  <a:txBody>
+                    <a:bodyPr/>
+                    <a:lstStyle/>
+                    <a:p>
+                      <a:pPr marL="0" algn="ctr" defTabSz="914400" rtl="0" eaLnBrk="1" latinLnBrk="0" hangingPunct="1"/>
+                      <a:r>
+                        <a:rPr lang="en-US" sz="1200" kern="1200" dirty="0">
+                          <a:solidFill>
+                            <a:schemeClr val="dk1"/>
+                          </a:solidFill>
+                          <a:latin typeface="+mn-lt"/>
+                          <a:ea typeface="+mn-ea"/>
+                          <a:cs typeface="+mn-cs"/>
+                        </a:rPr>
+                        <a:t>$6406 $9349</a:t>
+                      </a:r>
+                    </a:p>
+                  </a:txBody>
+                  <a:tcPr/>
+                </a:tc>
+                <a:extLst>
+                  <a:ext uri="{0D108BD9-81ED-4DB2-BD59-A6C34878D82A}">
+                    <a16:rowId xmlns:a16="http://schemas.microsoft.com/office/drawing/2014/main" val="2502036517"/>
+                  </a:ext>
+                </a:extLst>
+              </a:tr>
+              <a:tr h="485775">
+                <a:tc>
+                  <a:txBody>
+                    <a:bodyPr/>
+                    <a:lstStyle/>
+                    <a:p>
+                      <a:pPr algn="ctr"/>
+                      <a:r>
+                        <a:rPr lang="en-US" sz="1200" kern="1200" dirty="0">
+                          <a:solidFill>
+                            <a:schemeClr val="dk1"/>
+                          </a:solidFill>
+                          <a:latin typeface="+mn-lt"/>
+                          <a:ea typeface="+mn-ea"/>
+                          <a:cs typeface="+mn-cs"/>
+                        </a:rPr>
+                        <a:t>$9350 $12295</a:t>
+                      </a:r>
+                    </a:p>
+                  </a:txBody>
+                  <a:tcPr/>
+                </a:tc>
+                <a:extLst>
+                  <a:ext uri="{0D108BD9-81ED-4DB2-BD59-A6C34878D82A}">
+                    <a16:rowId xmlns:a16="http://schemas.microsoft.com/office/drawing/2014/main" val="3007085352"/>
+                  </a:ext>
+                </a:extLst>
+              </a:tr>
+              <a:tr h="466725">
+                <a:tc>
+                  <a:txBody>
+                    <a:bodyPr/>
+                    <a:lstStyle/>
+                    <a:p>
+                      <a:pPr algn="ctr"/>
+                      <a:r>
+                        <a:rPr lang="en-US" sz="1200" kern="1200" dirty="0">
+                          <a:solidFill>
+                            <a:schemeClr val="dk1"/>
+                          </a:solidFill>
+                          <a:latin typeface="+mn-lt"/>
+                          <a:ea typeface="+mn-ea"/>
+                          <a:cs typeface="+mn-cs"/>
+                        </a:rPr>
+                        <a:t>$12296</a:t>
+                      </a:r>
+                    </a:p>
+                    <a:p>
+                      <a:pPr algn="ctr"/>
+                      <a:r>
+                        <a:rPr lang="en-US" sz="1200" kern="1200" dirty="0">
+                          <a:solidFill>
+                            <a:schemeClr val="dk1"/>
+                          </a:solidFill>
+                          <a:latin typeface="+mn-lt"/>
+                          <a:ea typeface="+mn-ea"/>
+                          <a:cs typeface="+mn-cs"/>
+                        </a:rPr>
+                        <a:t>$23810</a:t>
+                      </a:r>
+                    </a:p>
+                  </a:txBody>
+                  <a:tcPr/>
+                </a:tc>
+                <a:extLst>
+                  <a:ext uri="{0D108BD9-81ED-4DB2-BD59-A6C34878D82A}">
+                    <a16:rowId xmlns:a16="http://schemas.microsoft.com/office/drawing/2014/main" val="1560957115"/>
+                  </a:ext>
+                </a:extLst>
+              </a:tr>
+            </a:tbl>
+          </a:graphicData>
+        </a:graphic>
+      </p:graphicFrame>
     </p:spTree>
     <p:extLst>
       <p:ext uri="{BB962C8B-B14F-4D97-AF65-F5344CB8AC3E}">
-        <p14:creationId xmlns:p14="http://schemas.microsoft.com/office/powerpoint/2010/main" val="1871677651"/>
+        <p14:creationId xmlns:p14="http://schemas.microsoft.com/office/powerpoint/2010/main" val="770675354"/>
       </p:ext>
     </p:extLst>
   </p:cSld>
   <p:clrMapOvr>
     <a:masterClrMapping/>
   </p:clrMapOvr>
+  <p:timing>
+    <p:tnLst>
+      <p:par>
+        <p:cTn id="1" dur="indefinite" restart="never" nodeType="tmRoot">
+          <p:childTnLst>
+            <p:seq concurrent="1" nextAc="seek">
+              <p:cTn id="2" dur="indefinite" nodeType="mainSeq">
+                <p:childTnLst>
+                  <p:par>
+                    <p:cTn id="3" fill="hold">
+                      <p:stCondLst>
+                        <p:cond delay="indefinite"/>
+                      </p:stCondLst>
+                      <p:childTnLst>
+                        <p:par>
+                          <p:cTn id="4" fill="hold">
+                            <p:stCondLst>
+                              <p:cond delay="0"/>
+                            </p:stCondLst>
+                            <p:childTnLst>
+                              <p:par>
+                                <p:cTn id="5" presetID="1" presetClass="entr" presetSubtype="0" fill="hold" nodeType="clickEffect">
+                                  <p:stCondLst>
+                                    <p:cond delay="0"/>
+                                  </p:stCondLst>
+                                  <p:childTnLst>
+                                    <p:set>
+                                      <p:cBhvr>
+                                        <p:cTn id="6" dur="1" fill="hold">
+                                          <p:stCondLst>
+                                            <p:cond delay="0"/>
+                                          </p:stCondLst>
+                                        </p:cTn>
+                                        <p:tgtEl>
+                                          <p:spTgt spid="12">
+                                            <p:txEl>
+                                              <p:pRg st="0" end="0"/>
+                                            </p:txEl>
+                                          </p:spTgt>
+                                        </p:tgtEl>
+                                        <p:attrNameLst>
+                                          <p:attrName>style.visibility</p:attrName>
+                                        </p:attrNameLst>
+                                      </p:cBhvr>
+                                      <p:to>
+                                        <p:strVal val="visible"/>
+                                      </p:to>
+                                    </p:set>
+                                  </p:childTnLst>
+                                </p:cTn>
+                              </p:par>
+                              <p:par>
+                                <p:cTn id="7" presetID="1" presetClass="entr" presetSubtype="0" fill="hold" nodeType="withEffect">
+                                  <p:stCondLst>
+                                    <p:cond delay="0"/>
+                                  </p:stCondLst>
+                                  <p:childTnLst>
+                                    <p:set>
+                                      <p:cBhvr>
+                                        <p:cTn id="8" dur="1" fill="hold">
+                                          <p:stCondLst>
+                                            <p:cond delay="0"/>
+                                          </p:stCondLst>
+                                        </p:cTn>
+                                        <p:tgtEl>
+                                          <p:spTgt spid="12">
+                                            <p:txEl>
+                                              <p:pRg st="1" end="1"/>
+                                            </p:txEl>
+                                          </p:spTgt>
+                                        </p:tgtEl>
+                                        <p:attrNameLst>
+                                          <p:attrName>style.visibility</p:attrName>
+                                        </p:attrNameLst>
+                                      </p:cBhvr>
+                                      <p:to>
+                                        <p:strVal val="visible"/>
+                                      </p:to>
+                                    </p:set>
+                                  </p:childTnLst>
+                                </p:cTn>
+                              </p:par>
+                              <p:par>
+                                <p:cTn id="9" presetID="1" presetClass="entr" presetSubtype="0" fill="hold" nodeType="withEffect">
+                                  <p:stCondLst>
+                                    <p:cond delay="0"/>
+                                  </p:stCondLst>
+                                  <p:childTnLst>
+                                    <p:set>
+                                      <p:cBhvr>
+                                        <p:cTn id="10" dur="1" fill="hold">
+                                          <p:stCondLst>
+                                            <p:cond delay="0"/>
+                                          </p:stCondLst>
+                                        </p:cTn>
+                                        <p:tgtEl>
+                                          <p:spTgt spid="12">
+                                            <p:txEl>
+                                              <p:pRg st="2" end="2"/>
+                                            </p:txEl>
+                                          </p:spTgt>
+                                        </p:tgtEl>
+                                        <p:attrNameLst>
+                                          <p:attrName>style.visibility</p:attrName>
+                                        </p:attrNameLst>
+                                      </p:cBhvr>
+                                      <p:to>
+                                        <p:strVal val="visible"/>
+                                      </p:to>
+                                    </p:set>
+                                  </p:childTnLst>
+                                </p:cTn>
+                              </p:par>
+                              <p:par>
+                                <p:cTn id="11" presetID="1" presetClass="entr" presetSubtype="0" fill="hold" nodeType="withEffect">
+                                  <p:stCondLst>
+                                    <p:cond delay="0"/>
+                                  </p:stCondLst>
+                                  <p:childTnLst>
+                                    <p:set>
+                                      <p:cBhvr>
+                                        <p:cTn id="12" dur="1" fill="hold">
+                                          <p:stCondLst>
+                                            <p:cond delay="0"/>
+                                          </p:stCondLst>
+                                        </p:cTn>
+                                        <p:tgtEl>
+                                          <p:spTgt spid="12">
+                                            <p:txEl>
+                                              <p:pRg st="3" end="3"/>
+                                            </p:txEl>
+                                          </p:spTgt>
+                                        </p:tgtEl>
+                                        <p:attrNameLst>
+                                          <p:attrName>style.visibility</p:attrName>
+                                        </p:attrNameLst>
+                                      </p:cBhvr>
+                                      <p:to>
+                                        <p:strVal val="visible"/>
+                                      </p:to>
+                                    </p:set>
+                                  </p:childTnLst>
+                                </p:cTn>
+                              </p:par>
+                            </p:childTnLst>
+                          </p:cTn>
+                        </p:par>
+                      </p:childTnLst>
+                    </p:cTn>
+                  </p:par>
+                  <p:par>
+                    <p:cTn id="13" fill="hold">
+                      <p:stCondLst>
+                        <p:cond delay="indefinite"/>
+                      </p:stCondLst>
+                      <p:childTnLst>
+                        <p:par>
+                          <p:cTn id="14" fill="hold">
+                            <p:stCondLst>
+                              <p:cond delay="0"/>
+                            </p:stCondLst>
+                            <p:childTnLst>
+                              <p:par>
+                                <p:cTn id="15" presetID="1" presetClass="entr" presetSubtype="0" fill="hold" nodeType="clickEffect">
+                                  <p:stCondLst>
+                                    <p:cond delay="0"/>
+                                  </p:stCondLst>
+                                  <p:childTnLst>
+                                    <p:set>
+                                      <p:cBhvr>
+                                        <p:cTn id="16" dur="1" fill="hold">
+                                          <p:stCondLst>
+                                            <p:cond delay="0"/>
+                                          </p:stCondLst>
+                                        </p:cTn>
+                                        <p:tgtEl>
+                                          <p:spTgt spid="12">
+                                            <p:txEl>
+                                              <p:pRg st="5" end="5"/>
+                                            </p:txEl>
+                                          </p:spTgt>
+                                        </p:tgtEl>
+                                        <p:attrNameLst>
+                                          <p:attrName>style.visibility</p:attrName>
+                                        </p:attrNameLst>
+                                      </p:cBhvr>
+                                      <p:to>
+                                        <p:strVal val="visible"/>
+                                      </p:to>
+                                    </p:set>
+                                  </p:childTnLst>
+                                </p:cTn>
+                              </p:par>
+                            </p:childTnLst>
+                          </p:cTn>
+                        </p:par>
+                      </p:childTnLst>
+                    </p:cTn>
+                  </p:par>
+                  <p:par>
+                    <p:cTn id="17" fill="hold">
+                      <p:stCondLst>
+                        <p:cond delay="indefinite"/>
+                      </p:stCondLst>
+                      <p:childTnLst>
+                        <p:par>
+                          <p:cTn id="18" fill="hold">
+                            <p:stCondLst>
+                              <p:cond delay="0"/>
+                            </p:stCondLst>
+                            <p:childTnLst>
+                              <p:par>
+                                <p:cTn id="19" presetID="1" presetClass="entr" presetSubtype="0" fill="hold" nodeType="clickEffect">
+                                  <p:stCondLst>
+                                    <p:cond delay="0"/>
+                                  </p:stCondLst>
+                                  <p:childTnLst>
+                                    <p:set>
+                                      <p:cBhvr>
+                                        <p:cTn id="20" dur="1" fill="hold">
+                                          <p:stCondLst>
+                                            <p:cond delay="0"/>
+                                          </p:stCondLst>
+                                        </p:cTn>
+                                        <p:tgtEl>
+                                          <p:spTgt spid="13">
+                                            <p:txEl>
+                                              <p:pRg st="0" end="0"/>
+                                            </p:txEl>
+                                          </p:spTgt>
+                                        </p:tgtEl>
+                                        <p:attrNameLst>
+                                          <p:attrName>style.visibility</p:attrName>
+                                        </p:attrNameLst>
+                                      </p:cBhvr>
+                                      <p:to>
+                                        <p:strVal val="visible"/>
+                                      </p:to>
+                                    </p:set>
+                                  </p:childTnLst>
+                                </p:cTn>
+                              </p:par>
+                              <p:par>
+                                <p:cTn id="21" presetID="1" presetClass="entr" presetSubtype="0" fill="hold" nodeType="withEffect">
+                                  <p:stCondLst>
+                                    <p:cond delay="0"/>
+                                  </p:stCondLst>
+                                  <p:childTnLst>
+                                    <p:set>
+                                      <p:cBhvr>
+                                        <p:cTn id="22" dur="1" fill="hold">
+                                          <p:stCondLst>
+                                            <p:cond delay="0"/>
+                                          </p:stCondLst>
+                                        </p:cTn>
+                                        <p:tgtEl>
+                                          <p:spTgt spid="13">
+                                            <p:txEl>
+                                              <p:pRg st="1" end="1"/>
+                                            </p:txEl>
+                                          </p:spTgt>
+                                        </p:tgtEl>
+                                        <p:attrNameLst>
+                                          <p:attrName>style.visibility</p:attrName>
+                                        </p:attrNameLst>
+                                      </p:cBhvr>
+                                      <p:to>
+                                        <p:strVal val="visible"/>
+                                      </p:to>
+                                    </p:set>
+                                  </p:childTnLst>
+                                </p:cTn>
+                              </p:par>
+                              <p:par>
+                                <p:cTn id="23" presetID="1" presetClass="entr" presetSubtype="0" fill="hold" nodeType="withEffect">
+                                  <p:stCondLst>
+                                    <p:cond delay="0"/>
+                                  </p:stCondLst>
+                                  <p:childTnLst>
+                                    <p:set>
+                                      <p:cBhvr>
+                                        <p:cTn id="24" dur="1" fill="hold">
+                                          <p:stCondLst>
+                                            <p:cond delay="0"/>
+                                          </p:stCondLst>
+                                        </p:cTn>
+                                        <p:tgtEl>
+                                          <p:spTgt spid="13">
+                                            <p:txEl>
+                                              <p:pRg st="2" end="2"/>
+                                            </p:txEl>
+                                          </p:spTgt>
+                                        </p:tgtEl>
+                                        <p:attrNameLst>
+                                          <p:attrName>style.visibility</p:attrName>
+                                        </p:attrNameLst>
+                                      </p:cBhvr>
+                                      <p:to>
+                                        <p:strVal val="visible"/>
+                                      </p:to>
+                                    </p:set>
+                                  </p:childTnLst>
+                                </p:cTn>
+                              </p:par>
+                            </p:childTnLst>
+                          </p:cTn>
+                        </p:par>
+                      </p:childTnLst>
+                    </p:cTn>
+                  </p:par>
+                </p:childTnLst>
+              </p:cTn>
+              <p:prevCondLst>
+                <p:cond evt="onPrev" delay="0">
+                  <p:tgtEl>
+                    <p:sldTgt/>
+                  </p:tgtEl>
+                </p:cond>
+              </p:prevCondLst>
+              <p:nextCondLst>
+                <p:cond evt="onNext" delay="0">
+                  <p:tgtEl>
+                    <p:sldTgt/>
+                  </p:tgtEl>
+                </p:cond>
+              </p:nextCondLst>
+            </p:seq>
+          </p:childTnLst>
+        </p:cTn>
+      </p:par>
+    </p:tnLst>
+  </p:timing>
 </p:sld>
 </file>
 
@@ -4012,7 +4769,7 @@
         <p:cNvPr id="1" name="">
           <a:extLst>
             <a:ext uri="{FF2B5EF4-FFF2-40B4-BE49-F238E27FC236}">
-              <a16:creationId xmlns:a16="http://schemas.microsoft.com/office/drawing/2014/main" id="{CC98A03E-3A7B-F445-09EF-8FFF1521085A}"/>
+              <a16:creationId xmlns:a16="http://schemas.microsoft.com/office/drawing/2014/main" id="{D35946D9-3FA0-A58D-6560-13380713B12E}"/>
             </a:ext>
           </a:extLst>
         </p:cNvPr>
@@ -4032,7 +4789,7 @@
           <p:cNvPr id="4" name="Title 3">
             <a:extLst>
               <a:ext uri="{FF2B5EF4-FFF2-40B4-BE49-F238E27FC236}">
-                <a16:creationId xmlns:a16="http://schemas.microsoft.com/office/drawing/2014/main" id="{8F7FA092-BA90-6E03-2A7A-E07BBF6A956C}"/>
+                <a16:creationId xmlns:a16="http://schemas.microsoft.com/office/drawing/2014/main" id="{D3B6FA11-2DBB-27F8-E791-633E5D550709}"/>
               </a:ext>
             </a:extLst>
           </p:cNvPr>
@@ -4055,7 +4812,7 @@
           <a:p>
             <a:r>
               <a:rPr lang="en-US" dirty="0"/>
-              <a:t>Online &amp; Statewide Students</a:t>
+              <a:t>What does Drive Enrollment?</a:t>
             </a:r>
           </a:p>
         </p:txBody>
@@ -4065,7 +4822,7 @@
           <p:cNvPr id="6" name="Artifact">
             <a:extLst>
               <a:ext uri="{FF2B5EF4-FFF2-40B4-BE49-F238E27FC236}">
-                <a16:creationId xmlns:a16="http://schemas.microsoft.com/office/drawing/2014/main" id="{7AE7D578-335D-49B3-C28D-2B861761E5A4}"/>
+                <a16:creationId xmlns:a16="http://schemas.microsoft.com/office/drawing/2014/main" id="{955D76FE-080E-B761-1D1C-81837DC13A25}"/>
               </a:ext>
               <a:ext uri="{C183D7F6-B498-43B3-948B-1728B52AA6E4}">
                 <adec:decorative xmlns:adec="http://schemas.microsoft.com/office/drawing/2017/decorative" val="1"/>
@@ -4135,7 +4892,7 @@
           <p:cNvPr id="5" name="Figure" descr="NAU: Northern Arizona University.">
             <a:extLst>
               <a:ext uri="{FF2B5EF4-FFF2-40B4-BE49-F238E27FC236}">
-                <a16:creationId xmlns:a16="http://schemas.microsoft.com/office/drawing/2014/main" id="{6D854CD5-5E5E-FD16-298B-F5F0DBF8DE16}"/>
+                <a16:creationId xmlns:a16="http://schemas.microsoft.com/office/drawing/2014/main" id="{233FDE35-520F-0744-AD89-12E137127984}"/>
               </a:ext>
             </a:extLst>
           </p:cNvPr>
@@ -4165,7 +4922,7 @@
           <p:cNvPr id="12" name="Content Placeholder 6">
             <a:extLst>
               <a:ext uri="{FF2B5EF4-FFF2-40B4-BE49-F238E27FC236}">
-                <a16:creationId xmlns:a16="http://schemas.microsoft.com/office/drawing/2014/main" id="{D7DD1DF6-8234-DBDA-6A45-5CF40813CC17}"/>
+                <a16:creationId xmlns:a16="http://schemas.microsoft.com/office/drawing/2014/main" id="{6ACCFCC7-F693-D097-1F1A-67029CFAF424}"/>
               </a:ext>
             </a:extLst>
           </p:cNvPr>
@@ -4354,704 +5111,13 @@
           <a:p>
             <a:r>
               <a:rPr lang="en-US" dirty="0"/>
-              <a:t>Only 94 students in this cohort enrolled in Online/Statewide</a:t>
-            </a:r>
-          </a:p>
-          <a:p>
-            <a:r>
-              <a:rPr lang="en-US" dirty="0"/>
-              <a:t>Tend to be older, part time, non-traditional</a:t>
-            </a:r>
-          </a:p>
-          <a:p>
-            <a:r>
-              <a:rPr lang="en-US" dirty="0"/>
-              <a:t>Recommendations:</a:t>
-            </a:r>
-          </a:p>
-          <a:p>
-            <a:pPr lvl="1"/>
-            <a:r>
-              <a:rPr lang="en-US" dirty="0"/>
-              <a:t>Non-traditional programs mean non-traditional start</a:t>
-            </a:r>
-          </a:p>
-          <a:p>
-            <a:pPr lvl="1"/>
-            <a:r>
-              <a:rPr lang="en-US" dirty="0"/>
-              <a:t>Increase flexibility</a:t>
-            </a:r>
-          </a:p>
-          <a:p>
-            <a:pPr lvl="1"/>
-            <a:endParaRPr lang="en-US" dirty="0"/>
-          </a:p>
-          <a:p>
-            <a:endParaRPr lang="en-US" dirty="0"/>
-          </a:p>
-          <a:p>
-            <a:pPr lvl="1"/>
-            <a:endParaRPr lang="en-US" dirty="0"/>
-          </a:p>
-          <a:p>
-            <a:endParaRPr lang="en-US" dirty="0"/>
-          </a:p>
-        </p:txBody>
-      </p:sp>
-      <p:pic>
-        <p:nvPicPr>
-          <p:cNvPr id="11" name="Picture 10">
-            <a:extLst>
-              <a:ext uri="{FF2B5EF4-FFF2-40B4-BE49-F238E27FC236}">
-                <a16:creationId xmlns:a16="http://schemas.microsoft.com/office/drawing/2014/main" id="{F88DB7C1-30B8-7848-7E8C-114015CE3717}"/>
-              </a:ext>
-            </a:extLst>
-          </p:cNvPr>
-          <p:cNvPicPr>
-            <a:picLocks noChangeAspect="1"/>
-          </p:cNvPicPr>
-          <p:nvPr/>
-        </p:nvPicPr>
-        <p:blipFill>
-          <a:blip r:embed="rId3"/>
-          <a:stretch>
-            <a:fillRect/>
-          </a:stretch>
-        </p:blipFill>
-        <p:spPr>
-          <a:xfrm>
-            <a:off x="6841379" y="1395723"/>
-            <a:ext cx="4635251" cy="1905603"/>
-          </a:xfrm>
-          <a:prstGeom prst="rect">
-            <a:avLst/>
-          </a:prstGeom>
-        </p:spPr>
-      </p:pic>
-      <p:pic>
-        <p:nvPicPr>
-          <p:cNvPr id="14" name="Picture 13">
-            <a:extLst>
-              <a:ext uri="{FF2B5EF4-FFF2-40B4-BE49-F238E27FC236}">
-                <a16:creationId xmlns:a16="http://schemas.microsoft.com/office/drawing/2014/main" id="{5DD1D53D-C0D6-9D39-AC79-DA82ED78CAF1}"/>
-              </a:ext>
-            </a:extLst>
-          </p:cNvPr>
-          <p:cNvPicPr>
-            <a:picLocks noChangeAspect="1"/>
-          </p:cNvPicPr>
-          <p:nvPr/>
-        </p:nvPicPr>
-        <p:blipFill>
-          <a:blip r:embed="rId4"/>
-          <a:stretch>
-            <a:fillRect/>
-          </a:stretch>
-        </p:blipFill>
-        <p:spPr>
-          <a:xfrm>
-            <a:off x="6841379" y="3365163"/>
-            <a:ext cx="4767525" cy="1619736"/>
-          </a:xfrm>
-          <a:prstGeom prst="rect">
-            <a:avLst/>
-          </a:prstGeom>
-        </p:spPr>
-      </p:pic>
-      <p:pic>
-        <p:nvPicPr>
-          <p:cNvPr id="16" name="Picture 15">
-            <a:extLst>
-              <a:ext uri="{FF2B5EF4-FFF2-40B4-BE49-F238E27FC236}">
-                <a16:creationId xmlns:a16="http://schemas.microsoft.com/office/drawing/2014/main" id="{0478B748-0B9C-A567-1101-7913A205B4A3}"/>
-              </a:ext>
-            </a:extLst>
-          </p:cNvPr>
-          <p:cNvPicPr>
-            <a:picLocks noChangeAspect="1"/>
-          </p:cNvPicPr>
-          <p:nvPr/>
-        </p:nvPicPr>
-        <p:blipFill>
-          <a:blip r:embed="rId5"/>
-          <a:stretch>
-            <a:fillRect/>
-          </a:stretch>
-        </p:blipFill>
-        <p:spPr>
-          <a:xfrm>
-            <a:off x="6841379" y="5048736"/>
-            <a:ext cx="4886795" cy="1762957"/>
-          </a:xfrm>
-          <a:prstGeom prst="rect">
-            <a:avLst/>
-          </a:prstGeom>
-        </p:spPr>
-      </p:pic>
-    </p:spTree>
-    <p:extLst>
-      <p:ext uri="{BB962C8B-B14F-4D97-AF65-F5344CB8AC3E}">
-        <p14:creationId xmlns:p14="http://schemas.microsoft.com/office/powerpoint/2010/main" val="2681648034"/>
-      </p:ext>
-    </p:extLst>
-  </p:cSld>
-  <p:clrMapOvr>
-    <a:masterClrMapping/>
-  </p:clrMapOvr>
-</p:sld>
-</file>
-
-<file path=ppt/slides/slide12.xml><?xml version="1.0" encoding="utf-8"?>
-<p:sld xmlns:a="http://schemas.openxmlformats.org/drawingml/2006/main" xmlns:r="http://schemas.openxmlformats.org/officeDocument/2006/relationships" xmlns:p="http://schemas.openxmlformats.org/presentationml/2006/main">
-  <p:cSld>
-    <p:spTree>
-      <p:nvGrpSpPr>
-        <p:cNvPr id="1" name="">
-          <a:extLst>
-            <a:ext uri="{FF2B5EF4-FFF2-40B4-BE49-F238E27FC236}">
-              <a16:creationId xmlns:a16="http://schemas.microsoft.com/office/drawing/2014/main" id="{2A806912-E32C-D058-7D0C-58B959C83671}"/>
-            </a:ext>
-          </a:extLst>
-        </p:cNvPr>
-        <p:cNvGrpSpPr/>
-        <p:nvPr/>
-      </p:nvGrpSpPr>
-      <p:grpSpPr>
-        <a:xfrm>
-          <a:off x="0" y="0"/>
-          <a:ext cx="0" cy="0"/>
-          <a:chOff x="0" y="0"/>
-          <a:chExt cx="0" cy="0"/>
-        </a:xfrm>
-      </p:grpSpPr>
-      <p:sp>
-        <p:nvSpPr>
-          <p:cNvPr id="2" name="Title 1">
-            <a:extLst>
-              <a:ext uri="{FF2B5EF4-FFF2-40B4-BE49-F238E27FC236}">
-                <a16:creationId xmlns:a16="http://schemas.microsoft.com/office/drawing/2014/main" id="{F53838C5-8C12-FD70-FD9C-B7FDA78E1164}"/>
-              </a:ext>
-            </a:extLst>
-          </p:cNvPr>
-          <p:cNvSpPr>
-            <a:spLocks noGrp="1"/>
-          </p:cNvSpPr>
-          <p:nvPr>
-            <p:ph type="ctrTitle"/>
-          </p:nvPr>
-        </p:nvSpPr>
-        <p:spPr/>
-        <p:txBody>
-          <a:bodyPr/>
-          <a:lstStyle/>
-          <a:p>
-            <a:endParaRPr lang="en-US" dirty="0"/>
-          </a:p>
-        </p:txBody>
-      </p:sp>
-      <p:sp>
-        <p:nvSpPr>
-          <p:cNvPr id="3" name="Subtitle 2">
-            <a:extLst>
-              <a:ext uri="{FF2B5EF4-FFF2-40B4-BE49-F238E27FC236}">
-                <a16:creationId xmlns:a16="http://schemas.microsoft.com/office/drawing/2014/main" id="{E31881A4-1819-3D79-9238-5E493D4EDBD0}"/>
-              </a:ext>
-            </a:extLst>
-          </p:cNvPr>
-          <p:cNvSpPr>
-            <a:spLocks noGrp="1"/>
-          </p:cNvSpPr>
-          <p:nvPr>
-            <p:ph type="subTitle" idx="1"/>
-          </p:nvPr>
-        </p:nvSpPr>
-        <p:spPr/>
-        <p:txBody>
-          <a:bodyPr/>
-          <a:lstStyle/>
-          <a:p>
-            <a:endParaRPr lang="en-US"/>
-          </a:p>
-        </p:txBody>
-      </p:sp>
-      <p:sp>
-        <p:nvSpPr>
-          <p:cNvPr id="6" name="Artifact">
-            <a:extLst>
-              <a:ext uri="{FF2B5EF4-FFF2-40B4-BE49-F238E27FC236}">
-                <a16:creationId xmlns:a16="http://schemas.microsoft.com/office/drawing/2014/main" id="{C92A24BA-F8D1-95F0-53EC-5D111E08C5A5}"/>
-              </a:ext>
-              <a:ext uri="{C183D7F6-B498-43B3-948B-1728B52AA6E4}">
-                <adec:decorative xmlns:adec="http://schemas.microsoft.com/office/drawing/2017/decorative" val="1"/>
-              </a:ext>
-            </a:extLst>
-          </p:cNvPr>
-          <p:cNvSpPr/>
-          <p:nvPr/>
-        </p:nvSpPr>
-        <p:spPr>
-          <a:xfrm>
-            <a:off x="0" y="0"/>
-            <a:ext cx="12192000" cy="580103"/>
-          </a:xfrm>
-          <a:prstGeom prst="rect">
-            <a:avLst/>
-          </a:prstGeom>
-          <a:gradFill flip="none" rotWithShape="1">
-            <a:gsLst>
-              <a:gs pos="10000">
-                <a:srgbClr val="172140"/>
-              </a:gs>
-              <a:gs pos="100000">
-                <a:srgbClr val="0066B3"/>
-              </a:gs>
-            </a:gsLst>
-            <a:lin ang="18900000" scaled="1"/>
-            <a:tileRect/>
-          </a:gradFill>
-        </p:spPr>
-        <p:style>
-          <a:lnRef idx="2">
-            <a:schemeClr val="accent1">
-              <a:shade val="50000"/>
-            </a:schemeClr>
-          </a:lnRef>
-          <a:fillRef idx="1">
-            <a:schemeClr val="accent1"/>
-          </a:fillRef>
-          <a:effectRef idx="0">
-            <a:schemeClr val="accent1"/>
-          </a:effectRef>
-          <a:fontRef idx="minor">
-            <a:schemeClr val="lt1"/>
-          </a:fontRef>
-        </p:style>
-        <p:txBody>
-          <a:bodyPr rtlCol="0" anchor="ctr"/>
-          <a:lstStyle/>
-          <a:p>
-            <a:pPr algn="ctr"/>
-            <a:endParaRPr lang="en-US">
-              <a:ln>
-                <a:solidFill>
-                  <a:sysClr val="windowText" lastClr="000000"/>
-                </a:solidFill>
-              </a:ln>
-              <a:solidFill>
-                <a:sysClr val="windowText" lastClr="000000"/>
-              </a:solidFill>
-            </a:endParaRPr>
-          </a:p>
-        </p:txBody>
-      </p:sp>
-      <p:pic>
-        <p:nvPicPr>
-          <p:cNvPr id="5" name="Figure" descr="NAU: Northern Arizona University.">
-            <a:extLst>
-              <a:ext uri="{FF2B5EF4-FFF2-40B4-BE49-F238E27FC236}">
-                <a16:creationId xmlns:a16="http://schemas.microsoft.com/office/drawing/2014/main" id="{8FC6B846-6196-24DF-9BD9-CF2221680D8B}"/>
-              </a:ext>
-            </a:extLst>
-          </p:cNvPr>
-          <p:cNvPicPr>
-            <a:picLocks noChangeAspect="1"/>
-          </p:cNvPicPr>
-          <p:nvPr/>
-        </p:nvPicPr>
-        <p:blipFill>
-          <a:blip r:embed="rId2"/>
-          <a:stretch>
-            <a:fillRect/>
-          </a:stretch>
-        </p:blipFill>
-        <p:spPr>
-          <a:xfrm>
-            <a:off x="2914649" y="132174"/>
-            <a:ext cx="6362701" cy="315753"/>
-          </a:xfrm>
-          <a:prstGeom prst="rect">
-            <a:avLst/>
-          </a:prstGeom>
-        </p:spPr>
-      </p:pic>
-    </p:spTree>
-    <p:extLst>
-      <p:ext uri="{BB962C8B-B14F-4D97-AF65-F5344CB8AC3E}">
-        <p14:creationId xmlns:p14="http://schemas.microsoft.com/office/powerpoint/2010/main" val="2190655310"/>
-      </p:ext>
-    </p:extLst>
-  </p:cSld>
-  <p:clrMapOvr>
-    <a:masterClrMapping/>
-  </p:clrMapOvr>
-</p:sld>
-</file>
-
-<file path=ppt/slides/slide13.xml><?xml version="1.0" encoding="utf-8"?>
-<p:sld xmlns:a="http://schemas.openxmlformats.org/drawingml/2006/main" xmlns:r="http://schemas.openxmlformats.org/officeDocument/2006/relationships" xmlns:p="http://schemas.openxmlformats.org/presentationml/2006/main">
-  <p:cSld>
-    <p:spTree>
-      <p:nvGrpSpPr>
-        <p:cNvPr id="1" name="">
-          <a:extLst>
-            <a:ext uri="{FF2B5EF4-FFF2-40B4-BE49-F238E27FC236}">
-              <a16:creationId xmlns:a16="http://schemas.microsoft.com/office/drawing/2014/main" id="{90D891B7-2542-9866-0354-8D9A078A2137}"/>
-            </a:ext>
-          </a:extLst>
-        </p:cNvPr>
-        <p:cNvGrpSpPr/>
-        <p:nvPr/>
-      </p:nvGrpSpPr>
-      <p:grpSpPr>
-        <a:xfrm>
-          <a:off x="0" y="0"/>
-          <a:ext cx="0" cy="0"/>
-          <a:chOff x="0" y="0"/>
-          <a:chExt cx="0" cy="0"/>
-        </a:xfrm>
-      </p:grpSpPr>
-      <p:sp>
-        <p:nvSpPr>
-          <p:cNvPr id="4" name="Title 3">
-            <a:extLst>
-              <a:ext uri="{FF2B5EF4-FFF2-40B4-BE49-F238E27FC236}">
-                <a16:creationId xmlns:a16="http://schemas.microsoft.com/office/drawing/2014/main" id="{66B227C2-38E8-8277-ABB6-2D6CF5C02142}"/>
-              </a:ext>
-            </a:extLst>
-          </p:cNvPr>
-          <p:cNvSpPr>
-            <a:spLocks noGrp="1"/>
-          </p:cNvSpPr>
-          <p:nvPr>
-            <p:ph type="title"/>
-          </p:nvPr>
-        </p:nvSpPr>
-        <p:spPr>
-          <a:xfrm>
-            <a:off x="838200" y="500062"/>
-            <a:ext cx="10515600" cy="1325563"/>
-          </a:xfrm>
-        </p:spPr>
-        <p:txBody>
-          <a:bodyPr/>
-          <a:lstStyle/>
-          <a:p>
-            <a:r>
-              <a:rPr lang="en-US" dirty="0"/>
-              <a:t>Conclusion</a:t>
-            </a:r>
-          </a:p>
-        </p:txBody>
-      </p:sp>
-      <p:sp>
-        <p:nvSpPr>
-          <p:cNvPr id="6" name="Artifact">
-            <a:extLst>
-              <a:ext uri="{FF2B5EF4-FFF2-40B4-BE49-F238E27FC236}">
-                <a16:creationId xmlns:a16="http://schemas.microsoft.com/office/drawing/2014/main" id="{2787D985-6518-358E-0B6F-4BCEEA098ACE}"/>
-              </a:ext>
-              <a:ext uri="{C183D7F6-B498-43B3-948B-1728B52AA6E4}">
-                <adec:decorative xmlns:adec="http://schemas.microsoft.com/office/drawing/2017/decorative" val="1"/>
-              </a:ext>
-            </a:extLst>
-          </p:cNvPr>
-          <p:cNvSpPr/>
-          <p:nvPr/>
-        </p:nvSpPr>
-        <p:spPr>
-          <a:xfrm>
-            <a:off x="0" y="0"/>
-            <a:ext cx="12192000" cy="580103"/>
-          </a:xfrm>
-          <a:prstGeom prst="rect">
-            <a:avLst/>
-          </a:prstGeom>
-          <a:gradFill flip="none" rotWithShape="1">
-            <a:gsLst>
-              <a:gs pos="10000">
-                <a:srgbClr val="172140"/>
-              </a:gs>
-              <a:gs pos="100000">
-                <a:srgbClr val="0066B3"/>
-              </a:gs>
-            </a:gsLst>
-            <a:lin ang="18900000" scaled="1"/>
-            <a:tileRect/>
-          </a:gradFill>
-        </p:spPr>
-        <p:style>
-          <a:lnRef idx="2">
-            <a:schemeClr val="accent1">
-              <a:shade val="50000"/>
-            </a:schemeClr>
-          </a:lnRef>
-          <a:fillRef idx="1">
-            <a:schemeClr val="accent1"/>
-          </a:fillRef>
-          <a:effectRef idx="0">
-            <a:schemeClr val="accent1"/>
-          </a:effectRef>
-          <a:fontRef idx="minor">
-            <a:schemeClr val="lt1"/>
-          </a:fontRef>
-        </p:style>
-        <p:txBody>
-          <a:bodyPr rtlCol="0" anchor="ctr"/>
-          <a:lstStyle/>
-          <a:p>
-            <a:pPr algn="ctr"/>
-            <a:endParaRPr lang="en-US">
-              <a:ln>
-                <a:solidFill>
-                  <a:sysClr val="windowText" lastClr="000000"/>
-                </a:solidFill>
-              </a:ln>
-              <a:solidFill>
-                <a:sysClr val="windowText" lastClr="000000"/>
-              </a:solidFill>
-            </a:endParaRPr>
-          </a:p>
-        </p:txBody>
-      </p:sp>
-      <p:pic>
-        <p:nvPicPr>
-          <p:cNvPr id="5" name="Figure" descr="NAU: Northern Arizona University.">
-            <a:extLst>
-              <a:ext uri="{FF2B5EF4-FFF2-40B4-BE49-F238E27FC236}">
-                <a16:creationId xmlns:a16="http://schemas.microsoft.com/office/drawing/2014/main" id="{31B09752-0451-20D8-9E07-04C3DFADA5D7}"/>
-              </a:ext>
-            </a:extLst>
-          </p:cNvPr>
-          <p:cNvPicPr>
-            <a:picLocks noChangeAspect="1"/>
-          </p:cNvPicPr>
-          <p:nvPr/>
-        </p:nvPicPr>
-        <p:blipFill>
-          <a:blip r:embed="rId2"/>
-          <a:stretch>
-            <a:fillRect/>
-          </a:stretch>
-        </p:blipFill>
-        <p:spPr>
-          <a:xfrm>
-            <a:off x="2914649" y="132174"/>
-            <a:ext cx="6362701" cy="315753"/>
-          </a:xfrm>
-          <a:prstGeom prst="rect">
-            <a:avLst/>
-          </a:prstGeom>
-        </p:spPr>
-      </p:pic>
-      <p:sp>
-        <p:nvSpPr>
-          <p:cNvPr id="12" name="Content Placeholder 6">
-            <a:extLst>
-              <a:ext uri="{FF2B5EF4-FFF2-40B4-BE49-F238E27FC236}">
-                <a16:creationId xmlns:a16="http://schemas.microsoft.com/office/drawing/2014/main" id="{4D1B9D98-94A7-A361-4E3A-B441BF46933A}"/>
-              </a:ext>
-            </a:extLst>
-          </p:cNvPr>
-          <p:cNvSpPr txBox="1">
-            <a:spLocks/>
-          </p:cNvSpPr>
-          <p:nvPr/>
-        </p:nvSpPr>
-        <p:spPr>
-          <a:xfrm>
-            <a:off x="715370" y="1652154"/>
-            <a:ext cx="5181600" cy="4900201"/>
-          </a:xfrm>
-          <a:prstGeom prst="rect">
-            <a:avLst/>
-          </a:prstGeom>
-        </p:spPr>
-        <p:txBody>
-          <a:bodyPr vert="horz" lIns="91440" tIns="45720" rIns="91440" bIns="45720" rtlCol="0">
-            <a:normAutofit/>
-          </a:bodyPr>
-          <a:lstStyle>
-            <a:lvl1pPr marL="228600" indent="-228600" algn="l" defTabSz="914400" rtl="0" eaLnBrk="1" latinLnBrk="0" hangingPunct="1">
-              <a:lnSpc>
-                <a:spcPct val="90000"/>
-              </a:lnSpc>
-              <a:spcBef>
-                <a:spcPts val="1000"/>
-              </a:spcBef>
-              <a:buFont typeface="Arial" panose="020B0604020202020204" pitchFamily="34" charset="0"/>
-              <a:buChar char="•"/>
-              <a:defRPr sz="2800" kern="1200">
-                <a:solidFill>
-                  <a:schemeClr val="tx1"/>
-                </a:solidFill>
-                <a:latin typeface="+mn-lt"/>
-                <a:ea typeface="+mn-ea"/>
-                <a:cs typeface="+mn-cs"/>
-              </a:defRPr>
-            </a:lvl1pPr>
-            <a:lvl2pPr marL="685800" indent="-228600" algn="l" defTabSz="914400" rtl="0" eaLnBrk="1" latinLnBrk="0" hangingPunct="1">
-              <a:lnSpc>
-                <a:spcPct val="90000"/>
-              </a:lnSpc>
-              <a:spcBef>
-                <a:spcPts val="500"/>
-              </a:spcBef>
-              <a:buFont typeface="Arial" panose="020B0604020202020204" pitchFamily="34" charset="0"/>
-              <a:buChar char="•"/>
-              <a:defRPr sz="2400" kern="1200">
-                <a:solidFill>
-                  <a:schemeClr val="tx1"/>
-                </a:solidFill>
-                <a:latin typeface="+mn-lt"/>
-                <a:ea typeface="+mn-ea"/>
-                <a:cs typeface="+mn-cs"/>
-              </a:defRPr>
-            </a:lvl2pPr>
-            <a:lvl3pPr marL="1143000" indent="-228600" algn="l" defTabSz="914400" rtl="0" eaLnBrk="1" latinLnBrk="0" hangingPunct="1">
-              <a:lnSpc>
-                <a:spcPct val="90000"/>
-              </a:lnSpc>
-              <a:spcBef>
-                <a:spcPts val="500"/>
-              </a:spcBef>
-              <a:buFont typeface="Arial" panose="020B0604020202020204" pitchFamily="34" charset="0"/>
-              <a:buChar char="•"/>
-              <a:defRPr sz="2000" kern="1200">
-                <a:solidFill>
-                  <a:schemeClr val="tx1"/>
-                </a:solidFill>
-                <a:latin typeface="+mn-lt"/>
-                <a:ea typeface="+mn-ea"/>
-                <a:cs typeface="+mn-cs"/>
-              </a:defRPr>
-            </a:lvl3pPr>
-            <a:lvl4pPr marL="1600200" indent="-228600" algn="l" defTabSz="914400" rtl="0" eaLnBrk="1" latinLnBrk="0" hangingPunct="1">
-              <a:lnSpc>
-                <a:spcPct val="90000"/>
-              </a:lnSpc>
-              <a:spcBef>
-                <a:spcPts val="500"/>
-              </a:spcBef>
-              <a:buFont typeface="Arial" panose="020B0604020202020204" pitchFamily="34" charset="0"/>
-              <a:buChar char="•"/>
-              <a:defRPr sz="1800" kern="1200">
-                <a:solidFill>
-                  <a:schemeClr val="tx1"/>
-                </a:solidFill>
-                <a:latin typeface="+mn-lt"/>
-                <a:ea typeface="+mn-ea"/>
-                <a:cs typeface="+mn-cs"/>
-              </a:defRPr>
-            </a:lvl4pPr>
-            <a:lvl5pPr marL="2057400" indent="-228600" algn="l" defTabSz="914400" rtl="0" eaLnBrk="1" latinLnBrk="0" hangingPunct="1">
-              <a:lnSpc>
-                <a:spcPct val="90000"/>
-              </a:lnSpc>
-              <a:spcBef>
-                <a:spcPts val="500"/>
-              </a:spcBef>
-              <a:buFont typeface="Arial" panose="020B0604020202020204" pitchFamily="34" charset="0"/>
-              <a:buChar char="•"/>
-              <a:defRPr sz="1800" kern="1200">
-                <a:solidFill>
-                  <a:schemeClr val="tx1"/>
-                </a:solidFill>
-                <a:latin typeface="+mn-lt"/>
-                <a:ea typeface="+mn-ea"/>
-                <a:cs typeface="+mn-cs"/>
-              </a:defRPr>
-            </a:lvl5pPr>
-            <a:lvl6pPr marL="2514600" indent="-228600" algn="l" defTabSz="914400" rtl="0" eaLnBrk="1" latinLnBrk="0" hangingPunct="1">
-              <a:lnSpc>
-                <a:spcPct val="90000"/>
-              </a:lnSpc>
-              <a:spcBef>
-                <a:spcPts val="500"/>
-              </a:spcBef>
-              <a:buFont typeface="Arial" panose="020B0604020202020204" pitchFamily="34" charset="0"/>
-              <a:buChar char="•"/>
-              <a:defRPr sz="1800" kern="1200">
-                <a:solidFill>
-                  <a:schemeClr val="tx1"/>
-                </a:solidFill>
-                <a:latin typeface="+mn-lt"/>
-                <a:ea typeface="+mn-ea"/>
-                <a:cs typeface="+mn-cs"/>
-              </a:defRPr>
-            </a:lvl6pPr>
-            <a:lvl7pPr marL="2971800" indent="-228600" algn="l" defTabSz="914400" rtl="0" eaLnBrk="1" latinLnBrk="0" hangingPunct="1">
-              <a:lnSpc>
-                <a:spcPct val="90000"/>
-              </a:lnSpc>
-              <a:spcBef>
-                <a:spcPts val="500"/>
-              </a:spcBef>
-              <a:buFont typeface="Arial" panose="020B0604020202020204" pitchFamily="34" charset="0"/>
-              <a:buChar char="•"/>
-              <a:defRPr sz="1800" kern="1200">
-                <a:solidFill>
-                  <a:schemeClr val="tx1"/>
-                </a:solidFill>
-                <a:latin typeface="+mn-lt"/>
-                <a:ea typeface="+mn-ea"/>
-                <a:cs typeface="+mn-cs"/>
-              </a:defRPr>
-            </a:lvl7pPr>
-            <a:lvl8pPr marL="3429000" indent="-228600" algn="l" defTabSz="914400" rtl="0" eaLnBrk="1" latinLnBrk="0" hangingPunct="1">
-              <a:lnSpc>
-                <a:spcPct val="90000"/>
-              </a:lnSpc>
-              <a:spcBef>
-                <a:spcPts val="500"/>
-              </a:spcBef>
-              <a:buFont typeface="Arial" panose="020B0604020202020204" pitchFamily="34" charset="0"/>
-              <a:buChar char="•"/>
-              <a:defRPr sz="1800" kern="1200">
-                <a:solidFill>
-                  <a:schemeClr val="tx1"/>
-                </a:solidFill>
-                <a:latin typeface="+mn-lt"/>
-                <a:ea typeface="+mn-ea"/>
-                <a:cs typeface="+mn-cs"/>
-              </a:defRPr>
-            </a:lvl8pPr>
-            <a:lvl9pPr marL="3886200" indent="-228600" algn="l" defTabSz="914400" rtl="0" eaLnBrk="1" latinLnBrk="0" hangingPunct="1">
-              <a:lnSpc>
-                <a:spcPct val="90000"/>
-              </a:lnSpc>
-              <a:spcBef>
-                <a:spcPts val="500"/>
-              </a:spcBef>
-              <a:buFont typeface="Arial" panose="020B0604020202020204" pitchFamily="34" charset="0"/>
-              <a:buChar char="•"/>
-              <a:defRPr sz="1800" kern="1200">
-                <a:solidFill>
-                  <a:schemeClr val="tx1"/>
-                </a:solidFill>
-                <a:latin typeface="+mn-lt"/>
-                <a:ea typeface="+mn-ea"/>
-                <a:cs typeface="+mn-cs"/>
-              </a:defRPr>
-            </a:lvl9pPr>
-          </a:lstStyle>
-          <a:p>
-            <a:r>
-              <a:rPr lang="en-US" dirty="0"/>
-              <a:t>Recommendations</a:t>
-            </a:r>
-          </a:p>
-          <a:p>
-            <a:pPr marL="514350" indent="-514350">
-              <a:buFont typeface="+mj-lt"/>
-              <a:buAutoNum type="arabicPeriod"/>
+              <a:t>TO DO: What levers do really drive a student to accept and enroll?</a:t>
+            </a:r>
+          </a:p>
+          <a:p>
+            <a:pPr marL="0" indent="0">
+              <a:buNone/>
             </a:pPr>
-            <a:r>
-              <a:rPr lang="en-US" dirty="0"/>
-              <a:t>Split methods for Hispanic and Indigenous students</a:t>
-            </a:r>
-          </a:p>
-          <a:p>
             <a:endParaRPr lang="en-US" dirty="0"/>
           </a:p>
           <a:p>
@@ -5068,7 +5134,7 @@
           <p:cNvPr id="13" name="Content Placeholder 6">
             <a:extLst>
               <a:ext uri="{FF2B5EF4-FFF2-40B4-BE49-F238E27FC236}">
-                <a16:creationId xmlns:a16="http://schemas.microsoft.com/office/drawing/2014/main" id="{DB52953C-4B45-9EAF-26A5-70E38D973122}"/>
+                <a16:creationId xmlns:a16="http://schemas.microsoft.com/office/drawing/2014/main" id="{7A3E4286-2D57-9BC2-B803-26B4F9487ABA}"/>
               </a:ext>
             </a:extLst>
           </p:cNvPr>
@@ -5259,31 +5325,144 @@
           <a:p>
             <a:r>
               <a:rPr lang="en-US" dirty="0"/>
-              <a:t>Increase connections with high GPA students and their teachers.</a:t>
-            </a:r>
-          </a:p>
-          <a:p>
-            <a:r>
-              <a:rPr lang="en-US" dirty="0"/>
-              <a:t>Need to build the perception that NAU is rigorous, exciting environment for prospective students who were successful in high school</a:t>
-            </a:r>
+              <a:t>Student GPA?</a:t>
+            </a:r>
+          </a:p>
+          <a:p>
+            <a:endParaRPr lang="en-US" dirty="0"/>
+          </a:p>
+          <a:p>
+            <a:endParaRPr lang="en-US" dirty="0"/>
           </a:p>
         </p:txBody>
       </p:sp>
     </p:spTree>
     <p:extLst>
       <p:ext uri="{BB962C8B-B14F-4D97-AF65-F5344CB8AC3E}">
-        <p14:creationId xmlns:p14="http://schemas.microsoft.com/office/powerpoint/2010/main" val="2216262750"/>
+        <p14:creationId xmlns:p14="http://schemas.microsoft.com/office/powerpoint/2010/main" val="1558220817"/>
       </p:ext>
     </p:extLst>
   </p:cSld>
   <p:clrMapOvr>
     <a:masterClrMapping/>
   </p:clrMapOvr>
+  <p:timing>
+    <p:tnLst>
+      <p:par>
+        <p:cTn id="1" dur="indefinite" restart="never" nodeType="tmRoot">
+          <p:childTnLst>
+            <p:seq concurrent="1" nextAc="seek">
+              <p:cTn id="2" dur="indefinite" nodeType="mainSeq">
+                <p:childTnLst>
+                  <p:par>
+                    <p:cTn id="3" fill="hold">
+                      <p:stCondLst>
+                        <p:cond delay="indefinite"/>
+                        <p:cond evt="onBegin" delay="0">
+                          <p:tn val="2"/>
+                        </p:cond>
+                      </p:stCondLst>
+                      <p:childTnLst>
+                        <p:par>
+                          <p:cTn id="4" fill="hold">
+                            <p:stCondLst>
+                              <p:cond delay="0"/>
+                            </p:stCondLst>
+                            <p:childTnLst>
+                              <p:par>
+                                <p:cTn id="5" presetID="1" presetClass="entr" presetSubtype="0" fill="hold" nodeType="withEffect">
+                                  <p:stCondLst>
+                                    <p:cond delay="0"/>
+                                  </p:stCondLst>
+                                  <p:childTnLst>
+                                    <p:set>
+                                      <p:cBhvr>
+                                        <p:cTn id="6" dur="1" fill="hold">
+                                          <p:stCondLst>
+                                            <p:cond delay="0"/>
+                                          </p:stCondLst>
+                                        </p:cTn>
+                                        <p:tgtEl>
+                                          <p:spTgt spid="12">
+                                            <p:txEl>
+                                              <p:pRg st="0" end="0"/>
+                                            </p:txEl>
+                                          </p:spTgt>
+                                        </p:tgtEl>
+                                        <p:attrNameLst>
+                                          <p:attrName>style.visibility</p:attrName>
+                                        </p:attrNameLst>
+                                      </p:cBhvr>
+                                      <p:to>
+                                        <p:strVal val="visible"/>
+                                      </p:to>
+                                    </p:set>
+                                  </p:childTnLst>
+                                </p:cTn>
+                              </p:par>
+                              <p:par>
+                                <p:cTn id="7" presetID="1" presetClass="entr" presetSubtype="0" fill="hold" nodeType="withEffect">
+                                  <p:stCondLst>
+                                    <p:cond delay="0"/>
+                                  </p:stCondLst>
+                                  <p:childTnLst>
+                                    <p:set>
+                                      <p:cBhvr>
+                                        <p:cTn id="8" dur="1" fill="hold">
+                                          <p:stCondLst>
+                                            <p:cond delay="0"/>
+                                          </p:stCondLst>
+                                        </p:cTn>
+                                        <p:tgtEl>
+                                          <p:spTgt spid="13">
+                                            <p:txEl>
+                                              <p:pRg st="0" end="0"/>
+                                            </p:txEl>
+                                          </p:spTgt>
+                                        </p:tgtEl>
+                                        <p:attrNameLst>
+                                          <p:attrName>style.visibility</p:attrName>
+                                        </p:attrNameLst>
+                                      </p:cBhvr>
+                                      <p:to>
+                                        <p:strVal val="visible"/>
+                                      </p:to>
+                                    </p:set>
+                                  </p:childTnLst>
+                                </p:cTn>
+                              </p:par>
+                            </p:childTnLst>
+                          </p:cTn>
+                        </p:par>
+                      </p:childTnLst>
+                    </p:cTn>
+                  </p:par>
+                </p:childTnLst>
+              </p:cTn>
+              <p:prevCondLst>
+                <p:cond evt="onPrev" delay="0">
+                  <p:tgtEl>
+                    <p:sldTgt/>
+                  </p:tgtEl>
+                </p:cond>
+              </p:prevCondLst>
+              <p:nextCondLst>
+                <p:cond evt="onNext" delay="0">
+                  <p:tgtEl>
+                    <p:sldTgt/>
+                  </p:tgtEl>
+                </p:cond>
+              </p:nextCondLst>
+            </p:seq>
+          </p:childTnLst>
+        </p:cTn>
+      </p:par>
+    </p:tnLst>
+  </p:timing>
 </p:sld>
 </file>
 
-<file path=ppt/slides/slide14.xml><?xml version="1.0" encoding="utf-8"?>
+<file path=ppt/slides/slide12.xml><?xml version="1.0" encoding="utf-8"?>
 <p:sld xmlns:a="http://schemas.openxmlformats.org/drawingml/2006/main" xmlns:r="http://schemas.openxmlformats.org/officeDocument/2006/relationships" xmlns:p="http://schemas.openxmlformats.org/presentationml/2006/main">
   <p:cSld>
     <p:spTree>
@@ -5291,7 +5470,7 @@
         <p:cNvPr id="1" name="">
           <a:extLst>
             <a:ext uri="{FF2B5EF4-FFF2-40B4-BE49-F238E27FC236}">
-              <a16:creationId xmlns:a16="http://schemas.microsoft.com/office/drawing/2014/main" id="{2C3CD374-1C7F-DA9D-8AF4-A23A587FA66B}"/>
+              <a16:creationId xmlns:a16="http://schemas.microsoft.com/office/drawing/2014/main" id="{0A36DBAA-D7F9-9CED-3098-21743F910556}"/>
             </a:ext>
           </a:extLst>
         </p:cNvPr>
@@ -5311,7 +5490,7 @@
           <p:cNvPr id="4" name="Title 3">
             <a:extLst>
               <a:ext uri="{FF2B5EF4-FFF2-40B4-BE49-F238E27FC236}">
-                <a16:creationId xmlns:a16="http://schemas.microsoft.com/office/drawing/2014/main" id="{6098607E-230A-2D51-675B-D1C72806A52C}"/>
+                <a16:creationId xmlns:a16="http://schemas.microsoft.com/office/drawing/2014/main" id="{26BC9103-D035-6E63-BACA-916CF09C09A3}"/>
               </a:ext>
             </a:extLst>
           </p:cNvPr>
@@ -5322,235 +5501,20 @@
             <p:ph type="title"/>
           </p:nvPr>
         </p:nvSpPr>
-        <p:spPr/>
+        <p:spPr>
+          <a:xfrm>
+            <a:off x="838200" y="500062"/>
+            <a:ext cx="10515600" cy="1325563"/>
+          </a:xfrm>
+        </p:spPr>
         <p:txBody>
           <a:bodyPr/>
           <a:lstStyle/>
           <a:p>
-            <a:endParaRPr lang="en-US"/>
-          </a:p>
-        </p:txBody>
-      </p:sp>
-      <p:sp>
-        <p:nvSpPr>
-          <p:cNvPr id="7" name="Content Placeholder 6">
-            <a:extLst>
-              <a:ext uri="{FF2B5EF4-FFF2-40B4-BE49-F238E27FC236}">
-                <a16:creationId xmlns:a16="http://schemas.microsoft.com/office/drawing/2014/main" id="{8627FC76-EFD6-A61C-97B0-EA02EDFC3AC8}"/>
-              </a:ext>
-            </a:extLst>
-          </p:cNvPr>
-          <p:cNvSpPr>
-            <a:spLocks noGrp="1"/>
-          </p:cNvSpPr>
-          <p:nvPr>
-            <p:ph idx="1"/>
-          </p:nvPr>
-        </p:nvSpPr>
-        <p:spPr/>
-        <p:txBody>
-          <a:bodyPr>
-            <a:normAutofit fontScale="25000" lnSpcReduction="20000"/>
-          </a:bodyPr>
-          <a:lstStyle/>
-          <a:p>
-            <a:r>
-              <a:rPr lang="en-US" b="1" dirty="0"/>
-              <a:t>3. Analytical Approach</a:t>
-            </a:r>
-          </a:p>
-          <a:p>
             <a:r>
               <a:rPr lang="en-US" dirty="0"/>
-              <a:t>Describe the techniques you used to explore the data:</a:t>
-            </a:r>
-          </a:p>
-          <a:p>
-            <a:r>
-              <a:rPr lang="en-US" b="1" dirty="0"/>
-              <a:t>Descriptive Statistics</a:t>
-            </a:r>
-            <a:r>
-              <a:rPr lang="en-US" dirty="0"/>
-              <a:t>: Summarized key metrics (e.g., retention rate, average GPA, distribution of financial aid).</a:t>
-            </a:r>
-          </a:p>
-          <a:p>
-            <a:r>
-              <a:rPr lang="en-US" b="1" dirty="0"/>
-              <a:t>Segmentation</a:t>
-            </a:r>
-            <a:r>
-              <a:rPr lang="en-US" dirty="0"/>
-              <a:t>: Broke down retention by categories such as: </a:t>
-            </a:r>
-          </a:p>
-          <a:p>
-            <a:pPr lvl="1"/>
-            <a:r>
-              <a:rPr lang="en-US" dirty="0"/>
-              <a:t>Residency status (in-state vs. out-of-state)</a:t>
-            </a:r>
-          </a:p>
-          <a:p>
-            <a:pPr lvl="1"/>
-            <a:r>
-              <a:rPr lang="en-US" dirty="0"/>
-              <a:t>First-generation status</a:t>
-            </a:r>
-          </a:p>
-          <a:p>
-            <a:pPr lvl="1"/>
-            <a:r>
-              <a:rPr lang="en-US" dirty="0"/>
-              <a:t>Academic performance</a:t>
-            </a:r>
-          </a:p>
-          <a:p>
-            <a:pPr lvl="1"/>
-            <a:r>
-              <a:rPr lang="en-US" dirty="0"/>
-              <a:t>Financial aid received</a:t>
-            </a:r>
-          </a:p>
-          <a:p>
-            <a:r>
-              <a:rPr lang="en-US" b="1" dirty="0"/>
-              <a:t>Visualization</a:t>
-            </a:r>
-            <a:r>
-              <a:rPr lang="en-US" dirty="0"/>
-              <a:t>: Used charts (bar graphs, heatmaps, scatter plots) to highlight trends and relationships.</a:t>
-            </a:r>
-          </a:p>
-          <a:p>
-            <a:r>
-              <a:rPr lang="en-US" b="1" dirty="0"/>
-              <a:t>Predictive Modeling (if applicable)</a:t>
-            </a:r>
-            <a:r>
-              <a:rPr lang="en-US" dirty="0"/>
-              <a:t>: </a:t>
-            </a:r>
-          </a:p>
-          <a:p>
-            <a:pPr lvl="1"/>
-            <a:r>
-              <a:rPr lang="en-US" dirty="0"/>
-              <a:t>Logistic regression or decision trees to identify factors most associated with retention.</a:t>
-            </a:r>
-          </a:p>
-          <a:p>
-            <a:pPr lvl="1"/>
-            <a:r>
-              <a:rPr lang="en-US" dirty="0"/>
-              <a:t>Feature importance to guide recommendations.</a:t>
-            </a:r>
-          </a:p>
-          <a:p>
-            <a:br>
-              <a:rPr lang="en-US" dirty="0"/>
-            </a:br>
-            <a:endParaRPr lang="en-US" dirty="0"/>
-          </a:p>
-          <a:p>
-            <a:r>
-              <a:rPr lang="en-US" b="1" dirty="0"/>
-              <a:t>4. Insights &amp; Interpretation</a:t>
-            </a:r>
-          </a:p>
-          <a:p>
-            <a:r>
-              <a:rPr lang="en-US" dirty="0"/>
-              <a:t>Share what you discovered:</a:t>
-            </a:r>
-          </a:p>
-          <a:p>
-            <a:r>
-              <a:rPr lang="en-US" dirty="0"/>
-              <a:t>Which groups had higher/lower retention?</a:t>
-            </a:r>
-          </a:p>
-          <a:p>
-            <a:r>
-              <a:rPr lang="en-US" dirty="0"/>
-              <a:t>Were there any surprising trends (e.g., aid type vs. retention)?</a:t>
-            </a:r>
-          </a:p>
-          <a:p>
-            <a:r>
-              <a:rPr lang="en-US" dirty="0"/>
-              <a:t>Did any variables strongly correlate with retention outcomes?</a:t>
-            </a:r>
-          </a:p>
-          <a:p>
-            <a:br>
-              <a:rPr lang="en-US" dirty="0"/>
-            </a:br>
-            <a:endParaRPr lang="en-US" dirty="0"/>
-          </a:p>
-          <a:p>
-            <a:r>
-              <a:rPr lang="en-US" b="1" dirty="0"/>
-              <a:t>5. Recommendations</a:t>
-            </a:r>
-          </a:p>
-          <a:p>
-            <a:r>
-              <a:rPr lang="en-US" dirty="0"/>
-              <a:t>Offer actionable suggestions based on your findings:</a:t>
-            </a:r>
-          </a:p>
-          <a:p>
-            <a:r>
-              <a:rPr lang="en-US" dirty="0"/>
-              <a:t>Targeted support for at-risk groups.</a:t>
-            </a:r>
-          </a:p>
-          <a:p>
-            <a:r>
-              <a:rPr lang="en-US" dirty="0"/>
-              <a:t>Data-driven outreach strategies.</a:t>
-            </a:r>
-          </a:p>
-          <a:p>
-            <a:r>
-              <a:rPr lang="en-US" dirty="0"/>
-              <a:t>Suggestions for further data collection or analysis (e.g., qualitative surveys, longitudinal tracking).</a:t>
-            </a:r>
-          </a:p>
-          <a:p>
-            <a:br>
-              <a:rPr lang="en-US" dirty="0"/>
-            </a:br>
-            <a:endParaRPr lang="en-US" dirty="0"/>
-          </a:p>
-          <a:p>
-            <a:r>
-              <a:rPr lang="en-US" b="1" dirty="0"/>
-              <a:t>6. Tools Used</a:t>
-            </a:r>
-          </a:p>
-          <a:p>
-            <a:r>
-              <a:rPr lang="en-US" dirty="0"/>
-              <a:t>Mention the software/tools you used:</a:t>
-            </a:r>
-          </a:p>
-          <a:p>
-            <a:r>
-              <a:rPr lang="en-US" dirty="0"/>
-              <a:t>Excel, Power BI, Tableau, R, Python (e.g., pandas, seaborn, scikit-learn)</a:t>
-            </a:r>
-          </a:p>
-          <a:p>
-            <a:r>
-              <a:rPr lang="en-US"/>
-              <a:t>Why you chose them (e.g., ease of visualization, statistical modeling capabilities)</a:t>
-            </a:r>
-          </a:p>
-          <a:p>
-            <a:endParaRPr lang="en-US"/>
+              <a:t>Online &amp; Statewide</a:t>
+            </a:r>
           </a:p>
         </p:txBody>
       </p:sp>
@@ -5559,7 +5523,7 @@
           <p:cNvPr id="6" name="Artifact">
             <a:extLst>
               <a:ext uri="{FF2B5EF4-FFF2-40B4-BE49-F238E27FC236}">
-                <a16:creationId xmlns:a16="http://schemas.microsoft.com/office/drawing/2014/main" id="{6BDF6A45-60CD-D993-7211-C704495BE1A9}"/>
+                <a16:creationId xmlns:a16="http://schemas.microsoft.com/office/drawing/2014/main" id="{98ED9B5B-3AA3-EA71-BCD6-B8F08D14E721}"/>
               </a:ext>
               <a:ext uri="{C183D7F6-B498-43B3-948B-1728B52AA6E4}">
                 <adec:decorative xmlns:adec="http://schemas.microsoft.com/office/drawing/2017/decorative" val="1"/>
@@ -5629,7 +5593,7 @@
           <p:cNvPr id="5" name="Figure" descr="NAU: Northern Arizona University.">
             <a:extLst>
               <a:ext uri="{FF2B5EF4-FFF2-40B4-BE49-F238E27FC236}">
-                <a16:creationId xmlns:a16="http://schemas.microsoft.com/office/drawing/2014/main" id="{23A0B47C-CAFB-6659-C65A-AC20F95DD8DA}"/>
+                <a16:creationId xmlns:a16="http://schemas.microsoft.com/office/drawing/2014/main" id="{397510E6-C230-50D4-BD45-B6FEE6397E0E}"/>
               </a:ext>
             </a:extLst>
           </p:cNvPr>
@@ -5654,10 +5618,275 @@
           </a:prstGeom>
         </p:spPr>
       </p:pic>
+      <p:sp>
+        <p:nvSpPr>
+          <p:cNvPr id="12" name="Content Placeholder 6">
+            <a:extLst>
+              <a:ext uri="{FF2B5EF4-FFF2-40B4-BE49-F238E27FC236}">
+                <a16:creationId xmlns:a16="http://schemas.microsoft.com/office/drawing/2014/main" id="{236E9D6A-F04C-A986-9E49-3FD5F1C54245}"/>
+              </a:ext>
+            </a:extLst>
+          </p:cNvPr>
+          <p:cNvSpPr txBox="1">
+            <a:spLocks/>
+          </p:cNvSpPr>
+          <p:nvPr/>
+        </p:nvSpPr>
+        <p:spPr>
+          <a:xfrm>
+            <a:off x="715370" y="1652154"/>
+            <a:ext cx="5181600" cy="4900201"/>
+          </a:xfrm>
+          <a:prstGeom prst="rect">
+            <a:avLst/>
+          </a:prstGeom>
+        </p:spPr>
+        <p:txBody>
+          <a:bodyPr vert="horz" lIns="91440" tIns="45720" rIns="91440" bIns="45720" rtlCol="0">
+            <a:normAutofit/>
+          </a:bodyPr>
+          <a:lstStyle>
+            <a:lvl1pPr marL="228600" indent="-228600" algn="l" defTabSz="914400" rtl="0" eaLnBrk="1" latinLnBrk="0" hangingPunct="1">
+              <a:lnSpc>
+                <a:spcPct val="90000"/>
+              </a:lnSpc>
+              <a:spcBef>
+                <a:spcPts val="1000"/>
+              </a:spcBef>
+              <a:buFont typeface="Arial" panose="020B0604020202020204" pitchFamily="34" charset="0"/>
+              <a:buChar char="•"/>
+              <a:defRPr sz="2800" kern="1200">
+                <a:solidFill>
+                  <a:schemeClr val="tx1"/>
+                </a:solidFill>
+                <a:latin typeface="+mn-lt"/>
+                <a:ea typeface="+mn-ea"/>
+                <a:cs typeface="+mn-cs"/>
+              </a:defRPr>
+            </a:lvl1pPr>
+            <a:lvl2pPr marL="685800" indent="-228600" algn="l" defTabSz="914400" rtl="0" eaLnBrk="1" latinLnBrk="0" hangingPunct="1">
+              <a:lnSpc>
+                <a:spcPct val="90000"/>
+              </a:lnSpc>
+              <a:spcBef>
+                <a:spcPts val="500"/>
+              </a:spcBef>
+              <a:buFont typeface="Arial" panose="020B0604020202020204" pitchFamily="34" charset="0"/>
+              <a:buChar char="•"/>
+              <a:defRPr sz="2400" kern="1200">
+                <a:solidFill>
+                  <a:schemeClr val="tx1"/>
+                </a:solidFill>
+                <a:latin typeface="+mn-lt"/>
+                <a:ea typeface="+mn-ea"/>
+                <a:cs typeface="+mn-cs"/>
+              </a:defRPr>
+            </a:lvl2pPr>
+            <a:lvl3pPr marL="1143000" indent="-228600" algn="l" defTabSz="914400" rtl="0" eaLnBrk="1" latinLnBrk="0" hangingPunct="1">
+              <a:lnSpc>
+                <a:spcPct val="90000"/>
+              </a:lnSpc>
+              <a:spcBef>
+                <a:spcPts val="500"/>
+              </a:spcBef>
+              <a:buFont typeface="Arial" panose="020B0604020202020204" pitchFamily="34" charset="0"/>
+              <a:buChar char="•"/>
+              <a:defRPr sz="2000" kern="1200">
+                <a:solidFill>
+                  <a:schemeClr val="tx1"/>
+                </a:solidFill>
+                <a:latin typeface="+mn-lt"/>
+                <a:ea typeface="+mn-ea"/>
+                <a:cs typeface="+mn-cs"/>
+              </a:defRPr>
+            </a:lvl3pPr>
+            <a:lvl4pPr marL="1600200" indent="-228600" algn="l" defTabSz="914400" rtl="0" eaLnBrk="1" latinLnBrk="0" hangingPunct="1">
+              <a:lnSpc>
+                <a:spcPct val="90000"/>
+              </a:lnSpc>
+              <a:spcBef>
+                <a:spcPts val="500"/>
+              </a:spcBef>
+              <a:buFont typeface="Arial" panose="020B0604020202020204" pitchFamily="34" charset="0"/>
+              <a:buChar char="•"/>
+              <a:defRPr sz="1800" kern="1200">
+                <a:solidFill>
+                  <a:schemeClr val="tx1"/>
+                </a:solidFill>
+                <a:latin typeface="+mn-lt"/>
+                <a:ea typeface="+mn-ea"/>
+                <a:cs typeface="+mn-cs"/>
+              </a:defRPr>
+            </a:lvl4pPr>
+            <a:lvl5pPr marL="2057400" indent="-228600" algn="l" defTabSz="914400" rtl="0" eaLnBrk="1" latinLnBrk="0" hangingPunct="1">
+              <a:lnSpc>
+                <a:spcPct val="90000"/>
+              </a:lnSpc>
+              <a:spcBef>
+                <a:spcPts val="500"/>
+              </a:spcBef>
+              <a:buFont typeface="Arial" panose="020B0604020202020204" pitchFamily="34" charset="0"/>
+              <a:buChar char="•"/>
+              <a:defRPr sz="1800" kern="1200">
+                <a:solidFill>
+                  <a:schemeClr val="tx1"/>
+                </a:solidFill>
+                <a:latin typeface="+mn-lt"/>
+                <a:ea typeface="+mn-ea"/>
+                <a:cs typeface="+mn-cs"/>
+              </a:defRPr>
+            </a:lvl5pPr>
+            <a:lvl6pPr marL="2514600" indent="-228600" algn="l" defTabSz="914400" rtl="0" eaLnBrk="1" latinLnBrk="0" hangingPunct="1">
+              <a:lnSpc>
+                <a:spcPct val="90000"/>
+              </a:lnSpc>
+              <a:spcBef>
+                <a:spcPts val="500"/>
+              </a:spcBef>
+              <a:buFont typeface="Arial" panose="020B0604020202020204" pitchFamily="34" charset="0"/>
+              <a:buChar char="•"/>
+              <a:defRPr sz="1800" kern="1200">
+                <a:solidFill>
+                  <a:schemeClr val="tx1"/>
+                </a:solidFill>
+                <a:latin typeface="+mn-lt"/>
+                <a:ea typeface="+mn-ea"/>
+                <a:cs typeface="+mn-cs"/>
+              </a:defRPr>
+            </a:lvl6pPr>
+            <a:lvl7pPr marL="2971800" indent="-228600" algn="l" defTabSz="914400" rtl="0" eaLnBrk="1" latinLnBrk="0" hangingPunct="1">
+              <a:lnSpc>
+                <a:spcPct val="90000"/>
+              </a:lnSpc>
+              <a:spcBef>
+                <a:spcPts val="500"/>
+              </a:spcBef>
+              <a:buFont typeface="Arial" panose="020B0604020202020204" pitchFamily="34" charset="0"/>
+              <a:buChar char="•"/>
+              <a:defRPr sz="1800" kern="1200">
+                <a:solidFill>
+                  <a:schemeClr val="tx1"/>
+                </a:solidFill>
+                <a:latin typeface="+mn-lt"/>
+                <a:ea typeface="+mn-ea"/>
+                <a:cs typeface="+mn-cs"/>
+              </a:defRPr>
+            </a:lvl7pPr>
+            <a:lvl8pPr marL="3429000" indent="-228600" algn="l" defTabSz="914400" rtl="0" eaLnBrk="1" latinLnBrk="0" hangingPunct="1">
+              <a:lnSpc>
+                <a:spcPct val="90000"/>
+              </a:lnSpc>
+              <a:spcBef>
+                <a:spcPts val="500"/>
+              </a:spcBef>
+              <a:buFont typeface="Arial" panose="020B0604020202020204" pitchFamily="34" charset="0"/>
+              <a:buChar char="•"/>
+              <a:defRPr sz="1800" kern="1200">
+                <a:solidFill>
+                  <a:schemeClr val="tx1"/>
+                </a:solidFill>
+                <a:latin typeface="+mn-lt"/>
+                <a:ea typeface="+mn-ea"/>
+                <a:cs typeface="+mn-cs"/>
+              </a:defRPr>
+            </a:lvl8pPr>
+            <a:lvl9pPr marL="3886200" indent="-228600" algn="l" defTabSz="914400" rtl="0" eaLnBrk="1" latinLnBrk="0" hangingPunct="1">
+              <a:lnSpc>
+                <a:spcPct val="90000"/>
+              </a:lnSpc>
+              <a:spcBef>
+                <a:spcPts val="500"/>
+              </a:spcBef>
+              <a:buFont typeface="Arial" panose="020B0604020202020204" pitchFamily="34" charset="0"/>
+              <a:buChar char="•"/>
+              <a:defRPr sz="1800" kern="1200">
+                <a:solidFill>
+                  <a:schemeClr val="tx1"/>
+                </a:solidFill>
+                <a:latin typeface="+mn-lt"/>
+                <a:ea typeface="+mn-ea"/>
+                <a:cs typeface="+mn-cs"/>
+              </a:defRPr>
+            </a:lvl9pPr>
+          </a:lstStyle>
+          <a:p>
+            <a:r>
+              <a:rPr lang="en-US" dirty="0"/>
+              <a:t>Online Education is another critical component of the Elevating Excellence strategic roadmap</a:t>
+            </a:r>
+          </a:p>
+          <a:p>
+            <a:r>
+              <a:rPr lang="en-US" dirty="0"/>
+              <a:t>Incentives and student behavior are the reverse of in-person programs</a:t>
+            </a:r>
+          </a:p>
+          <a:p>
+            <a:r>
+              <a:rPr lang="en-US" dirty="0"/>
+              <a:t>Recommendation: </a:t>
+            </a:r>
+          </a:p>
+          <a:p>
+            <a:pPr lvl="1"/>
+            <a:r>
+              <a:rPr lang="en-US" dirty="0"/>
+              <a:t>Incentives for students to enroll</a:t>
+            </a:r>
+          </a:p>
+          <a:p>
+            <a:pPr lvl="1"/>
+            <a:r>
+              <a:rPr lang="en-US" dirty="0"/>
+              <a:t>Identify factors making students likely to enroll in online/statewide programs</a:t>
+            </a:r>
+          </a:p>
+          <a:p>
+            <a:endParaRPr lang="en-US" dirty="0"/>
+          </a:p>
+          <a:p>
+            <a:pPr lvl="1"/>
+            <a:endParaRPr lang="en-US" dirty="0"/>
+          </a:p>
+          <a:p>
+            <a:endParaRPr lang="en-US" dirty="0"/>
+          </a:p>
+        </p:txBody>
+      </p:sp>
+      <p:pic>
+        <p:nvPicPr>
+          <p:cNvPr id="8" name="Picture 7">
+            <a:extLst>
+              <a:ext uri="{FF2B5EF4-FFF2-40B4-BE49-F238E27FC236}">
+                <a16:creationId xmlns:a16="http://schemas.microsoft.com/office/drawing/2014/main" id="{9873D483-FE36-E7C7-AB8A-015CD0B3C554}"/>
+              </a:ext>
+            </a:extLst>
+          </p:cNvPr>
+          <p:cNvPicPr>
+            <a:picLocks noChangeAspect="1"/>
+          </p:cNvPicPr>
+          <p:nvPr/>
+        </p:nvPicPr>
+        <p:blipFill>
+          <a:blip r:embed="rId3"/>
+          <a:stretch>
+            <a:fillRect/>
+          </a:stretch>
+        </p:blipFill>
+        <p:spPr>
+          <a:xfrm>
+            <a:off x="6447430" y="847150"/>
+            <a:ext cx="5181600" cy="5878676"/>
+          </a:xfrm>
+          <a:prstGeom prst="rect">
+            <a:avLst/>
+          </a:prstGeom>
+        </p:spPr>
+      </p:pic>
     </p:spTree>
     <p:extLst>
       <p:ext uri="{BB962C8B-B14F-4D97-AF65-F5344CB8AC3E}">
-        <p14:creationId xmlns:p14="http://schemas.microsoft.com/office/powerpoint/2010/main" val="3948542754"/>
+        <p14:creationId xmlns:p14="http://schemas.microsoft.com/office/powerpoint/2010/main" val="1871677651"/>
       </p:ext>
     </p:extLst>
   </p:cSld>
@@ -5667,7 +5896,7 @@
 </p:sld>
 </file>
 
-<file path=ppt/slides/slide15.xml><?xml version="1.0" encoding="utf-8"?>
+<file path=ppt/slides/slide13.xml><?xml version="1.0" encoding="utf-8"?>
 <p:sld xmlns:a="http://schemas.openxmlformats.org/drawingml/2006/main" xmlns:r="http://schemas.openxmlformats.org/officeDocument/2006/relationships" xmlns:p="http://schemas.openxmlformats.org/presentationml/2006/main">
   <p:cSld>
     <p:spTree>
@@ -5675,7 +5904,7 @@
         <p:cNvPr id="1" name="">
           <a:extLst>
             <a:ext uri="{FF2B5EF4-FFF2-40B4-BE49-F238E27FC236}">
-              <a16:creationId xmlns:a16="http://schemas.microsoft.com/office/drawing/2014/main" id="{485678F1-9A85-9948-A6A7-66AC0DE9927F}"/>
+              <a16:creationId xmlns:a16="http://schemas.microsoft.com/office/drawing/2014/main" id="{CC98A03E-3A7B-F445-09EF-8FFF1521085A}"/>
             </a:ext>
           </a:extLst>
         </p:cNvPr>
@@ -5692,10 +5921,10 @@
       </p:grpSpPr>
       <p:sp>
         <p:nvSpPr>
-          <p:cNvPr id="2" name="Title 1">
-            <a:extLst>
-              <a:ext uri="{FF2B5EF4-FFF2-40B4-BE49-F238E27FC236}">
-                <a16:creationId xmlns:a16="http://schemas.microsoft.com/office/drawing/2014/main" id="{CAE2B5D9-5E50-D029-9141-56E3E9CF01E8}"/>
+          <p:cNvPr id="4" name="Title 3">
+            <a:extLst>
+              <a:ext uri="{FF2B5EF4-FFF2-40B4-BE49-F238E27FC236}">
+                <a16:creationId xmlns:a16="http://schemas.microsoft.com/office/drawing/2014/main" id="{8F7FA092-BA90-6E03-2A7A-E07BBF6A956C}"/>
               </a:ext>
             </a:extLst>
           </p:cNvPr>
@@ -5703,40 +5932,23 @@
             <a:spLocks noGrp="1"/>
           </p:cNvSpPr>
           <p:nvPr>
-            <p:ph type="ctrTitle"/>
+            <p:ph type="title"/>
           </p:nvPr>
         </p:nvSpPr>
-        <p:spPr/>
+        <p:spPr>
+          <a:xfrm>
+            <a:off x="838200" y="500062"/>
+            <a:ext cx="10515600" cy="1325563"/>
+          </a:xfrm>
+        </p:spPr>
         <p:txBody>
           <a:bodyPr/>
           <a:lstStyle/>
           <a:p>
-            <a:endParaRPr lang="en-US" dirty="0"/>
-          </a:p>
-        </p:txBody>
-      </p:sp>
-      <p:sp>
-        <p:nvSpPr>
-          <p:cNvPr id="3" name="Subtitle 2">
-            <a:extLst>
-              <a:ext uri="{FF2B5EF4-FFF2-40B4-BE49-F238E27FC236}">
-                <a16:creationId xmlns:a16="http://schemas.microsoft.com/office/drawing/2014/main" id="{FB157585-AE2A-CD56-DE75-A235DE31712C}"/>
-              </a:ext>
-            </a:extLst>
-          </p:cNvPr>
-          <p:cNvSpPr>
-            <a:spLocks noGrp="1"/>
-          </p:cNvSpPr>
-          <p:nvPr>
-            <p:ph type="subTitle" idx="1"/>
-          </p:nvPr>
-        </p:nvSpPr>
-        <p:spPr/>
-        <p:txBody>
-          <a:bodyPr/>
-          <a:lstStyle/>
-          <a:p>
-            <a:endParaRPr lang="en-US"/>
+            <a:r>
+              <a:rPr lang="en-US" dirty="0"/>
+              <a:t>Online &amp; Statewide Students</a:t>
+            </a:r>
           </a:p>
         </p:txBody>
       </p:sp>
@@ -5745,7 +5957,7 @@
           <p:cNvPr id="6" name="Artifact">
             <a:extLst>
               <a:ext uri="{FF2B5EF4-FFF2-40B4-BE49-F238E27FC236}">
-                <a16:creationId xmlns:a16="http://schemas.microsoft.com/office/drawing/2014/main" id="{360E8981-644D-A647-D9C4-2C9DD2E91ED5}"/>
+                <a16:creationId xmlns:a16="http://schemas.microsoft.com/office/drawing/2014/main" id="{7AE7D578-335D-49B3-C28D-2B861761E5A4}"/>
               </a:ext>
               <a:ext uri="{C183D7F6-B498-43B3-948B-1728B52AA6E4}">
                 <adec:decorative xmlns:adec="http://schemas.microsoft.com/office/drawing/2017/decorative" val="1"/>
@@ -5815,7 +6027,7 @@
           <p:cNvPr id="5" name="Figure" descr="NAU: Northern Arizona University.">
             <a:extLst>
               <a:ext uri="{FF2B5EF4-FFF2-40B4-BE49-F238E27FC236}">
-                <a16:creationId xmlns:a16="http://schemas.microsoft.com/office/drawing/2014/main" id="{52DD1FBC-2F9F-9379-987E-A177A1E7C474}"/>
+                <a16:creationId xmlns:a16="http://schemas.microsoft.com/office/drawing/2014/main" id="{6D854CD5-5E5E-FD16-298B-F5F0DBF8DE16}"/>
               </a:ext>
             </a:extLst>
           </p:cNvPr>
@@ -5840,10 +6052,339 @@
           </a:prstGeom>
         </p:spPr>
       </p:pic>
+      <p:sp>
+        <p:nvSpPr>
+          <p:cNvPr id="12" name="Content Placeholder 6">
+            <a:extLst>
+              <a:ext uri="{FF2B5EF4-FFF2-40B4-BE49-F238E27FC236}">
+                <a16:creationId xmlns:a16="http://schemas.microsoft.com/office/drawing/2014/main" id="{D7DD1DF6-8234-DBDA-6A45-5CF40813CC17}"/>
+              </a:ext>
+            </a:extLst>
+          </p:cNvPr>
+          <p:cNvSpPr txBox="1">
+            <a:spLocks/>
+          </p:cNvSpPr>
+          <p:nvPr/>
+        </p:nvSpPr>
+        <p:spPr>
+          <a:xfrm>
+            <a:off x="715370" y="1652154"/>
+            <a:ext cx="5181600" cy="4900201"/>
+          </a:xfrm>
+          <a:prstGeom prst="rect">
+            <a:avLst/>
+          </a:prstGeom>
+        </p:spPr>
+        <p:txBody>
+          <a:bodyPr vert="horz" lIns="91440" tIns="45720" rIns="91440" bIns="45720" rtlCol="0">
+            <a:normAutofit/>
+          </a:bodyPr>
+          <a:lstStyle>
+            <a:lvl1pPr marL="228600" indent="-228600" algn="l" defTabSz="914400" rtl="0" eaLnBrk="1" latinLnBrk="0" hangingPunct="1">
+              <a:lnSpc>
+                <a:spcPct val="90000"/>
+              </a:lnSpc>
+              <a:spcBef>
+                <a:spcPts val="1000"/>
+              </a:spcBef>
+              <a:buFont typeface="Arial" panose="020B0604020202020204" pitchFamily="34" charset="0"/>
+              <a:buChar char="•"/>
+              <a:defRPr sz="2800" kern="1200">
+                <a:solidFill>
+                  <a:schemeClr val="tx1"/>
+                </a:solidFill>
+                <a:latin typeface="+mn-lt"/>
+                <a:ea typeface="+mn-ea"/>
+                <a:cs typeface="+mn-cs"/>
+              </a:defRPr>
+            </a:lvl1pPr>
+            <a:lvl2pPr marL="685800" indent="-228600" algn="l" defTabSz="914400" rtl="0" eaLnBrk="1" latinLnBrk="0" hangingPunct="1">
+              <a:lnSpc>
+                <a:spcPct val="90000"/>
+              </a:lnSpc>
+              <a:spcBef>
+                <a:spcPts val="500"/>
+              </a:spcBef>
+              <a:buFont typeface="Arial" panose="020B0604020202020204" pitchFamily="34" charset="0"/>
+              <a:buChar char="•"/>
+              <a:defRPr sz="2400" kern="1200">
+                <a:solidFill>
+                  <a:schemeClr val="tx1"/>
+                </a:solidFill>
+                <a:latin typeface="+mn-lt"/>
+                <a:ea typeface="+mn-ea"/>
+                <a:cs typeface="+mn-cs"/>
+              </a:defRPr>
+            </a:lvl2pPr>
+            <a:lvl3pPr marL="1143000" indent="-228600" algn="l" defTabSz="914400" rtl="0" eaLnBrk="1" latinLnBrk="0" hangingPunct="1">
+              <a:lnSpc>
+                <a:spcPct val="90000"/>
+              </a:lnSpc>
+              <a:spcBef>
+                <a:spcPts val="500"/>
+              </a:spcBef>
+              <a:buFont typeface="Arial" panose="020B0604020202020204" pitchFamily="34" charset="0"/>
+              <a:buChar char="•"/>
+              <a:defRPr sz="2000" kern="1200">
+                <a:solidFill>
+                  <a:schemeClr val="tx1"/>
+                </a:solidFill>
+                <a:latin typeface="+mn-lt"/>
+                <a:ea typeface="+mn-ea"/>
+                <a:cs typeface="+mn-cs"/>
+              </a:defRPr>
+            </a:lvl3pPr>
+            <a:lvl4pPr marL="1600200" indent="-228600" algn="l" defTabSz="914400" rtl="0" eaLnBrk="1" latinLnBrk="0" hangingPunct="1">
+              <a:lnSpc>
+                <a:spcPct val="90000"/>
+              </a:lnSpc>
+              <a:spcBef>
+                <a:spcPts val="500"/>
+              </a:spcBef>
+              <a:buFont typeface="Arial" panose="020B0604020202020204" pitchFamily="34" charset="0"/>
+              <a:buChar char="•"/>
+              <a:defRPr sz="1800" kern="1200">
+                <a:solidFill>
+                  <a:schemeClr val="tx1"/>
+                </a:solidFill>
+                <a:latin typeface="+mn-lt"/>
+                <a:ea typeface="+mn-ea"/>
+                <a:cs typeface="+mn-cs"/>
+              </a:defRPr>
+            </a:lvl4pPr>
+            <a:lvl5pPr marL="2057400" indent="-228600" algn="l" defTabSz="914400" rtl="0" eaLnBrk="1" latinLnBrk="0" hangingPunct="1">
+              <a:lnSpc>
+                <a:spcPct val="90000"/>
+              </a:lnSpc>
+              <a:spcBef>
+                <a:spcPts val="500"/>
+              </a:spcBef>
+              <a:buFont typeface="Arial" panose="020B0604020202020204" pitchFamily="34" charset="0"/>
+              <a:buChar char="•"/>
+              <a:defRPr sz="1800" kern="1200">
+                <a:solidFill>
+                  <a:schemeClr val="tx1"/>
+                </a:solidFill>
+                <a:latin typeface="+mn-lt"/>
+                <a:ea typeface="+mn-ea"/>
+                <a:cs typeface="+mn-cs"/>
+              </a:defRPr>
+            </a:lvl5pPr>
+            <a:lvl6pPr marL="2514600" indent="-228600" algn="l" defTabSz="914400" rtl="0" eaLnBrk="1" latinLnBrk="0" hangingPunct="1">
+              <a:lnSpc>
+                <a:spcPct val="90000"/>
+              </a:lnSpc>
+              <a:spcBef>
+                <a:spcPts val="500"/>
+              </a:spcBef>
+              <a:buFont typeface="Arial" panose="020B0604020202020204" pitchFamily="34" charset="0"/>
+              <a:buChar char="•"/>
+              <a:defRPr sz="1800" kern="1200">
+                <a:solidFill>
+                  <a:schemeClr val="tx1"/>
+                </a:solidFill>
+                <a:latin typeface="+mn-lt"/>
+                <a:ea typeface="+mn-ea"/>
+                <a:cs typeface="+mn-cs"/>
+              </a:defRPr>
+            </a:lvl6pPr>
+            <a:lvl7pPr marL="2971800" indent="-228600" algn="l" defTabSz="914400" rtl="0" eaLnBrk="1" latinLnBrk="0" hangingPunct="1">
+              <a:lnSpc>
+                <a:spcPct val="90000"/>
+              </a:lnSpc>
+              <a:spcBef>
+                <a:spcPts val="500"/>
+              </a:spcBef>
+              <a:buFont typeface="Arial" panose="020B0604020202020204" pitchFamily="34" charset="0"/>
+              <a:buChar char="•"/>
+              <a:defRPr sz="1800" kern="1200">
+                <a:solidFill>
+                  <a:schemeClr val="tx1"/>
+                </a:solidFill>
+                <a:latin typeface="+mn-lt"/>
+                <a:ea typeface="+mn-ea"/>
+                <a:cs typeface="+mn-cs"/>
+              </a:defRPr>
+            </a:lvl7pPr>
+            <a:lvl8pPr marL="3429000" indent="-228600" algn="l" defTabSz="914400" rtl="0" eaLnBrk="1" latinLnBrk="0" hangingPunct="1">
+              <a:lnSpc>
+                <a:spcPct val="90000"/>
+              </a:lnSpc>
+              <a:spcBef>
+                <a:spcPts val="500"/>
+              </a:spcBef>
+              <a:buFont typeface="Arial" panose="020B0604020202020204" pitchFamily="34" charset="0"/>
+              <a:buChar char="•"/>
+              <a:defRPr sz="1800" kern="1200">
+                <a:solidFill>
+                  <a:schemeClr val="tx1"/>
+                </a:solidFill>
+                <a:latin typeface="+mn-lt"/>
+                <a:ea typeface="+mn-ea"/>
+                <a:cs typeface="+mn-cs"/>
+              </a:defRPr>
+            </a:lvl8pPr>
+            <a:lvl9pPr marL="3886200" indent="-228600" algn="l" defTabSz="914400" rtl="0" eaLnBrk="1" latinLnBrk="0" hangingPunct="1">
+              <a:lnSpc>
+                <a:spcPct val="90000"/>
+              </a:lnSpc>
+              <a:spcBef>
+                <a:spcPts val="500"/>
+              </a:spcBef>
+              <a:buFont typeface="Arial" panose="020B0604020202020204" pitchFamily="34" charset="0"/>
+              <a:buChar char="•"/>
+              <a:defRPr sz="1800" kern="1200">
+                <a:solidFill>
+                  <a:schemeClr val="tx1"/>
+                </a:solidFill>
+                <a:latin typeface="+mn-lt"/>
+                <a:ea typeface="+mn-ea"/>
+                <a:cs typeface="+mn-cs"/>
+              </a:defRPr>
+            </a:lvl9pPr>
+          </a:lstStyle>
+          <a:p>
+            <a:r>
+              <a:rPr lang="en-US" dirty="0"/>
+              <a:t>Only 94 students in this cohort enrolled in Online/Statewide</a:t>
+            </a:r>
+          </a:p>
+          <a:p>
+            <a:r>
+              <a:rPr lang="en-US" dirty="0"/>
+              <a:t>Tend to be older, part time, non-traditional</a:t>
+            </a:r>
+          </a:p>
+          <a:p>
+            <a:r>
+              <a:rPr lang="en-US" dirty="0"/>
+              <a:t>Recommendations:</a:t>
+            </a:r>
+          </a:p>
+          <a:p>
+            <a:pPr lvl="1"/>
+            <a:r>
+              <a:rPr lang="en-US" dirty="0"/>
+              <a:t>Non-traditional programs mean non-traditional start</a:t>
+            </a:r>
+          </a:p>
+          <a:p>
+            <a:pPr lvl="1"/>
+            <a:r>
+              <a:rPr lang="en-US" dirty="0"/>
+              <a:t>Increase flexibility</a:t>
+            </a:r>
+          </a:p>
+          <a:p>
+            <a:pPr lvl="1"/>
+            <a:endParaRPr lang="en-US" dirty="0"/>
+          </a:p>
+          <a:p>
+            <a:endParaRPr lang="en-US" dirty="0"/>
+          </a:p>
+          <a:p>
+            <a:pPr lvl="1"/>
+            <a:endParaRPr lang="en-US" dirty="0"/>
+          </a:p>
+          <a:p>
+            <a:endParaRPr lang="en-US" dirty="0"/>
+          </a:p>
+        </p:txBody>
+      </p:sp>
+      <p:pic>
+        <p:nvPicPr>
+          <p:cNvPr id="11" name="Picture 10">
+            <a:extLst>
+              <a:ext uri="{FF2B5EF4-FFF2-40B4-BE49-F238E27FC236}">
+                <a16:creationId xmlns:a16="http://schemas.microsoft.com/office/drawing/2014/main" id="{F88DB7C1-30B8-7848-7E8C-114015CE3717}"/>
+              </a:ext>
+            </a:extLst>
+          </p:cNvPr>
+          <p:cNvPicPr>
+            <a:picLocks noChangeAspect="1"/>
+          </p:cNvPicPr>
+          <p:nvPr/>
+        </p:nvPicPr>
+        <p:blipFill>
+          <a:blip r:embed="rId3"/>
+          <a:stretch>
+            <a:fillRect/>
+          </a:stretch>
+        </p:blipFill>
+        <p:spPr>
+          <a:xfrm>
+            <a:off x="6841379" y="1395723"/>
+            <a:ext cx="4635251" cy="1905603"/>
+          </a:xfrm>
+          <a:prstGeom prst="rect">
+            <a:avLst/>
+          </a:prstGeom>
+        </p:spPr>
+      </p:pic>
+      <p:pic>
+        <p:nvPicPr>
+          <p:cNvPr id="14" name="Picture 13">
+            <a:extLst>
+              <a:ext uri="{FF2B5EF4-FFF2-40B4-BE49-F238E27FC236}">
+                <a16:creationId xmlns:a16="http://schemas.microsoft.com/office/drawing/2014/main" id="{5DD1D53D-C0D6-9D39-AC79-DA82ED78CAF1}"/>
+              </a:ext>
+            </a:extLst>
+          </p:cNvPr>
+          <p:cNvPicPr>
+            <a:picLocks noChangeAspect="1"/>
+          </p:cNvPicPr>
+          <p:nvPr/>
+        </p:nvPicPr>
+        <p:blipFill>
+          <a:blip r:embed="rId4"/>
+          <a:stretch>
+            <a:fillRect/>
+          </a:stretch>
+        </p:blipFill>
+        <p:spPr>
+          <a:xfrm>
+            <a:off x="6841379" y="3365163"/>
+            <a:ext cx="4767525" cy="1619736"/>
+          </a:xfrm>
+          <a:prstGeom prst="rect">
+            <a:avLst/>
+          </a:prstGeom>
+        </p:spPr>
+      </p:pic>
+      <p:pic>
+        <p:nvPicPr>
+          <p:cNvPr id="16" name="Picture 15">
+            <a:extLst>
+              <a:ext uri="{FF2B5EF4-FFF2-40B4-BE49-F238E27FC236}">
+                <a16:creationId xmlns:a16="http://schemas.microsoft.com/office/drawing/2014/main" id="{0478B748-0B9C-A567-1101-7913A205B4A3}"/>
+              </a:ext>
+            </a:extLst>
+          </p:cNvPr>
+          <p:cNvPicPr>
+            <a:picLocks noChangeAspect="1"/>
+          </p:cNvPicPr>
+          <p:nvPr/>
+        </p:nvPicPr>
+        <p:blipFill>
+          <a:blip r:embed="rId5"/>
+          <a:stretch>
+            <a:fillRect/>
+          </a:stretch>
+        </p:blipFill>
+        <p:spPr>
+          <a:xfrm>
+            <a:off x="6841379" y="5048736"/>
+            <a:ext cx="4886795" cy="1762957"/>
+          </a:xfrm>
+          <a:prstGeom prst="rect">
+            <a:avLst/>
+          </a:prstGeom>
+        </p:spPr>
+      </p:pic>
     </p:spTree>
     <p:extLst>
       <p:ext uri="{BB962C8B-B14F-4D97-AF65-F5344CB8AC3E}">
-        <p14:creationId xmlns:p14="http://schemas.microsoft.com/office/powerpoint/2010/main" val="3634521135"/>
+        <p14:creationId xmlns:p14="http://schemas.microsoft.com/office/powerpoint/2010/main" val="2681648034"/>
       </p:ext>
     </p:extLst>
   </p:cSld>
@@ -5853,7 +6394,7 @@
 </p:sld>
 </file>
 
-<file path=ppt/slides/slide16.xml><?xml version="1.0" encoding="utf-8"?>
+<file path=ppt/slides/slide14.xml><?xml version="1.0" encoding="utf-8"?>
 <p:sld xmlns:a="http://schemas.openxmlformats.org/drawingml/2006/main" xmlns:r="http://schemas.openxmlformats.org/officeDocument/2006/relationships" xmlns:p="http://schemas.openxmlformats.org/presentationml/2006/main">
   <p:cSld>
     <p:spTree>
@@ -5861,7 +6402,7 @@
         <p:cNvPr id="1" name="">
           <a:extLst>
             <a:ext uri="{FF2B5EF4-FFF2-40B4-BE49-F238E27FC236}">
-              <a16:creationId xmlns:a16="http://schemas.microsoft.com/office/drawing/2014/main" id="{46AEF350-E3DC-EADE-4CB6-49C2F124B2F1}"/>
+              <a16:creationId xmlns:a16="http://schemas.microsoft.com/office/drawing/2014/main" id="{2A806912-E32C-D058-7D0C-58B959C83671}"/>
             </a:ext>
           </a:extLst>
         </p:cNvPr>
@@ -5878,10 +6419,10 @@
       </p:grpSpPr>
       <p:sp>
         <p:nvSpPr>
-          <p:cNvPr id="4" name="Title 3">
-            <a:extLst>
-              <a:ext uri="{FF2B5EF4-FFF2-40B4-BE49-F238E27FC236}">
-                <a16:creationId xmlns:a16="http://schemas.microsoft.com/office/drawing/2014/main" id="{01C5F8A2-18E6-1072-B42F-F258169826E6}"/>
+          <p:cNvPr id="2" name="Title 1">
+            <a:extLst>
+              <a:ext uri="{FF2B5EF4-FFF2-40B4-BE49-F238E27FC236}">
+                <a16:creationId xmlns:a16="http://schemas.microsoft.com/office/drawing/2014/main" id="{F53838C5-8C12-FD70-FD9C-B7FDA78E1164}"/>
               </a:ext>
             </a:extLst>
           </p:cNvPr>
@@ -5889,23 +6430,40 @@
             <a:spLocks noGrp="1"/>
           </p:cNvSpPr>
           <p:nvPr>
-            <p:ph type="title"/>
+            <p:ph type="ctrTitle"/>
           </p:nvPr>
         </p:nvSpPr>
-        <p:spPr>
-          <a:xfrm>
-            <a:off x="838200" y="500062"/>
-            <a:ext cx="10515600" cy="1325563"/>
-          </a:xfrm>
-        </p:spPr>
+        <p:spPr/>
         <p:txBody>
           <a:bodyPr/>
           <a:lstStyle/>
           <a:p>
-            <a:r>
-              <a:rPr lang="en-US" dirty="0"/>
-              <a:t>Logistic Regression</a:t>
-            </a:r>
+            <a:endParaRPr lang="en-US" dirty="0"/>
+          </a:p>
+        </p:txBody>
+      </p:sp>
+      <p:sp>
+        <p:nvSpPr>
+          <p:cNvPr id="3" name="Subtitle 2">
+            <a:extLst>
+              <a:ext uri="{FF2B5EF4-FFF2-40B4-BE49-F238E27FC236}">
+                <a16:creationId xmlns:a16="http://schemas.microsoft.com/office/drawing/2014/main" id="{E31881A4-1819-3D79-9238-5E493D4EDBD0}"/>
+              </a:ext>
+            </a:extLst>
+          </p:cNvPr>
+          <p:cNvSpPr>
+            <a:spLocks noGrp="1"/>
+          </p:cNvSpPr>
+          <p:nvPr>
+            <p:ph type="subTitle" idx="1"/>
+          </p:nvPr>
+        </p:nvSpPr>
+        <p:spPr/>
+        <p:txBody>
+          <a:bodyPr/>
+          <a:lstStyle/>
+          <a:p>
+            <a:endParaRPr lang="en-US"/>
           </a:p>
         </p:txBody>
       </p:sp>
@@ -5914,7 +6472,7 @@
           <p:cNvPr id="6" name="Artifact">
             <a:extLst>
               <a:ext uri="{FF2B5EF4-FFF2-40B4-BE49-F238E27FC236}">
-                <a16:creationId xmlns:a16="http://schemas.microsoft.com/office/drawing/2014/main" id="{901A4341-ABA2-DD5D-BF59-7AE59BE347AB}"/>
+                <a16:creationId xmlns:a16="http://schemas.microsoft.com/office/drawing/2014/main" id="{C92A24BA-F8D1-95F0-53EC-5D111E08C5A5}"/>
               </a:ext>
               <a:ext uri="{C183D7F6-B498-43B3-948B-1728B52AA6E4}">
                 <adec:decorative xmlns:adec="http://schemas.microsoft.com/office/drawing/2017/decorative" val="1"/>
@@ -5984,6 +6542,1340 @@
           <p:cNvPr id="5" name="Figure" descr="NAU: Northern Arizona University.">
             <a:extLst>
               <a:ext uri="{FF2B5EF4-FFF2-40B4-BE49-F238E27FC236}">
+                <a16:creationId xmlns:a16="http://schemas.microsoft.com/office/drawing/2014/main" id="{8FC6B846-6196-24DF-9BD9-CF2221680D8B}"/>
+              </a:ext>
+            </a:extLst>
+          </p:cNvPr>
+          <p:cNvPicPr>
+            <a:picLocks noChangeAspect="1"/>
+          </p:cNvPicPr>
+          <p:nvPr/>
+        </p:nvPicPr>
+        <p:blipFill>
+          <a:blip r:embed="rId2"/>
+          <a:stretch>
+            <a:fillRect/>
+          </a:stretch>
+        </p:blipFill>
+        <p:spPr>
+          <a:xfrm>
+            <a:off x="2914649" y="132174"/>
+            <a:ext cx="6362701" cy="315753"/>
+          </a:xfrm>
+          <a:prstGeom prst="rect">
+            <a:avLst/>
+          </a:prstGeom>
+        </p:spPr>
+      </p:pic>
+    </p:spTree>
+    <p:extLst>
+      <p:ext uri="{BB962C8B-B14F-4D97-AF65-F5344CB8AC3E}">
+        <p14:creationId xmlns:p14="http://schemas.microsoft.com/office/powerpoint/2010/main" val="2190655310"/>
+      </p:ext>
+    </p:extLst>
+  </p:cSld>
+  <p:clrMapOvr>
+    <a:masterClrMapping/>
+  </p:clrMapOvr>
+</p:sld>
+</file>
+
+<file path=ppt/slides/slide15.xml><?xml version="1.0" encoding="utf-8"?>
+<p:sld xmlns:a="http://schemas.openxmlformats.org/drawingml/2006/main" xmlns:r="http://schemas.openxmlformats.org/officeDocument/2006/relationships" xmlns:p="http://schemas.openxmlformats.org/presentationml/2006/main">
+  <p:cSld>
+    <p:spTree>
+      <p:nvGrpSpPr>
+        <p:cNvPr id="1" name="">
+          <a:extLst>
+            <a:ext uri="{FF2B5EF4-FFF2-40B4-BE49-F238E27FC236}">
+              <a16:creationId xmlns:a16="http://schemas.microsoft.com/office/drawing/2014/main" id="{90D891B7-2542-9866-0354-8D9A078A2137}"/>
+            </a:ext>
+          </a:extLst>
+        </p:cNvPr>
+        <p:cNvGrpSpPr/>
+        <p:nvPr/>
+      </p:nvGrpSpPr>
+      <p:grpSpPr>
+        <a:xfrm>
+          <a:off x="0" y="0"/>
+          <a:ext cx="0" cy="0"/>
+          <a:chOff x="0" y="0"/>
+          <a:chExt cx="0" cy="0"/>
+        </a:xfrm>
+      </p:grpSpPr>
+      <p:sp>
+        <p:nvSpPr>
+          <p:cNvPr id="4" name="Title 3">
+            <a:extLst>
+              <a:ext uri="{FF2B5EF4-FFF2-40B4-BE49-F238E27FC236}">
+                <a16:creationId xmlns:a16="http://schemas.microsoft.com/office/drawing/2014/main" id="{66B227C2-38E8-8277-ABB6-2D6CF5C02142}"/>
+              </a:ext>
+            </a:extLst>
+          </p:cNvPr>
+          <p:cNvSpPr>
+            <a:spLocks noGrp="1"/>
+          </p:cNvSpPr>
+          <p:nvPr>
+            <p:ph type="title"/>
+          </p:nvPr>
+        </p:nvSpPr>
+        <p:spPr>
+          <a:xfrm>
+            <a:off x="838200" y="500062"/>
+            <a:ext cx="10515600" cy="1325563"/>
+          </a:xfrm>
+        </p:spPr>
+        <p:txBody>
+          <a:bodyPr/>
+          <a:lstStyle/>
+          <a:p>
+            <a:r>
+              <a:rPr lang="en-US" dirty="0"/>
+              <a:t>Conclusion</a:t>
+            </a:r>
+          </a:p>
+        </p:txBody>
+      </p:sp>
+      <p:sp>
+        <p:nvSpPr>
+          <p:cNvPr id="6" name="Artifact">
+            <a:extLst>
+              <a:ext uri="{FF2B5EF4-FFF2-40B4-BE49-F238E27FC236}">
+                <a16:creationId xmlns:a16="http://schemas.microsoft.com/office/drawing/2014/main" id="{2787D985-6518-358E-0B6F-4BCEEA098ACE}"/>
+              </a:ext>
+              <a:ext uri="{C183D7F6-B498-43B3-948B-1728B52AA6E4}">
+                <adec:decorative xmlns:adec="http://schemas.microsoft.com/office/drawing/2017/decorative" val="1"/>
+              </a:ext>
+            </a:extLst>
+          </p:cNvPr>
+          <p:cNvSpPr/>
+          <p:nvPr/>
+        </p:nvSpPr>
+        <p:spPr>
+          <a:xfrm>
+            <a:off x="0" y="0"/>
+            <a:ext cx="12192000" cy="580103"/>
+          </a:xfrm>
+          <a:prstGeom prst="rect">
+            <a:avLst/>
+          </a:prstGeom>
+          <a:gradFill flip="none" rotWithShape="1">
+            <a:gsLst>
+              <a:gs pos="10000">
+                <a:srgbClr val="172140"/>
+              </a:gs>
+              <a:gs pos="100000">
+                <a:srgbClr val="0066B3"/>
+              </a:gs>
+            </a:gsLst>
+            <a:lin ang="18900000" scaled="1"/>
+            <a:tileRect/>
+          </a:gradFill>
+        </p:spPr>
+        <p:style>
+          <a:lnRef idx="2">
+            <a:schemeClr val="accent1">
+              <a:shade val="50000"/>
+            </a:schemeClr>
+          </a:lnRef>
+          <a:fillRef idx="1">
+            <a:schemeClr val="accent1"/>
+          </a:fillRef>
+          <a:effectRef idx="0">
+            <a:schemeClr val="accent1"/>
+          </a:effectRef>
+          <a:fontRef idx="minor">
+            <a:schemeClr val="lt1"/>
+          </a:fontRef>
+        </p:style>
+        <p:txBody>
+          <a:bodyPr rtlCol="0" anchor="ctr"/>
+          <a:lstStyle/>
+          <a:p>
+            <a:pPr algn="ctr"/>
+            <a:endParaRPr lang="en-US">
+              <a:ln>
+                <a:solidFill>
+                  <a:sysClr val="windowText" lastClr="000000"/>
+                </a:solidFill>
+              </a:ln>
+              <a:solidFill>
+                <a:sysClr val="windowText" lastClr="000000"/>
+              </a:solidFill>
+            </a:endParaRPr>
+          </a:p>
+        </p:txBody>
+      </p:sp>
+      <p:pic>
+        <p:nvPicPr>
+          <p:cNvPr id="5" name="Figure" descr="NAU: Northern Arizona University.">
+            <a:extLst>
+              <a:ext uri="{FF2B5EF4-FFF2-40B4-BE49-F238E27FC236}">
+                <a16:creationId xmlns:a16="http://schemas.microsoft.com/office/drawing/2014/main" id="{31B09752-0451-20D8-9E07-04C3DFADA5D7}"/>
+              </a:ext>
+            </a:extLst>
+          </p:cNvPr>
+          <p:cNvPicPr>
+            <a:picLocks noChangeAspect="1"/>
+          </p:cNvPicPr>
+          <p:nvPr/>
+        </p:nvPicPr>
+        <p:blipFill>
+          <a:blip r:embed="rId2"/>
+          <a:stretch>
+            <a:fillRect/>
+          </a:stretch>
+        </p:blipFill>
+        <p:spPr>
+          <a:xfrm>
+            <a:off x="2914649" y="132174"/>
+            <a:ext cx="6362701" cy="315753"/>
+          </a:xfrm>
+          <a:prstGeom prst="rect">
+            <a:avLst/>
+          </a:prstGeom>
+        </p:spPr>
+      </p:pic>
+      <p:sp>
+        <p:nvSpPr>
+          <p:cNvPr id="12" name="Content Placeholder 6">
+            <a:extLst>
+              <a:ext uri="{FF2B5EF4-FFF2-40B4-BE49-F238E27FC236}">
+                <a16:creationId xmlns:a16="http://schemas.microsoft.com/office/drawing/2014/main" id="{4D1B9D98-94A7-A361-4E3A-B441BF46933A}"/>
+              </a:ext>
+            </a:extLst>
+          </p:cNvPr>
+          <p:cNvSpPr txBox="1">
+            <a:spLocks/>
+          </p:cNvSpPr>
+          <p:nvPr/>
+        </p:nvSpPr>
+        <p:spPr>
+          <a:xfrm>
+            <a:off x="715370" y="1652154"/>
+            <a:ext cx="5181600" cy="4900201"/>
+          </a:xfrm>
+          <a:prstGeom prst="rect">
+            <a:avLst/>
+          </a:prstGeom>
+        </p:spPr>
+        <p:txBody>
+          <a:bodyPr vert="horz" lIns="91440" tIns="45720" rIns="91440" bIns="45720" rtlCol="0">
+            <a:normAutofit/>
+          </a:bodyPr>
+          <a:lstStyle>
+            <a:lvl1pPr marL="228600" indent="-228600" algn="l" defTabSz="914400" rtl="0" eaLnBrk="1" latinLnBrk="0" hangingPunct="1">
+              <a:lnSpc>
+                <a:spcPct val="90000"/>
+              </a:lnSpc>
+              <a:spcBef>
+                <a:spcPts val="1000"/>
+              </a:spcBef>
+              <a:buFont typeface="Arial" panose="020B0604020202020204" pitchFamily="34" charset="0"/>
+              <a:buChar char="•"/>
+              <a:defRPr sz="2800" kern="1200">
+                <a:solidFill>
+                  <a:schemeClr val="tx1"/>
+                </a:solidFill>
+                <a:latin typeface="+mn-lt"/>
+                <a:ea typeface="+mn-ea"/>
+                <a:cs typeface="+mn-cs"/>
+              </a:defRPr>
+            </a:lvl1pPr>
+            <a:lvl2pPr marL="685800" indent="-228600" algn="l" defTabSz="914400" rtl="0" eaLnBrk="1" latinLnBrk="0" hangingPunct="1">
+              <a:lnSpc>
+                <a:spcPct val="90000"/>
+              </a:lnSpc>
+              <a:spcBef>
+                <a:spcPts val="500"/>
+              </a:spcBef>
+              <a:buFont typeface="Arial" panose="020B0604020202020204" pitchFamily="34" charset="0"/>
+              <a:buChar char="•"/>
+              <a:defRPr sz="2400" kern="1200">
+                <a:solidFill>
+                  <a:schemeClr val="tx1"/>
+                </a:solidFill>
+                <a:latin typeface="+mn-lt"/>
+                <a:ea typeface="+mn-ea"/>
+                <a:cs typeface="+mn-cs"/>
+              </a:defRPr>
+            </a:lvl2pPr>
+            <a:lvl3pPr marL="1143000" indent="-228600" algn="l" defTabSz="914400" rtl="0" eaLnBrk="1" latinLnBrk="0" hangingPunct="1">
+              <a:lnSpc>
+                <a:spcPct val="90000"/>
+              </a:lnSpc>
+              <a:spcBef>
+                <a:spcPts val="500"/>
+              </a:spcBef>
+              <a:buFont typeface="Arial" panose="020B0604020202020204" pitchFamily="34" charset="0"/>
+              <a:buChar char="•"/>
+              <a:defRPr sz="2000" kern="1200">
+                <a:solidFill>
+                  <a:schemeClr val="tx1"/>
+                </a:solidFill>
+                <a:latin typeface="+mn-lt"/>
+                <a:ea typeface="+mn-ea"/>
+                <a:cs typeface="+mn-cs"/>
+              </a:defRPr>
+            </a:lvl3pPr>
+            <a:lvl4pPr marL="1600200" indent="-228600" algn="l" defTabSz="914400" rtl="0" eaLnBrk="1" latinLnBrk="0" hangingPunct="1">
+              <a:lnSpc>
+                <a:spcPct val="90000"/>
+              </a:lnSpc>
+              <a:spcBef>
+                <a:spcPts val="500"/>
+              </a:spcBef>
+              <a:buFont typeface="Arial" panose="020B0604020202020204" pitchFamily="34" charset="0"/>
+              <a:buChar char="•"/>
+              <a:defRPr sz="1800" kern="1200">
+                <a:solidFill>
+                  <a:schemeClr val="tx1"/>
+                </a:solidFill>
+                <a:latin typeface="+mn-lt"/>
+                <a:ea typeface="+mn-ea"/>
+                <a:cs typeface="+mn-cs"/>
+              </a:defRPr>
+            </a:lvl4pPr>
+            <a:lvl5pPr marL="2057400" indent="-228600" algn="l" defTabSz="914400" rtl="0" eaLnBrk="1" latinLnBrk="0" hangingPunct="1">
+              <a:lnSpc>
+                <a:spcPct val="90000"/>
+              </a:lnSpc>
+              <a:spcBef>
+                <a:spcPts val="500"/>
+              </a:spcBef>
+              <a:buFont typeface="Arial" panose="020B0604020202020204" pitchFamily="34" charset="0"/>
+              <a:buChar char="•"/>
+              <a:defRPr sz="1800" kern="1200">
+                <a:solidFill>
+                  <a:schemeClr val="tx1"/>
+                </a:solidFill>
+                <a:latin typeface="+mn-lt"/>
+                <a:ea typeface="+mn-ea"/>
+                <a:cs typeface="+mn-cs"/>
+              </a:defRPr>
+            </a:lvl5pPr>
+            <a:lvl6pPr marL="2514600" indent="-228600" algn="l" defTabSz="914400" rtl="0" eaLnBrk="1" latinLnBrk="0" hangingPunct="1">
+              <a:lnSpc>
+                <a:spcPct val="90000"/>
+              </a:lnSpc>
+              <a:spcBef>
+                <a:spcPts val="500"/>
+              </a:spcBef>
+              <a:buFont typeface="Arial" panose="020B0604020202020204" pitchFamily="34" charset="0"/>
+              <a:buChar char="•"/>
+              <a:defRPr sz="1800" kern="1200">
+                <a:solidFill>
+                  <a:schemeClr val="tx1"/>
+                </a:solidFill>
+                <a:latin typeface="+mn-lt"/>
+                <a:ea typeface="+mn-ea"/>
+                <a:cs typeface="+mn-cs"/>
+              </a:defRPr>
+            </a:lvl6pPr>
+            <a:lvl7pPr marL="2971800" indent="-228600" algn="l" defTabSz="914400" rtl="0" eaLnBrk="1" latinLnBrk="0" hangingPunct="1">
+              <a:lnSpc>
+                <a:spcPct val="90000"/>
+              </a:lnSpc>
+              <a:spcBef>
+                <a:spcPts val="500"/>
+              </a:spcBef>
+              <a:buFont typeface="Arial" panose="020B0604020202020204" pitchFamily="34" charset="0"/>
+              <a:buChar char="•"/>
+              <a:defRPr sz="1800" kern="1200">
+                <a:solidFill>
+                  <a:schemeClr val="tx1"/>
+                </a:solidFill>
+                <a:latin typeface="+mn-lt"/>
+                <a:ea typeface="+mn-ea"/>
+                <a:cs typeface="+mn-cs"/>
+              </a:defRPr>
+            </a:lvl7pPr>
+            <a:lvl8pPr marL="3429000" indent="-228600" algn="l" defTabSz="914400" rtl="0" eaLnBrk="1" latinLnBrk="0" hangingPunct="1">
+              <a:lnSpc>
+                <a:spcPct val="90000"/>
+              </a:lnSpc>
+              <a:spcBef>
+                <a:spcPts val="500"/>
+              </a:spcBef>
+              <a:buFont typeface="Arial" panose="020B0604020202020204" pitchFamily="34" charset="0"/>
+              <a:buChar char="•"/>
+              <a:defRPr sz="1800" kern="1200">
+                <a:solidFill>
+                  <a:schemeClr val="tx1"/>
+                </a:solidFill>
+                <a:latin typeface="+mn-lt"/>
+                <a:ea typeface="+mn-ea"/>
+                <a:cs typeface="+mn-cs"/>
+              </a:defRPr>
+            </a:lvl8pPr>
+            <a:lvl9pPr marL="3886200" indent="-228600" algn="l" defTabSz="914400" rtl="0" eaLnBrk="1" latinLnBrk="0" hangingPunct="1">
+              <a:lnSpc>
+                <a:spcPct val="90000"/>
+              </a:lnSpc>
+              <a:spcBef>
+                <a:spcPts val="500"/>
+              </a:spcBef>
+              <a:buFont typeface="Arial" panose="020B0604020202020204" pitchFamily="34" charset="0"/>
+              <a:buChar char="•"/>
+              <a:defRPr sz="1800" kern="1200">
+                <a:solidFill>
+                  <a:schemeClr val="tx1"/>
+                </a:solidFill>
+                <a:latin typeface="+mn-lt"/>
+                <a:ea typeface="+mn-ea"/>
+                <a:cs typeface="+mn-cs"/>
+              </a:defRPr>
+            </a:lvl9pPr>
+          </a:lstStyle>
+          <a:p>
+            <a:r>
+              <a:rPr lang="en-US" dirty="0"/>
+              <a:t>Recommendations</a:t>
+            </a:r>
+          </a:p>
+          <a:p>
+            <a:pPr marL="514350" indent="-514350">
+              <a:buFont typeface="+mj-lt"/>
+              <a:buAutoNum type="arabicPeriod"/>
+            </a:pPr>
+            <a:r>
+              <a:rPr lang="en-US" dirty="0"/>
+              <a:t>Split methods for Hispanic and Indigenous students</a:t>
+            </a:r>
+          </a:p>
+          <a:p>
+            <a:endParaRPr lang="en-US" dirty="0"/>
+          </a:p>
+          <a:p>
+            <a:pPr lvl="1"/>
+            <a:endParaRPr lang="en-US" dirty="0"/>
+          </a:p>
+          <a:p>
+            <a:endParaRPr lang="en-US" dirty="0"/>
+          </a:p>
+        </p:txBody>
+      </p:sp>
+      <p:sp>
+        <p:nvSpPr>
+          <p:cNvPr id="13" name="Content Placeholder 6">
+            <a:extLst>
+              <a:ext uri="{FF2B5EF4-FFF2-40B4-BE49-F238E27FC236}">
+                <a16:creationId xmlns:a16="http://schemas.microsoft.com/office/drawing/2014/main" id="{DB52953C-4B45-9EAF-26A5-70E38D973122}"/>
+              </a:ext>
+            </a:extLst>
+          </p:cNvPr>
+          <p:cNvSpPr txBox="1">
+            <a:spLocks noGrp="1"/>
+          </p:cNvSpPr>
+          <p:nvPr>
+            <p:ph sz="half" idx="2"/>
+          </p:nvPr>
+        </p:nvSpPr>
+        <p:spPr>
+          <a:xfrm>
+            <a:off x="6172200" y="1652153"/>
+            <a:ext cx="5304430" cy="4900201"/>
+          </a:xfrm>
+          <a:prstGeom prst="rect">
+            <a:avLst/>
+          </a:prstGeom>
+        </p:spPr>
+        <p:txBody>
+          <a:bodyPr vert="horz" lIns="91440" tIns="45720" rIns="91440" bIns="45720" rtlCol="0">
+            <a:normAutofit/>
+          </a:bodyPr>
+          <a:lstStyle>
+            <a:lvl1pPr marL="228600" indent="-228600" algn="l" defTabSz="914400" rtl="0" eaLnBrk="1" latinLnBrk="0" hangingPunct="1">
+              <a:lnSpc>
+                <a:spcPct val="90000"/>
+              </a:lnSpc>
+              <a:spcBef>
+                <a:spcPts val="1000"/>
+              </a:spcBef>
+              <a:buFont typeface="Arial" panose="020B0604020202020204" pitchFamily="34" charset="0"/>
+              <a:buChar char="•"/>
+              <a:defRPr sz="2800" kern="1200">
+                <a:solidFill>
+                  <a:schemeClr val="tx1"/>
+                </a:solidFill>
+                <a:latin typeface="+mn-lt"/>
+                <a:ea typeface="+mn-ea"/>
+                <a:cs typeface="+mn-cs"/>
+              </a:defRPr>
+            </a:lvl1pPr>
+            <a:lvl2pPr marL="685800" indent="-228600" algn="l" defTabSz="914400" rtl="0" eaLnBrk="1" latinLnBrk="0" hangingPunct="1">
+              <a:lnSpc>
+                <a:spcPct val="90000"/>
+              </a:lnSpc>
+              <a:spcBef>
+                <a:spcPts val="500"/>
+              </a:spcBef>
+              <a:buFont typeface="Arial" panose="020B0604020202020204" pitchFamily="34" charset="0"/>
+              <a:buChar char="•"/>
+              <a:defRPr sz="2400" kern="1200">
+                <a:solidFill>
+                  <a:schemeClr val="tx1"/>
+                </a:solidFill>
+                <a:latin typeface="+mn-lt"/>
+                <a:ea typeface="+mn-ea"/>
+                <a:cs typeface="+mn-cs"/>
+              </a:defRPr>
+            </a:lvl2pPr>
+            <a:lvl3pPr marL="1143000" indent="-228600" algn="l" defTabSz="914400" rtl="0" eaLnBrk="1" latinLnBrk="0" hangingPunct="1">
+              <a:lnSpc>
+                <a:spcPct val="90000"/>
+              </a:lnSpc>
+              <a:spcBef>
+                <a:spcPts val="500"/>
+              </a:spcBef>
+              <a:buFont typeface="Arial" panose="020B0604020202020204" pitchFamily="34" charset="0"/>
+              <a:buChar char="•"/>
+              <a:defRPr sz="2000" kern="1200">
+                <a:solidFill>
+                  <a:schemeClr val="tx1"/>
+                </a:solidFill>
+                <a:latin typeface="+mn-lt"/>
+                <a:ea typeface="+mn-ea"/>
+                <a:cs typeface="+mn-cs"/>
+              </a:defRPr>
+            </a:lvl3pPr>
+            <a:lvl4pPr marL="1600200" indent="-228600" algn="l" defTabSz="914400" rtl="0" eaLnBrk="1" latinLnBrk="0" hangingPunct="1">
+              <a:lnSpc>
+                <a:spcPct val="90000"/>
+              </a:lnSpc>
+              <a:spcBef>
+                <a:spcPts val="500"/>
+              </a:spcBef>
+              <a:buFont typeface="Arial" panose="020B0604020202020204" pitchFamily="34" charset="0"/>
+              <a:buChar char="•"/>
+              <a:defRPr sz="1800" kern="1200">
+                <a:solidFill>
+                  <a:schemeClr val="tx1"/>
+                </a:solidFill>
+                <a:latin typeface="+mn-lt"/>
+                <a:ea typeface="+mn-ea"/>
+                <a:cs typeface="+mn-cs"/>
+              </a:defRPr>
+            </a:lvl4pPr>
+            <a:lvl5pPr marL="2057400" indent="-228600" algn="l" defTabSz="914400" rtl="0" eaLnBrk="1" latinLnBrk="0" hangingPunct="1">
+              <a:lnSpc>
+                <a:spcPct val="90000"/>
+              </a:lnSpc>
+              <a:spcBef>
+                <a:spcPts val="500"/>
+              </a:spcBef>
+              <a:buFont typeface="Arial" panose="020B0604020202020204" pitchFamily="34" charset="0"/>
+              <a:buChar char="•"/>
+              <a:defRPr sz="1800" kern="1200">
+                <a:solidFill>
+                  <a:schemeClr val="tx1"/>
+                </a:solidFill>
+                <a:latin typeface="+mn-lt"/>
+                <a:ea typeface="+mn-ea"/>
+                <a:cs typeface="+mn-cs"/>
+              </a:defRPr>
+            </a:lvl5pPr>
+            <a:lvl6pPr marL="2514600" indent="-228600" algn="l" defTabSz="914400" rtl="0" eaLnBrk="1" latinLnBrk="0" hangingPunct="1">
+              <a:lnSpc>
+                <a:spcPct val="90000"/>
+              </a:lnSpc>
+              <a:spcBef>
+                <a:spcPts val="500"/>
+              </a:spcBef>
+              <a:buFont typeface="Arial" panose="020B0604020202020204" pitchFamily="34" charset="0"/>
+              <a:buChar char="•"/>
+              <a:defRPr sz="1800" kern="1200">
+                <a:solidFill>
+                  <a:schemeClr val="tx1"/>
+                </a:solidFill>
+                <a:latin typeface="+mn-lt"/>
+                <a:ea typeface="+mn-ea"/>
+                <a:cs typeface="+mn-cs"/>
+              </a:defRPr>
+            </a:lvl6pPr>
+            <a:lvl7pPr marL="2971800" indent="-228600" algn="l" defTabSz="914400" rtl="0" eaLnBrk="1" latinLnBrk="0" hangingPunct="1">
+              <a:lnSpc>
+                <a:spcPct val="90000"/>
+              </a:lnSpc>
+              <a:spcBef>
+                <a:spcPts val="500"/>
+              </a:spcBef>
+              <a:buFont typeface="Arial" panose="020B0604020202020204" pitchFamily="34" charset="0"/>
+              <a:buChar char="•"/>
+              <a:defRPr sz="1800" kern="1200">
+                <a:solidFill>
+                  <a:schemeClr val="tx1"/>
+                </a:solidFill>
+                <a:latin typeface="+mn-lt"/>
+                <a:ea typeface="+mn-ea"/>
+                <a:cs typeface="+mn-cs"/>
+              </a:defRPr>
+            </a:lvl7pPr>
+            <a:lvl8pPr marL="3429000" indent="-228600" algn="l" defTabSz="914400" rtl="0" eaLnBrk="1" latinLnBrk="0" hangingPunct="1">
+              <a:lnSpc>
+                <a:spcPct val="90000"/>
+              </a:lnSpc>
+              <a:spcBef>
+                <a:spcPts val="500"/>
+              </a:spcBef>
+              <a:buFont typeface="Arial" panose="020B0604020202020204" pitchFamily="34" charset="0"/>
+              <a:buChar char="•"/>
+              <a:defRPr sz="1800" kern="1200">
+                <a:solidFill>
+                  <a:schemeClr val="tx1"/>
+                </a:solidFill>
+                <a:latin typeface="+mn-lt"/>
+                <a:ea typeface="+mn-ea"/>
+                <a:cs typeface="+mn-cs"/>
+              </a:defRPr>
+            </a:lvl8pPr>
+            <a:lvl9pPr marL="3886200" indent="-228600" algn="l" defTabSz="914400" rtl="0" eaLnBrk="1" latinLnBrk="0" hangingPunct="1">
+              <a:lnSpc>
+                <a:spcPct val="90000"/>
+              </a:lnSpc>
+              <a:spcBef>
+                <a:spcPts val="500"/>
+              </a:spcBef>
+              <a:buFont typeface="Arial" panose="020B0604020202020204" pitchFamily="34" charset="0"/>
+              <a:buChar char="•"/>
+              <a:defRPr sz="1800" kern="1200">
+                <a:solidFill>
+                  <a:schemeClr val="tx1"/>
+                </a:solidFill>
+                <a:latin typeface="+mn-lt"/>
+                <a:ea typeface="+mn-ea"/>
+                <a:cs typeface="+mn-cs"/>
+              </a:defRPr>
+            </a:lvl9pPr>
+          </a:lstStyle>
+          <a:p>
+            <a:r>
+              <a:rPr lang="en-US" dirty="0"/>
+              <a:t>Increase connections with high GPA students and their teachers.</a:t>
+            </a:r>
+          </a:p>
+          <a:p>
+            <a:r>
+              <a:rPr lang="en-US" dirty="0"/>
+              <a:t>Need to build the perception that NAU is rigorous, exciting environment for prospective students who were successful in high school</a:t>
+            </a:r>
+          </a:p>
+        </p:txBody>
+      </p:sp>
+    </p:spTree>
+    <p:extLst>
+      <p:ext uri="{BB962C8B-B14F-4D97-AF65-F5344CB8AC3E}">
+        <p14:creationId xmlns:p14="http://schemas.microsoft.com/office/powerpoint/2010/main" val="2216262750"/>
+      </p:ext>
+    </p:extLst>
+  </p:cSld>
+  <p:clrMapOvr>
+    <a:masterClrMapping/>
+  </p:clrMapOvr>
+</p:sld>
+</file>
+
+<file path=ppt/slides/slide16.xml><?xml version="1.0" encoding="utf-8"?>
+<p:sld xmlns:a="http://schemas.openxmlformats.org/drawingml/2006/main" xmlns:r="http://schemas.openxmlformats.org/officeDocument/2006/relationships" xmlns:p="http://schemas.openxmlformats.org/presentationml/2006/main">
+  <p:cSld>
+    <p:spTree>
+      <p:nvGrpSpPr>
+        <p:cNvPr id="1" name="">
+          <a:extLst>
+            <a:ext uri="{FF2B5EF4-FFF2-40B4-BE49-F238E27FC236}">
+              <a16:creationId xmlns:a16="http://schemas.microsoft.com/office/drawing/2014/main" id="{2C3CD374-1C7F-DA9D-8AF4-A23A587FA66B}"/>
+            </a:ext>
+          </a:extLst>
+        </p:cNvPr>
+        <p:cNvGrpSpPr/>
+        <p:nvPr/>
+      </p:nvGrpSpPr>
+      <p:grpSpPr>
+        <a:xfrm>
+          <a:off x="0" y="0"/>
+          <a:ext cx="0" cy="0"/>
+          <a:chOff x="0" y="0"/>
+          <a:chExt cx="0" cy="0"/>
+        </a:xfrm>
+      </p:grpSpPr>
+      <p:sp>
+        <p:nvSpPr>
+          <p:cNvPr id="4" name="Title 3">
+            <a:extLst>
+              <a:ext uri="{FF2B5EF4-FFF2-40B4-BE49-F238E27FC236}">
+                <a16:creationId xmlns:a16="http://schemas.microsoft.com/office/drawing/2014/main" id="{6098607E-230A-2D51-675B-D1C72806A52C}"/>
+              </a:ext>
+            </a:extLst>
+          </p:cNvPr>
+          <p:cNvSpPr>
+            <a:spLocks noGrp="1"/>
+          </p:cNvSpPr>
+          <p:nvPr>
+            <p:ph type="title"/>
+          </p:nvPr>
+        </p:nvSpPr>
+        <p:spPr/>
+        <p:txBody>
+          <a:bodyPr/>
+          <a:lstStyle/>
+          <a:p>
+            <a:endParaRPr lang="en-US"/>
+          </a:p>
+        </p:txBody>
+      </p:sp>
+      <p:sp>
+        <p:nvSpPr>
+          <p:cNvPr id="7" name="Content Placeholder 6">
+            <a:extLst>
+              <a:ext uri="{FF2B5EF4-FFF2-40B4-BE49-F238E27FC236}">
+                <a16:creationId xmlns:a16="http://schemas.microsoft.com/office/drawing/2014/main" id="{8627FC76-EFD6-A61C-97B0-EA02EDFC3AC8}"/>
+              </a:ext>
+            </a:extLst>
+          </p:cNvPr>
+          <p:cNvSpPr>
+            <a:spLocks noGrp="1"/>
+          </p:cNvSpPr>
+          <p:nvPr>
+            <p:ph idx="1"/>
+          </p:nvPr>
+        </p:nvSpPr>
+        <p:spPr/>
+        <p:txBody>
+          <a:bodyPr>
+            <a:normAutofit fontScale="25000" lnSpcReduction="20000"/>
+          </a:bodyPr>
+          <a:lstStyle/>
+          <a:p>
+            <a:r>
+              <a:rPr lang="en-US" b="1" dirty="0"/>
+              <a:t>3. Analytical Approach</a:t>
+            </a:r>
+          </a:p>
+          <a:p>
+            <a:r>
+              <a:rPr lang="en-US" dirty="0"/>
+              <a:t>Describe the techniques you used to explore the data:</a:t>
+            </a:r>
+          </a:p>
+          <a:p>
+            <a:r>
+              <a:rPr lang="en-US" b="1" dirty="0"/>
+              <a:t>Descriptive Statistics</a:t>
+            </a:r>
+            <a:r>
+              <a:rPr lang="en-US" dirty="0"/>
+              <a:t>: Summarized key metrics (e.g., retention rate, average GPA, distribution of financial aid).</a:t>
+            </a:r>
+          </a:p>
+          <a:p>
+            <a:r>
+              <a:rPr lang="en-US" b="1" dirty="0"/>
+              <a:t>Segmentation</a:t>
+            </a:r>
+            <a:r>
+              <a:rPr lang="en-US" dirty="0"/>
+              <a:t>: Broke down retention by categories such as: </a:t>
+            </a:r>
+          </a:p>
+          <a:p>
+            <a:pPr lvl="1"/>
+            <a:r>
+              <a:rPr lang="en-US" dirty="0"/>
+              <a:t>Residency status (in-state vs. out-of-state)</a:t>
+            </a:r>
+          </a:p>
+          <a:p>
+            <a:pPr lvl="1"/>
+            <a:r>
+              <a:rPr lang="en-US" dirty="0"/>
+              <a:t>First-generation status</a:t>
+            </a:r>
+          </a:p>
+          <a:p>
+            <a:pPr lvl="1"/>
+            <a:r>
+              <a:rPr lang="en-US" dirty="0"/>
+              <a:t>Academic performance</a:t>
+            </a:r>
+          </a:p>
+          <a:p>
+            <a:pPr lvl="1"/>
+            <a:r>
+              <a:rPr lang="en-US" dirty="0"/>
+              <a:t>Financial aid received</a:t>
+            </a:r>
+          </a:p>
+          <a:p>
+            <a:r>
+              <a:rPr lang="en-US" b="1" dirty="0"/>
+              <a:t>Visualization</a:t>
+            </a:r>
+            <a:r>
+              <a:rPr lang="en-US" dirty="0"/>
+              <a:t>: Used charts (bar graphs, heatmaps, scatter plots) to highlight trends and relationships.</a:t>
+            </a:r>
+          </a:p>
+          <a:p>
+            <a:r>
+              <a:rPr lang="en-US" b="1" dirty="0"/>
+              <a:t>Predictive Modeling (if applicable)</a:t>
+            </a:r>
+            <a:r>
+              <a:rPr lang="en-US" dirty="0"/>
+              <a:t>: </a:t>
+            </a:r>
+          </a:p>
+          <a:p>
+            <a:pPr lvl="1"/>
+            <a:r>
+              <a:rPr lang="en-US" dirty="0"/>
+              <a:t>Logistic regression or decision trees to identify factors most associated with retention.</a:t>
+            </a:r>
+          </a:p>
+          <a:p>
+            <a:pPr lvl="1"/>
+            <a:r>
+              <a:rPr lang="en-US" dirty="0"/>
+              <a:t>Feature importance to guide recommendations.</a:t>
+            </a:r>
+          </a:p>
+          <a:p>
+            <a:br>
+              <a:rPr lang="en-US" dirty="0"/>
+            </a:br>
+            <a:endParaRPr lang="en-US" dirty="0"/>
+          </a:p>
+          <a:p>
+            <a:r>
+              <a:rPr lang="en-US" b="1" dirty="0"/>
+              <a:t>4. Insights &amp; Interpretation</a:t>
+            </a:r>
+          </a:p>
+          <a:p>
+            <a:r>
+              <a:rPr lang="en-US" dirty="0"/>
+              <a:t>Share what you discovered:</a:t>
+            </a:r>
+          </a:p>
+          <a:p>
+            <a:r>
+              <a:rPr lang="en-US" dirty="0"/>
+              <a:t>Which groups had higher/lower retention?</a:t>
+            </a:r>
+          </a:p>
+          <a:p>
+            <a:r>
+              <a:rPr lang="en-US" dirty="0"/>
+              <a:t>Were there any surprising trends (e.g., aid type vs. retention)?</a:t>
+            </a:r>
+          </a:p>
+          <a:p>
+            <a:r>
+              <a:rPr lang="en-US" dirty="0"/>
+              <a:t>Did any variables strongly correlate with retention outcomes?</a:t>
+            </a:r>
+          </a:p>
+          <a:p>
+            <a:br>
+              <a:rPr lang="en-US" dirty="0"/>
+            </a:br>
+            <a:endParaRPr lang="en-US" dirty="0"/>
+          </a:p>
+          <a:p>
+            <a:r>
+              <a:rPr lang="en-US" b="1" dirty="0"/>
+              <a:t>5. Recommendations</a:t>
+            </a:r>
+          </a:p>
+          <a:p>
+            <a:r>
+              <a:rPr lang="en-US" dirty="0"/>
+              <a:t>Offer actionable suggestions based on your findings:</a:t>
+            </a:r>
+          </a:p>
+          <a:p>
+            <a:r>
+              <a:rPr lang="en-US" dirty="0"/>
+              <a:t>Targeted support for at-risk groups.</a:t>
+            </a:r>
+          </a:p>
+          <a:p>
+            <a:r>
+              <a:rPr lang="en-US" dirty="0"/>
+              <a:t>Data-driven outreach strategies.</a:t>
+            </a:r>
+          </a:p>
+          <a:p>
+            <a:r>
+              <a:rPr lang="en-US" dirty="0"/>
+              <a:t>Suggestions for further data collection or analysis (e.g., qualitative surveys, longitudinal tracking).</a:t>
+            </a:r>
+          </a:p>
+          <a:p>
+            <a:br>
+              <a:rPr lang="en-US" dirty="0"/>
+            </a:br>
+            <a:endParaRPr lang="en-US" dirty="0"/>
+          </a:p>
+          <a:p>
+            <a:r>
+              <a:rPr lang="en-US" b="1" dirty="0"/>
+              <a:t>6. Tools Used</a:t>
+            </a:r>
+          </a:p>
+          <a:p>
+            <a:r>
+              <a:rPr lang="en-US" dirty="0"/>
+              <a:t>Mention the software/tools you used:</a:t>
+            </a:r>
+          </a:p>
+          <a:p>
+            <a:r>
+              <a:rPr lang="en-US" dirty="0"/>
+              <a:t>Excel, Power BI, Tableau, R, Python (e.g., pandas, seaborn, scikit-learn)</a:t>
+            </a:r>
+          </a:p>
+          <a:p>
+            <a:r>
+              <a:rPr lang="en-US"/>
+              <a:t>Why you chose them (e.g., ease of visualization, statistical modeling capabilities)</a:t>
+            </a:r>
+          </a:p>
+          <a:p>
+            <a:endParaRPr lang="en-US"/>
+          </a:p>
+        </p:txBody>
+      </p:sp>
+      <p:sp>
+        <p:nvSpPr>
+          <p:cNvPr id="6" name="Artifact">
+            <a:extLst>
+              <a:ext uri="{FF2B5EF4-FFF2-40B4-BE49-F238E27FC236}">
+                <a16:creationId xmlns:a16="http://schemas.microsoft.com/office/drawing/2014/main" id="{6BDF6A45-60CD-D993-7211-C704495BE1A9}"/>
+              </a:ext>
+              <a:ext uri="{C183D7F6-B498-43B3-948B-1728B52AA6E4}">
+                <adec:decorative xmlns:adec="http://schemas.microsoft.com/office/drawing/2017/decorative" val="1"/>
+              </a:ext>
+            </a:extLst>
+          </p:cNvPr>
+          <p:cNvSpPr/>
+          <p:nvPr/>
+        </p:nvSpPr>
+        <p:spPr>
+          <a:xfrm>
+            <a:off x="0" y="0"/>
+            <a:ext cx="12192000" cy="580103"/>
+          </a:xfrm>
+          <a:prstGeom prst="rect">
+            <a:avLst/>
+          </a:prstGeom>
+          <a:gradFill flip="none" rotWithShape="1">
+            <a:gsLst>
+              <a:gs pos="10000">
+                <a:srgbClr val="172140"/>
+              </a:gs>
+              <a:gs pos="100000">
+                <a:srgbClr val="0066B3"/>
+              </a:gs>
+            </a:gsLst>
+            <a:lin ang="18900000" scaled="1"/>
+            <a:tileRect/>
+          </a:gradFill>
+        </p:spPr>
+        <p:style>
+          <a:lnRef idx="2">
+            <a:schemeClr val="accent1">
+              <a:shade val="50000"/>
+            </a:schemeClr>
+          </a:lnRef>
+          <a:fillRef idx="1">
+            <a:schemeClr val="accent1"/>
+          </a:fillRef>
+          <a:effectRef idx="0">
+            <a:schemeClr val="accent1"/>
+          </a:effectRef>
+          <a:fontRef idx="minor">
+            <a:schemeClr val="lt1"/>
+          </a:fontRef>
+        </p:style>
+        <p:txBody>
+          <a:bodyPr rtlCol="0" anchor="ctr"/>
+          <a:lstStyle/>
+          <a:p>
+            <a:pPr algn="ctr"/>
+            <a:endParaRPr lang="en-US">
+              <a:ln>
+                <a:solidFill>
+                  <a:sysClr val="windowText" lastClr="000000"/>
+                </a:solidFill>
+              </a:ln>
+              <a:solidFill>
+                <a:sysClr val="windowText" lastClr="000000"/>
+              </a:solidFill>
+            </a:endParaRPr>
+          </a:p>
+        </p:txBody>
+      </p:sp>
+      <p:pic>
+        <p:nvPicPr>
+          <p:cNvPr id="5" name="Figure" descr="NAU: Northern Arizona University.">
+            <a:extLst>
+              <a:ext uri="{FF2B5EF4-FFF2-40B4-BE49-F238E27FC236}">
+                <a16:creationId xmlns:a16="http://schemas.microsoft.com/office/drawing/2014/main" id="{23A0B47C-CAFB-6659-C65A-AC20F95DD8DA}"/>
+              </a:ext>
+            </a:extLst>
+          </p:cNvPr>
+          <p:cNvPicPr>
+            <a:picLocks noChangeAspect="1"/>
+          </p:cNvPicPr>
+          <p:nvPr/>
+        </p:nvPicPr>
+        <p:blipFill>
+          <a:blip r:embed="rId2"/>
+          <a:stretch>
+            <a:fillRect/>
+          </a:stretch>
+        </p:blipFill>
+        <p:spPr>
+          <a:xfrm>
+            <a:off x="2914649" y="132174"/>
+            <a:ext cx="6362701" cy="315753"/>
+          </a:xfrm>
+          <a:prstGeom prst="rect">
+            <a:avLst/>
+          </a:prstGeom>
+        </p:spPr>
+      </p:pic>
+    </p:spTree>
+    <p:extLst>
+      <p:ext uri="{BB962C8B-B14F-4D97-AF65-F5344CB8AC3E}">
+        <p14:creationId xmlns:p14="http://schemas.microsoft.com/office/powerpoint/2010/main" val="3948542754"/>
+      </p:ext>
+    </p:extLst>
+  </p:cSld>
+  <p:clrMapOvr>
+    <a:masterClrMapping/>
+  </p:clrMapOvr>
+</p:sld>
+</file>
+
+<file path=ppt/slides/slide17.xml><?xml version="1.0" encoding="utf-8"?>
+<p:sld xmlns:a="http://schemas.openxmlformats.org/drawingml/2006/main" xmlns:r="http://schemas.openxmlformats.org/officeDocument/2006/relationships" xmlns:p="http://schemas.openxmlformats.org/presentationml/2006/main">
+  <p:cSld>
+    <p:spTree>
+      <p:nvGrpSpPr>
+        <p:cNvPr id="1" name="">
+          <a:extLst>
+            <a:ext uri="{FF2B5EF4-FFF2-40B4-BE49-F238E27FC236}">
+              <a16:creationId xmlns:a16="http://schemas.microsoft.com/office/drawing/2014/main" id="{485678F1-9A85-9948-A6A7-66AC0DE9927F}"/>
+            </a:ext>
+          </a:extLst>
+        </p:cNvPr>
+        <p:cNvGrpSpPr/>
+        <p:nvPr/>
+      </p:nvGrpSpPr>
+      <p:grpSpPr>
+        <a:xfrm>
+          <a:off x="0" y="0"/>
+          <a:ext cx="0" cy="0"/>
+          <a:chOff x="0" y="0"/>
+          <a:chExt cx="0" cy="0"/>
+        </a:xfrm>
+      </p:grpSpPr>
+      <p:sp>
+        <p:nvSpPr>
+          <p:cNvPr id="2" name="Title 1">
+            <a:extLst>
+              <a:ext uri="{FF2B5EF4-FFF2-40B4-BE49-F238E27FC236}">
+                <a16:creationId xmlns:a16="http://schemas.microsoft.com/office/drawing/2014/main" id="{CAE2B5D9-5E50-D029-9141-56E3E9CF01E8}"/>
+              </a:ext>
+            </a:extLst>
+          </p:cNvPr>
+          <p:cNvSpPr>
+            <a:spLocks noGrp="1"/>
+          </p:cNvSpPr>
+          <p:nvPr>
+            <p:ph type="ctrTitle"/>
+          </p:nvPr>
+        </p:nvSpPr>
+        <p:spPr/>
+        <p:txBody>
+          <a:bodyPr/>
+          <a:lstStyle/>
+          <a:p>
+            <a:endParaRPr lang="en-US" dirty="0"/>
+          </a:p>
+        </p:txBody>
+      </p:sp>
+      <p:sp>
+        <p:nvSpPr>
+          <p:cNvPr id="3" name="Subtitle 2">
+            <a:extLst>
+              <a:ext uri="{FF2B5EF4-FFF2-40B4-BE49-F238E27FC236}">
+                <a16:creationId xmlns:a16="http://schemas.microsoft.com/office/drawing/2014/main" id="{FB157585-AE2A-CD56-DE75-A235DE31712C}"/>
+              </a:ext>
+            </a:extLst>
+          </p:cNvPr>
+          <p:cNvSpPr>
+            <a:spLocks noGrp="1"/>
+          </p:cNvSpPr>
+          <p:nvPr>
+            <p:ph type="subTitle" idx="1"/>
+          </p:nvPr>
+        </p:nvSpPr>
+        <p:spPr/>
+        <p:txBody>
+          <a:bodyPr/>
+          <a:lstStyle/>
+          <a:p>
+            <a:endParaRPr lang="en-US"/>
+          </a:p>
+        </p:txBody>
+      </p:sp>
+      <p:sp>
+        <p:nvSpPr>
+          <p:cNvPr id="6" name="Artifact">
+            <a:extLst>
+              <a:ext uri="{FF2B5EF4-FFF2-40B4-BE49-F238E27FC236}">
+                <a16:creationId xmlns:a16="http://schemas.microsoft.com/office/drawing/2014/main" id="{360E8981-644D-A647-D9C4-2C9DD2E91ED5}"/>
+              </a:ext>
+              <a:ext uri="{C183D7F6-B498-43B3-948B-1728B52AA6E4}">
+                <adec:decorative xmlns:adec="http://schemas.microsoft.com/office/drawing/2017/decorative" val="1"/>
+              </a:ext>
+            </a:extLst>
+          </p:cNvPr>
+          <p:cNvSpPr/>
+          <p:nvPr/>
+        </p:nvSpPr>
+        <p:spPr>
+          <a:xfrm>
+            <a:off x="0" y="0"/>
+            <a:ext cx="12192000" cy="580103"/>
+          </a:xfrm>
+          <a:prstGeom prst="rect">
+            <a:avLst/>
+          </a:prstGeom>
+          <a:gradFill flip="none" rotWithShape="1">
+            <a:gsLst>
+              <a:gs pos="10000">
+                <a:srgbClr val="172140"/>
+              </a:gs>
+              <a:gs pos="100000">
+                <a:srgbClr val="0066B3"/>
+              </a:gs>
+            </a:gsLst>
+            <a:lin ang="18900000" scaled="1"/>
+            <a:tileRect/>
+          </a:gradFill>
+        </p:spPr>
+        <p:style>
+          <a:lnRef idx="2">
+            <a:schemeClr val="accent1">
+              <a:shade val="50000"/>
+            </a:schemeClr>
+          </a:lnRef>
+          <a:fillRef idx="1">
+            <a:schemeClr val="accent1"/>
+          </a:fillRef>
+          <a:effectRef idx="0">
+            <a:schemeClr val="accent1"/>
+          </a:effectRef>
+          <a:fontRef idx="minor">
+            <a:schemeClr val="lt1"/>
+          </a:fontRef>
+        </p:style>
+        <p:txBody>
+          <a:bodyPr rtlCol="0" anchor="ctr"/>
+          <a:lstStyle/>
+          <a:p>
+            <a:pPr algn="ctr"/>
+            <a:endParaRPr lang="en-US">
+              <a:ln>
+                <a:solidFill>
+                  <a:sysClr val="windowText" lastClr="000000"/>
+                </a:solidFill>
+              </a:ln>
+              <a:solidFill>
+                <a:sysClr val="windowText" lastClr="000000"/>
+              </a:solidFill>
+            </a:endParaRPr>
+          </a:p>
+        </p:txBody>
+      </p:sp>
+      <p:pic>
+        <p:nvPicPr>
+          <p:cNvPr id="5" name="Figure" descr="NAU: Northern Arizona University.">
+            <a:extLst>
+              <a:ext uri="{FF2B5EF4-FFF2-40B4-BE49-F238E27FC236}">
+                <a16:creationId xmlns:a16="http://schemas.microsoft.com/office/drawing/2014/main" id="{52DD1FBC-2F9F-9379-987E-A177A1E7C474}"/>
+              </a:ext>
+            </a:extLst>
+          </p:cNvPr>
+          <p:cNvPicPr>
+            <a:picLocks noChangeAspect="1"/>
+          </p:cNvPicPr>
+          <p:nvPr/>
+        </p:nvPicPr>
+        <p:blipFill>
+          <a:blip r:embed="rId2"/>
+          <a:stretch>
+            <a:fillRect/>
+          </a:stretch>
+        </p:blipFill>
+        <p:spPr>
+          <a:xfrm>
+            <a:off x="2914649" y="132174"/>
+            <a:ext cx="6362701" cy="315753"/>
+          </a:xfrm>
+          <a:prstGeom prst="rect">
+            <a:avLst/>
+          </a:prstGeom>
+        </p:spPr>
+      </p:pic>
+    </p:spTree>
+    <p:extLst>
+      <p:ext uri="{BB962C8B-B14F-4D97-AF65-F5344CB8AC3E}">
+        <p14:creationId xmlns:p14="http://schemas.microsoft.com/office/powerpoint/2010/main" val="3634521135"/>
+      </p:ext>
+    </p:extLst>
+  </p:cSld>
+  <p:clrMapOvr>
+    <a:masterClrMapping/>
+  </p:clrMapOvr>
+</p:sld>
+</file>
+
+<file path=ppt/slides/slide18.xml><?xml version="1.0" encoding="utf-8"?>
+<p:sld xmlns:a="http://schemas.openxmlformats.org/drawingml/2006/main" xmlns:r="http://schemas.openxmlformats.org/officeDocument/2006/relationships" xmlns:p="http://schemas.openxmlformats.org/presentationml/2006/main">
+  <p:cSld>
+    <p:spTree>
+      <p:nvGrpSpPr>
+        <p:cNvPr id="1" name="">
+          <a:extLst>
+            <a:ext uri="{FF2B5EF4-FFF2-40B4-BE49-F238E27FC236}">
+              <a16:creationId xmlns:a16="http://schemas.microsoft.com/office/drawing/2014/main" id="{46AEF350-E3DC-EADE-4CB6-49C2F124B2F1}"/>
+            </a:ext>
+          </a:extLst>
+        </p:cNvPr>
+        <p:cNvGrpSpPr/>
+        <p:nvPr/>
+      </p:nvGrpSpPr>
+      <p:grpSpPr>
+        <a:xfrm>
+          <a:off x="0" y="0"/>
+          <a:ext cx="0" cy="0"/>
+          <a:chOff x="0" y="0"/>
+          <a:chExt cx="0" cy="0"/>
+        </a:xfrm>
+      </p:grpSpPr>
+      <p:sp>
+        <p:nvSpPr>
+          <p:cNvPr id="4" name="Title 3">
+            <a:extLst>
+              <a:ext uri="{FF2B5EF4-FFF2-40B4-BE49-F238E27FC236}">
+                <a16:creationId xmlns:a16="http://schemas.microsoft.com/office/drawing/2014/main" id="{01C5F8A2-18E6-1072-B42F-F258169826E6}"/>
+              </a:ext>
+            </a:extLst>
+          </p:cNvPr>
+          <p:cNvSpPr>
+            <a:spLocks noGrp="1"/>
+          </p:cNvSpPr>
+          <p:nvPr>
+            <p:ph type="title"/>
+          </p:nvPr>
+        </p:nvSpPr>
+        <p:spPr>
+          <a:xfrm>
+            <a:off x="838200" y="500062"/>
+            <a:ext cx="10515600" cy="1325563"/>
+          </a:xfrm>
+        </p:spPr>
+        <p:txBody>
+          <a:bodyPr/>
+          <a:lstStyle/>
+          <a:p>
+            <a:r>
+              <a:rPr lang="en-US" dirty="0"/>
+              <a:t>Logistic Regression</a:t>
+            </a:r>
+          </a:p>
+        </p:txBody>
+      </p:sp>
+      <p:sp>
+        <p:nvSpPr>
+          <p:cNvPr id="6" name="Artifact">
+            <a:extLst>
+              <a:ext uri="{FF2B5EF4-FFF2-40B4-BE49-F238E27FC236}">
+                <a16:creationId xmlns:a16="http://schemas.microsoft.com/office/drawing/2014/main" id="{901A4341-ABA2-DD5D-BF59-7AE59BE347AB}"/>
+              </a:ext>
+              <a:ext uri="{C183D7F6-B498-43B3-948B-1728B52AA6E4}">
+                <adec:decorative xmlns:adec="http://schemas.microsoft.com/office/drawing/2017/decorative" val="1"/>
+              </a:ext>
+            </a:extLst>
+          </p:cNvPr>
+          <p:cNvSpPr/>
+          <p:nvPr/>
+        </p:nvSpPr>
+        <p:spPr>
+          <a:xfrm>
+            <a:off x="0" y="0"/>
+            <a:ext cx="12192000" cy="580103"/>
+          </a:xfrm>
+          <a:prstGeom prst="rect">
+            <a:avLst/>
+          </a:prstGeom>
+          <a:gradFill flip="none" rotWithShape="1">
+            <a:gsLst>
+              <a:gs pos="10000">
+                <a:srgbClr val="172140"/>
+              </a:gs>
+              <a:gs pos="100000">
+                <a:srgbClr val="0066B3"/>
+              </a:gs>
+            </a:gsLst>
+            <a:lin ang="18900000" scaled="1"/>
+            <a:tileRect/>
+          </a:gradFill>
+        </p:spPr>
+        <p:style>
+          <a:lnRef idx="2">
+            <a:schemeClr val="accent1">
+              <a:shade val="50000"/>
+            </a:schemeClr>
+          </a:lnRef>
+          <a:fillRef idx="1">
+            <a:schemeClr val="accent1"/>
+          </a:fillRef>
+          <a:effectRef idx="0">
+            <a:schemeClr val="accent1"/>
+          </a:effectRef>
+          <a:fontRef idx="minor">
+            <a:schemeClr val="lt1"/>
+          </a:fontRef>
+        </p:style>
+        <p:txBody>
+          <a:bodyPr rtlCol="0" anchor="ctr"/>
+          <a:lstStyle/>
+          <a:p>
+            <a:pPr algn="ctr"/>
+            <a:endParaRPr lang="en-US">
+              <a:ln>
+                <a:solidFill>
+                  <a:sysClr val="windowText" lastClr="000000"/>
+                </a:solidFill>
+              </a:ln>
+              <a:solidFill>
+                <a:sysClr val="windowText" lastClr="000000"/>
+              </a:solidFill>
+            </a:endParaRPr>
+          </a:p>
+        </p:txBody>
+      </p:sp>
+      <p:pic>
+        <p:nvPicPr>
+          <p:cNvPr id="5" name="Figure" descr="NAU: Northern Arizona University.">
+            <a:extLst>
+              <a:ext uri="{FF2B5EF4-FFF2-40B4-BE49-F238E27FC236}">
                 <a16:creationId xmlns:a16="http://schemas.microsoft.com/office/drawing/2014/main" id="{B77793AB-BCB1-B93A-83B1-6DBB2756B31B}"/>
               </a:ext>
             </a:extLst>
@@ -6043,6 +7935,205 @@
     <p:extLst>
       <p:ext uri="{BB962C8B-B14F-4D97-AF65-F5344CB8AC3E}">
         <p14:creationId xmlns:p14="http://schemas.microsoft.com/office/powerpoint/2010/main" val="435471477"/>
+      </p:ext>
+    </p:extLst>
+  </p:cSld>
+  <p:clrMapOvr>
+    <a:masterClrMapping/>
+  </p:clrMapOvr>
+</p:sld>
+</file>
+
+<file path=ppt/slides/slide19.xml><?xml version="1.0" encoding="utf-8"?>
+<p:sld xmlns:a="http://schemas.openxmlformats.org/drawingml/2006/main" xmlns:r="http://schemas.openxmlformats.org/officeDocument/2006/relationships" xmlns:p="http://schemas.openxmlformats.org/presentationml/2006/main">
+  <p:cSld>
+    <p:spTree>
+      <p:nvGrpSpPr>
+        <p:cNvPr id="1" name="">
+          <a:extLst>
+            <a:ext uri="{FF2B5EF4-FFF2-40B4-BE49-F238E27FC236}">
+              <a16:creationId xmlns:a16="http://schemas.microsoft.com/office/drawing/2014/main" id="{F7B0E7BD-9983-118E-3D59-4E1C17BAB871}"/>
+            </a:ext>
+          </a:extLst>
+        </p:cNvPr>
+        <p:cNvGrpSpPr/>
+        <p:nvPr/>
+      </p:nvGrpSpPr>
+      <p:grpSpPr>
+        <a:xfrm>
+          <a:off x="0" y="0"/>
+          <a:ext cx="0" cy="0"/>
+          <a:chOff x="0" y="0"/>
+          <a:chExt cx="0" cy="0"/>
+        </a:xfrm>
+      </p:grpSpPr>
+      <p:sp>
+        <p:nvSpPr>
+          <p:cNvPr id="4" name="Title 3">
+            <a:extLst>
+              <a:ext uri="{FF2B5EF4-FFF2-40B4-BE49-F238E27FC236}">
+                <a16:creationId xmlns:a16="http://schemas.microsoft.com/office/drawing/2014/main" id="{AD0CE162-0E31-44F7-B8B4-DD1E5B5C82A4}"/>
+              </a:ext>
+            </a:extLst>
+          </p:cNvPr>
+          <p:cNvSpPr>
+            <a:spLocks noGrp="1"/>
+          </p:cNvSpPr>
+          <p:nvPr>
+            <p:ph type="title"/>
+          </p:nvPr>
+        </p:nvSpPr>
+        <p:spPr>
+          <a:xfrm>
+            <a:off x="838200" y="500062"/>
+            <a:ext cx="10515600" cy="1325563"/>
+          </a:xfrm>
+        </p:spPr>
+        <p:txBody>
+          <a:bodyPr/>
+          <a:lstStyle/>
+          <a:p>
+            <a:r>
+              <a:rPr lang="en-US" dirty="0"/>
+              <a:t>Appendix: Hispanic/Indigenous Funnel</a:t>
+            </a:r>
+          </a:p>
+        </p:txBody>
+      </p:sp>
+      <p:sp>
+        <p:nvSpPr>
+          <p:cNvPr id="6" name="Artifact">
+            <a:extLst>
+              <a:ext uri="{FF2B5EF4-FFF2-40B4-BE49-F238E27FC236}">
+                <a16:creationId xmlns:a16="http://schemas.microsoft.com/office/drawing/2014/main" id="{86C28E86-3297-0FA5-0AF8-F1F72BAC5993}"/>
+              </a:ext>
+              <a:ext uri="{C183D7F6-B498-43B3-948B-1728B52AA6E4}">
+                <adec:decorative xmlns:adec="http://schemas.microsoft.com/office/drawing/2017/decorative" val="1"/>
+              </a:ext>
+            </a:extLst>
+          </p:cNvPr>
+          <p:cNvSpPr/>
+          <p:nvPr/>
+        </p:nvSpPr>
+        <p:spPr>
+          <a:xfrm>
+            <a:off x="0" y="0"/>
+            <a:ext cx="12192000" cy="580103"/>
+          </a:xfrm>
+          <a:prstGeom prst="rect">
+            <a:avLst/>
+          </a:prstGeom>
+          <a:gradFill flip="none" rotWithShape="1">
+            <a:gsLst>
+              <a:gs pos="10000">
+                <a:srgbClr val="172140"/>
+              </a:gs>
+              <a:gs pos="100000">
+                <a:srgbClr val="0066B3"/>
+              </a:gs>
+            </a:gsLst>
+            <a:lin ang="18900000" scaled="1"/>
+            <a:tileRect/>
+          </a:gradFill>
+        </p:spPr>
+        <p:style>
+          <a:lnRef idx="2">
+            <a:schemeClr val="accent1">
+              <a:shade val="50000"/>
+            </a:schemeClr>
+          </a:lnRef>
+          <a:fillRef idx="1">
+            <a:schemeClr val="accent1"/>
+          </a:fillRef>
+          <a:effectRef idx="0">
+            <a:schemeClr val="accent1"/>
+          </a:effectRef>
+          <a:fontRef idx="minor">
+            <a:schemeClr val="lt1"/>
+          </a:fontRef>
+        </p:style>
+        <p:txBody>
+          <a:bodyPr rtlCol="0" anchor="ctr"/>
+          <a:lstStyle/>
+          <a:p>
+            <a:pPr algn="ctr"/>
+            <a:endParaRPr lang="en-US">
+              <a:ln>
+                <a:solidFill>
+                  <a:sysClr val="windowText" lastClr="000000"/>
+                </a:solidFill>
+              </a:ln>
+              <a:solidFill>
+                <a:sysClr val="windowText" lastClr="000000"/>
+              </a:solidFill>
+            </a:endParaRPr>
+          </a:p>
+        </p:txBody>
+      </p:sp>
+      <p:pic>
+        <p:nvPicPr>
+          <p:cNvPr id="5" name="Figure" descr="NAU: Northern Arizona University.">
+            <a:extLst>
+              <a:ext uri="{FF2B5EF4-FFF2-40B4-BE49-F238E27FC236}">
+                <a16:creationId xmlns:a16="http://schemas.microsoft.com/office/drawing/2014/main" id="{C61C2825-82DF-3F5B-6B09-0BA7452435BF}"/>
+              </a:ext>
+            </a:extLst>
+          </p:cNvPr>
+          <p:cNvPicPr>
+            <a:picLocks noChangeAspect="1"/>
+          </p:cNvPicPr>
+          <p:nvPr/>
+        </p:nvPicPr>
+        <p:blipFill>
+          <a:blip r:embed="rId2"/>
+          <a:stretch>
+            <a:fillRect/>
+          </a:stretch>
+        </p:blipFill>
+        <p:spPr>
+          <a:xfrm>
+            <a:off x="2914649" y="132174"/>
+            <a:ext cx="6362701" cy="315753"/>
+          </a:xfrm>
+          <a:prstGeom prst="rect">
+            <a:avLst/>
+          </a:prstGeom>
+        </p:spPr>
+      </p:pic>
+      <p:pic>
+        <p:nvPicPr>
+          <p:cNvPr id="3" name="Picture 2">
+            <a:extLst>
+              <a:ext uri="{FF2B5EF4-FFF2-40B4-BE49-F238E27FC236}">
+                <a16:creationId xmlns:a16="http://schemas.microsoft.com/office/drawing/2014/main" id="{E25674DC-4DFB-30AD-36C8-139C0DB29AB6}"/>
+              </a:ext>
+            </a:extLst>
+          </p:cNvPr>
+          <p:cNvPicPr>
+            <a:picLocks noChangeAspect="1"/>
+          </p:cNvPicPr>
+          <p:nvPr/>
+        </p:nvPicPr>
+        <p:blipFill>
+          <a:blip r:embed="rId3"/>
+          <a:stretch>
+            <a:fillRect/>
+          </a:stretch>
+        </p:blipFill>
+        <p:spPr>
+          <a:xfrm>
+            <a:off x="156634" y="2216426"/>
+            <a:ext cx="11294529" cy="2305878"/>
+          </a:xfrm>
+          <a:prstGeom prst="rect">
+            <a:avLst/>
+          </a:prstGeom>
+        </p:spPr>
+      </p:pic>
+    </p:spTree>
+    <p:extLst>
+      <p:ext uri="{BB962C8B-B14F-4D97-AF65-F5344CB8AC3E}">
+        <p14:creationId xmlns:p14="http://schemas.microsoft.com/office/powerpoint/2010/main" val="1616008845"/>
       </p:ext>
     </p:extLst>
   </p:cSld>
@@ -9154,6 +11245,258 @@
   <p:clrMapOvr>
     <a:masterClrMapping/>
   </p:clrMapOvr>
+  <p:timing>
+    <p:tnLst>
+      <p:par>
+        <p:cTn id="1" dur="indefinite" restart="never" nodeType="tmRoot">
+          <p:childTnLst>
+            <p:seq concurrent="1" nextAc="seek">
+              <p:cTn id="2" dur="indefinite" nodeType="mainSeq">
+                <p:childTnLst>
+                  <p:par>
+                    <p:cTn id="3" fill="hold">
+                      <p:stCondLst>
+                        <p:cond delay="indefinite"/>
+                      </p:stCondLst>
+                      <p:childTnLst>
+                        <p:par>
+                          <p:cTn id="4" fill="hold">
+                            <p:stCondLst>
+                              <p:cond delay="0"/>
+                            </p:stCondLst>
+                            <p:childTnLst>
+                              <p:par>
+                                <p:cTn id="5" presetID="1" presetClass="entr" presetSubtype="0" fill="hold" nodeType="clickEffect">
+                                  <p:stCondLst>
+                                    <p:cond delay="0"/>
+                                  </p:stCondLst>
+                                  <p:childTnLst>
+                                    <p:set>
+                                      <p:cBhvr>
+                                        <p:cTn id="6" dur="1" fill="hold">
+                                          <p:stCondLst>
+                                            <p:cond delay="0"/>
+                                          </p:stCondLst>
+                                        </p:cTn>
+                                        <p:tgtEl>
+                                          <p:spTgt spid="7">
+                                            <p:txEl>
+                                              <p:pRg st="0" end="0"/>
+                                            </p:txEl>
+                                          </p:spTgt>
+                                        </p:tgtEl>
+                                        <p:attrNameLst>
+                                          <p:attrName>style.visibility</p:attrName>
+                                        </p:attrNameLst>
+                                      </p:cBhvr>
+                                      <p:to>
+                                        <p:strVal val="visible"/>
+                                      </p:to>
+                                    </p:set>
+                                  </p:childTnLst>
+                                </p:cTn>
+                              </p:par>
+                              <p:par>
+                                <p:cTn id="7" presetID="1" presetClass="entr" presetSubtype="0" fill="hold" nodeType="withEffect">
+                                  <p:stCondLst>
+                                    <p:cond delay="0"/>
+                                  </p:stCondLst>
+                                  <p:childTnLst>
+                                    <p:set>
+                                      <p:cBhvr>
+                                        <p:cTn id="8" dur="1" fill="hold">
+                                          <p:stCondLst>
+                                            <p:cond delay="0"/>
+                                          </p:stCondLst>
+                                        </p:cTn>
+                                        <p:tgtEl>
+                                          <p:spTgt spid="7">
+                                            <p:txEl>
+                                              <p:pRg st="1" end="1"/>
+                                            </p:txEl>
+                                          </p:spTgt>
+                                        </p:tgtEl>
+                                        <p:attrNameLst>
+                                          <p:attrName>style.visibility</p:attrName>
+                                        </p:attrNameLst>
+                                      </p:cBhvr>
+                                      <p:to>
+                                        <p:strVal val="visible"/>
+                                      </p:to>
+                                    </p:set>
+                                  </p:childTnLst>
+                                </p:cTn>
+                              </p:par>
+                              <p:par>
+                                <p:cTn id="9" presetID="1" presetClass="entr" presetSubtype="0" fill="hold" nodeType="withEffect">
+                                  <p:stCondLst>
+                                    <p:cond delay="0"/>
+                                  </p:stCondLst>
+                                  <p:childTnLst>
+                                    <p:set>
+                                      <p:cBhvr>
+                                        <p:cTn id="10" dur="1" fill="hold">
+                                          <p:stCondLst>
+                                            <p:cond delay="0"/>
+                                          </p:stCondLst>
+                                        </p:cTn>
+                                        <p:tgtEl>
+                                          <p:spTgt spid="7">
+                                            <p:txEl>
+                                              <p:pRg st="2" end="2"/>
+                                            </p:txEl>
+                                          </p:spTgt>
+                                        </p:tgtEl>
+                                        <p:attrNameLst>
+                                          <p:attrName>style.visibility</p:attrName>
+                                        </p:attrNameLst>
+                                      </p:cBhvr>
+                                      <p:to>
+                                        <p:strVal val="visible"/>
+                                      </p:to>
+                                    </p:set>
+                                  </p:childTnLst>
+                                </p:cTn>
+                              </p:par>
+                            </p:childTnLst>
+                          </p:cTn>
+                        </p:par>
+                      </p:childTnLst>
+                    </p:cTn>
+                  </p:par>
+                  <p:par>
+                    <p:cTn id="11" fill="hold">
+                      <p:stCondLst>
+                        <p:cond delay="indefinite"/>
+                      </p:stCondLst>
+                      <p:childTnLst>
+                        <p:par>
+                          <p:cTn id="12" fill="hold">
+                            <p:stCondLst>
+                              <p:cond delay="0"/>
+                            </p:stCondLst>
+                            <p:childTnLst>
+                              <p:par>
+                                <p:cTn id="13" presetID="1" presetClass="entr" presetSubtype="0" fill="hold" nodeType="clickEffect">
+                                  <p:stCondLst>
+                                    <p:cond delay="0"/>
+                                  </p:stCondLst>
+                                  <p:childTnLst>
+                                    <p:set>
+                                      <p:cBhvr>
+                                        <p:cTn id="14" dur="1" fill="hold">
+                                          <p:stCondLst>
+                                            <p:cond delay="0"/>
+                                          </p:stCondLst>
+                                        </p:cTn>
+                                        <p:tgtEl>
+                                          <p:spTgt spid="7">
+                                            <p:txEl>
+                                              <p:pRg st="3" end="3"/>
+                                            </p:txEl>
+                                          </p:spTgt>
+                                        </p:tgtEl>
+                                        <p:attrNameLst>
+                                          <p:attrName>style.visibility</p:attrName>
+                                        </p:attrNameLst>
+                                      </p:cBhvr>
+                                      <p:to>
+                                        <p:strVal val="visible"/>
+                                      </p:to>
+                                    </p:set>
+                                  </p:childTnLst>
+                                </p:cTn>
+                              </p:par>
+                              <p:par>
+                                <p:cTn id="15" presetID="1" presetClass="entr" presetSubtype="0" fill="hold" nodeType="withEffect">
+                                  <p:stCondLst>
+                                    <p:cond delay="0"/>
+                                  </p:stCondLst>
+                                  <p:childTnLst>
+                                    <p:set>
+                                      <p:cBhvr>
+                                        <p:cTn id="16" dur="1" fill="hold">
+                                          <p:stCondLst>
+                                            <p:cond delay="0"/>
+                                          </p:stCondLst>
+                                        </p:cTn>
+                                        <p:tgtEl>
+                                          <p:spTgt spid="7">
+                                            <p:txEl>
+                                              <p:pRg st="4" end="4"/>
+                                            </p:txEl>
+                                          </p:spTgt>
+                                        </p:tgtEl>
+                                        <p:attrNameLst>
+                                          <p:attrName>style.visibility</p:attrName>
+                                        </p:attrNameLst>
+                                      </p:cBhvr>
+                                      <p:to>
+                                        <p:strVal val="visible"/>
+                                      </p:to>
+                                    </p:set>
+                                  </p:childTnLst>
+                                </p:cTn>
+                              </p:par>
+                              <p:par>
+                                <p:cTn id="17" presetID="1" presetClass="entr" presetSubtype="0" fill="hold" nodeType="withEffect">
+                                  <p:stCondLst>
+                                    <p:cond delay="0"/>
+                                  </p:stCondLst>
+                                  <p:childTnLst>
+                                    <p:set>
+                                      <p:cBhvr>
+                                        <p:cTn id="18" dur="1" fill="hold">
+                                          <p:stCondLst>
+                                            <p:cond delay="0"/>
+                                          </p:stCondLst>
+                                        </p:cTn>
+                                        <p:tgtEl>
+                                          <p:spTgt spid="7">
+                                            <p:txEl>
+                                              <p:pRg st="5" end="5"/>
+                                            </p:txEl>
+                                          </p:spTgt>
+                                        </p:tgtEl>
+                                        <p:attrNameLst>
+                                          <p:attrName>style.visibility</p:attrName>
+                                        </p:attrNameLst>
+                                      </p:cBhvr>
+                                      <p:to>
+                                        <p:strVal val="visible"/>
+                                      </p:to>
+                                    </p:set>
+                                  </p:childTnLst>
+                                </p:cTn>
+                              </p:par>
+                            </p:childTnLst>
+                          </p:cTn>
+                        </p:par>
+                      </p:childTnLst>
+                    </p:cTn>
+                  </p:par>
+                </p:childTnLst>
+              </p:cTn>
+              <p:prevCondLst>
+                <p:cond evt="onPrev" delay="0">
+                  <p:tgtEl>
+                    <p:sldTgt/>
+                  </p:tgtEl>
+                </p:cond>
+              </p:prevCondLst>
+              <p:nextCondLst>
+                <p:cond evt="onNext" delay="0">
+                  <p:tgtEl>
+                    <p:sldTgt/>
+                  </p:tgtEl>
+                </p:cond>
+              </p:nextCondLst>
+            </p:seq>
+          </p:childTnLst>
+        </p:cTn>
+      </p:par>
+    </p:tnLst>
+  </p:timing>
 </p:sld>
 </file>
 
@@ -9507,6 +11850,12 @@
           <a:p>
             <a:r>
               <a:rPr lang="en-US" dirty="0"/>
+              <a:t>Key tool in promoting diversity in the student body</a:t>
+            </a:r>
+          </a:p>
+          <a:p>
+            <a:r>
+              <a:rPr lang="en-US" dirty="0"/>
               <a:t>Percent of students receiving aid: 78%</a:t>
             </a:r>
           </a:p>
@@ -9647,7 +11996,7 @@
         <p:cNvPr id="1" name="">
           <a:extLst>
             <a:ext uri="{FF2B5EF4-FFF2-40B4-BE49-F238E27FC236}">
-              <a16:creationId xmlns:a16="http://schemas.microsoft.com/office/drawing/2014/main" id="{4EED9730-DB0C-FDA2-5123-AA2483C78400}"/>
+              <a16:creationId xmlns:a16="http://schemas.microsoft.com/office/drawing/2014/main" id="{F2C204C4-2C6D-463E-2F6D-635874F80F56}"/>
             </a:ext>
           </a:extLst>
         </p:cNvPr>
@@ -9667,7 +12016,7 @@
           <p:cNvPr id="4" name="Title 3">
             <a:extLst>
               <a:ext uri="{FF2B5EF4-FFF2-40B4-BE49-F238E27FC236}">
-                <a16:creationId xmlns:a16="http://schemas.microsoft.com/office/drawing/2014/main" id="{F48AAD1A-7A23-74FE-FE55-3EA240332D3A}"/>
+                <a16:creationId xmlns:a16="http://schemas.microsoft.com/office/drawing/2014/main" id="{F4B6B94F-0183-A732-EDEE-CFD00C104793}"/>
               </a:ext>
             </a:extLst>
           </p:cNvPr>
@@ -9690,7 +12039,7 @@
           <a:p>
             <a:r>
               <a:rPr lang="en-US" dirty="0"/>
-              <a:t>Does Financial Aid Drive Acceptance?</a:t>
+              <a:t>Financial Aid Distribution</a:t>
             </a:r>
           </a:p>
         </p:txBody>
@@ -9700,7 +12049,7 @@
           <p:cNvPr id="6" name="Artifact">
             <a:extLst>
               <a:ext uri="{FF2B5EF4-FFF2-40B4-BE49-F238E27FC236}">
-                <a16:creationId xmlns:a16="http://schemas.microsoft.com/office/drawing/2014/main" id="{1112890C-17C7-DFB4-E46E-48AE6E175DBA}"/>
+                <a16:creationId xmlns:a16="http://schemas.microsoft.com/office/drawing/2014/main" id="{8DA076F7-4D92-7986-FAFF-2F4E9F0A088A}"/>
               </a:ext>
               <a:ext uri="{C183D7F6-B498-43B3-948B-1728B52AA6E4}">
                 <adec:decorative xmlns:adec="http://schemas.microsoft.com/office/drawing/2017/decorative" val="1"/>
@@ -9770,7 +12119,7 @@
           <p:cNvPr id="5" name="Figure" descr="NAU: Northern Arizona University.">
             <a:extLst>
               <a:ext uri="{FF2B5EF4-FFF2-40B4-BE49-F238E27FC236}">
-                <a16:creationId xmlns:a16="http://schemas.microsoft.com/office/drawing/2014/main" id="{74E7CEF6-90C5-9EC3-1A88-A24730701C93}"/>
+                <a16:creationId xmlns:a16="http://schemas.microsoft.com/office/drawing/2014/main" id="{8A0F9AC4-4E1E-6A1A-4E9A-C5A0EA0AABA4}"/>
               </a:ext>
             </a:extLst>
           </p:cNvPr>
@@ -9800,7 +12149,7 @@
           <p:cNvPr id="12" name="Content Placeholder 6">
             <a:extLst>
               <a:ext uri="{FF2B5EF4-FFF2-40B4-BE49-F238E27FC236}">
-                <a16:creationId xmlns:a16="http://schemas.microsoft.com/office/drawing/2014/main" id="{D82841FC-0D33-4FD6-7F10-373B6457E78F}"/>
+                <a16:creationId xmlns:a16="http://schemas.microsoft.com/office/drawing/2014/main" id="{C86F78B5-30AB-7A43-EC35-352A246AA4C7}"/>
               </a:ext>
             </a:extLst>
           </p:cNvPr>
@@ -9989,34 +12338,10 @@
           <a:p>
             <a:r>
               <a:rPr lang="en-US" dirty="0"/>
-              <a:t>Increased Financial Aid does increase likelihood of a student accepting their offer</a:t>
-            </a:r>
-          </a:p>
-          <a:p>
-            <a:pPr lvl="1"/>
-            <a:r>
-              <a:rPr lang="en-US" dirty="0"/>
-              <a:t>$5000 in aid increases the probability of accepting by 5%</a:t>
-            </a:r>
-          </a:p>
-          <a:p>
-            <a:pPr lvl="1"/>
-            <a:r>
-              <a:rPr lang="en-US" dirty="0"/>
-              <a:t>No statistical difference between ethnic groups</a:t>
-            </a:r>
-          </a:p>
-          <a:p>
-            <a:pPr lvl="1"/>
-            <a:r>
-              <a:rPr lang="en-US" dirty="0"/>
-              <a:t>Logistic Regression Model – all coefficients significant (p &lt; 0.01)</a:t>
-            </a:r>
-          </a:p>
-          <a:p>
-            <a:pPr marL="0" indent="0">
-              <a:buNone/>
-            </a:pPr>
+              <a:t>Financial Aid packages are higher for students with lower income</a:t>
+            </a:r>
+          </a:p>
+          <a:p>
             <a:endParaRPr lang="en-US" dirty="0"/>
           </a:p>
           <a:p>
@@ -10028,26 +12353,54 @@
           </a:p>
         </p:txBody>
       </p:sp>
+      <p:pic>
+        <p:nvPicPr>
+          <p:cNvPr id="11" name="Picture 10">
+            <a:extLst>
+              <a:ext uri="{FF2B5EF4-FFF2-40B4-BE49-F238E27FC236}">
+                <a16:creationId xmlns:a16="http://schemas.microsoft.com/office/drawing/2014/main" id="{1E524C22-B924-E715-2910-EBEEA1D4615F}"/>
+              </a:ext>
+            </a:extLst>
+          </p:cNvPr>
+          <p:cNvPicPr>
+            <a:picLocks noChangeAspect="1"/>
+          </p:cNvPicPr>
+          <p:nvPr/>
+        </p:nvPicPr>
+        <p:blipFill>
+          <a:blip r:embed="rId3"/>
+          <a:stretch>
+            <a:fillRect/>
+          </a:stretch>
+        </p:blipFill>
+        <p:spPr>
+          <a:xfrm>
+            <a:off x="209159" y="3218838"/>
+            <a:ext cx="11773680" cy="3139100"/>
+          </a:xfrm>
+          <a:prstGeom prst="rect">
+            <a:avLst/>
+          </a:prstGeom>
+        </p:spPr>
+      </p:pic>
       <p:sp>
         <p:nvSpPr>
-          <p:cNvPr id="13" name="Content Placeholder 6">
-            <a:extLst>
-              <a:ext uri="{FF2B5EF4-FFF2-40B4-BE49-F238E27FC236}">
-                <a16:creationId xmlns:a16="http://schemas.microsoft.com/office/drawing/2014/main" id="{21B447B4-37CD-6DB0-23ED-B44982037E36}"/>
+          <p:cNvPr id="2" name="Content Placeholder 6">
+            <a:extLst>
+              <a:ext uri="{FF2B5EF4-FFF2-40B4-BE49-F238E27FC236}">
+                <a16:creationId xmlns:a16="http://schemas.microsoft.com/office/drawing/2014/main" id="{8392EB68-3CF8-4808-0C33-901047B07F37}"/>
               </a:ext>
             </a:extLst>
           </p:cNvPr>
           <p:cNvSpPr txBox="1">
-            <a:spLocks noGrp="1"/>
+            <a:spLocks/>
           </p:cNvSpPr>
-          <p:nvPr>
-            <p:ph sz="half" idx="2"/>
-          </p:nvPr>
+          <p:nvPr/>
         </p:nvSpPr>
         <p:spPr>
           <a:xfrm>
-            <a:off x="6172200" y="1652153"/>
-            <a:ext cx="5304430" cy="4900201"/>
+            <a:off x="6019800" y="1652154"/>
+            <a:ext cx="5181600" cy="4900201"/>
           </a:xfrm>
           <a:prstGeom prst="rect">
             <a:avLst/>
@@ -10224,37 +12577,14 @@
           <a:p>
             <a:r>
               <a:rPr lang="en-US" dirty="0"/>
-              <a:t>Average time between admission and acceptance: 99 days.</a:t>
-            </a:r>
-          </a:p>
-          <a:p>
-            <a:r>
-              <a:rPr lang="en-US" dirty="0"/>
-              <a:t>Does increasing Financial Aid decrease time to acceptance?</a:t>
-            </a:r>
+              <a:t>Financial Aid packages are largest for residents</a:t>
+            </a:r>
+          </a:p>
+          <a:p>
+            <a:endParaRPr lang="en-US" dirty="0"/>
           </a:p>
           <a:p>
             <a:pPr lvl="1"/>
-            <a:r>
-              <a:rPr lang="en-US" dirty="0"/>
-              <a:t>NO</a:t>
-            </a:r>
-          </a:p>
-          <a:p>
-            <a:pPr lvl="1"/>
-            <a:r>
-              <a:rPr lang="en-US" dirty="0"/>
-              <a:t>Each $1000 in aid is associated with 3 extra days between admission and acceptance</a:t>
-            </a:r>
-          </a:p>
-          <a:p>
-            <a:pPr lvl="1"/>
-            <a:r>
-              <a:rPr lang="en-US" dirty="0"/>
-              <a:t>Linear model with significant coefficients (p &lt; 0.01) </a:t>
-            </a:r>
-          </a:p>
-          <a:p>
             <a:endParaRPr lang="en-US" dirty="0"/>
           </a:p>
           <a:p>
@@ -10265,376 +12595,13 @@
     </p:spTree>
     <p:extLst>
       <p:ext uri="{BB962C8B-B14F-4D97-AF65-F5344CB8AC3E}">
-        <p14:creationId xmlns:p14="http://schemas.microsoft.com/office/powerpoint/2010/main" val="770675354"/>
+        <p14:creationId xmlns:p14="http://schemas.microsoft.com/office/powerpoint/2010/main" val="2596561413"/>
       </p:ext>
     </p:extLst>
   </p:cSld>
   <p:clrMapOvr>
     <a:masterClrMapping/>
   </p:clrMapOvr>
-  <p:timing>
-    <p:tnLst>
-      <p:par>
-        <p:cTn id="1" dur="indefinite" restart="never" nodeType="tmRoot">
-          <p:childTnLst>
-            <p:seq concurrent="1" nextAc="seek">
-              <p:cTn id="2" dur="indefinite" nodeType="mainSeq">
-                <p:childTnLst>
-                  <p:par>
-                    <p:cTn id="3" fill="hold">
-                      <p:stCondLst>
-                        <p:cond delay="indefinite"/>
-                      </p:stCondLst>
-                      <p:childTnLst>
-                        <p:par>
-                          <p:cTn id="4" fill="hold">
-                            <p:stCondLst>
-                              <p:cond delay="0"/>
-                            </p:stCondLst>
-                            <p:childTnLst>
-                              <p:par>
-                                <p:cTn id="5" presetID="1" presetClass="entr" presetSubtype="0" fill="hold" nodeType="clickEffect">
-                                  <p:stCondLst>
-                                    <p:cond delay="0"/>
-                                  </p:stCondLst>
-                                  <p:childTnLst>
-                                    <p:set>
-                                      <p:cBhvr>
-                                        <p:cTn id="6" dur="1" fill="hold">
-                                          <p:stCondLst>
-                                            <p:cond delay="0"/>
-                                          </p:stCondLst>
-                                        </p:cTn>
-                                        <p:tgtEl>
-                                          <p:spTgt spid="12">
-                                            <p:txEl>
-                                              <p:pRg st="0" end="0"/>
-                                            </p:txEl>
-                                          </p:spTgt>
-                                        </p:tgtEl>
-                                        <p:attrNameLst>
-                                          <p:attrName>style.visibility</p:attrName>
-                                        </p:attrNameLst>
-                                      </p:cBhvr>
-                                      <p:to>
-                                        <p:strVal val="visible"/>
-                                      </p:to>
-                                    </p:set>
-                                  </p:childTnLst>
-                                </p:cTn>
-                              </p:par>
-                              <p:par>
-                                <p:cTn id="7" presetID="1" presetClass="entr" presetSubtype="0" fill="hold" nodeType="withEffect">
-                                  <p:stCondLst>
-                                    <p:cond delay="0"/>
-                                  </p:stCondLst>
-                                  <p:childTnLst>
-                                    <p:set>
-                                      <p:cBhvr>
-                                        <p:cTn id="8" dur="1" fill="hold">
-                                          <p:stCondLst>
-                                            <p:cond delay="0"/>
-                                          </p:stCondLst>
-                                        </p:cTn>
-                                        <p:tgtEl>
-                                          <p:spTgt spid="12">
-                                            <p:txEl>
-                                              <p:pRg st="1" end="1"/>
-                                            </p:txEl>
-                                          </p:spTgt>
-                                        </p:tgtEl>
-                                        <p:attrNameLst>
-                                          <p:attrName>style.visibility</p:attrName>
-                                        </p:attrNameLst>
-                                      </p:cBhvr>
-                                      <p:to>
-                                        <p:strVal val="visible"/>
-                                      </p:to>
-                                    </p:set>
-                                  </p:childTnLst>
-                                </p:cTn>
-                              </p:par>
-                              <p:par>
-                                <p:cTn id="9" presetID="1" presetClass="entr" presetSubtype="0" fill="hold" nodeType="withEffect">
-                                  <p:stCondLst>
-                                    <p:cond delay="0"/>
-                                  </p:stCondLst>
-                                  <p:childTnLst>
-                                    <p:set>
-                                      <p:cBhvr>
-                                        <p:cTn id="10" dur="1" fill="hold">
-                                          <p:stCondLst>
-                                            <p:cond delay="0"/>
-                                          </p:stCondLst>
-                                        </p:cTn>
-                                        <p:tgtEl>
-                                          <p:spTgt spid="12">
-                                            <p:txEl>
-                                              <p:pRg st="2" end="2"/>
-                                            </p:txEl>
-                                          </p:spTgt>
-                                        </p:tgtEl>
-                                        <p:attrNameLst>
-                                          <p:attrName>style.visibility</p:attrName>
-                                        </p:attrNameLst>
-                                      </p:cBhvr>
-                                      <p:to>
-                                        <p:strVal val="visible"/>
-                                      </p:to>
-                                    </p:set>
-                                  </p:childTnLst>
-                                </p:cTn>
-                              </p:par>
-                              <p:par>
-                                <p:cTn id="11" presetID="1" presetClass="entr" presetSubtype="0" fill="hold" nodeType="withEffect">
-                                  <p:stCondLst>
-                                    <p:cond delay="0"/>
-                                  </p:stCondLst>
-                                  <p:childTnLst>
-                                    <p:set>
-                                      <p:cBhvr>
-                                        <p:cTn id="12" dur="1" fill="hold">
-                                          <p:stCondLst>
-                                            <p:cond delay="0"/>
-                                          </p:stCondLst>
-                                        </p:cTn>
-                                        <p:tgtEl>
-                                          <p:spTgt spid="12">
-                                            <p:txEl>
-                                              <p:pRg st="3" end="3"/>
-                                            </p:txEl>
-                                          </p:spTgt>
-                                        </p:tgtEl>
-                                        <p:attrNameLst>
-                                          <p:attrName>style.visibility</p:attrName>
-                                        </p:attrNameLst>
-                                      </p:cBhvr>
-                                      <p:to>
-                                        <p:strVal val="visible"/>
-                                      </p:to>
-                                    </p:set>
-                                  </p:childTnLst>
-                                </p:cTn>
-                              </p:par>
-                            </p:childTnLst>
-                          </p:cTn>
-                        </p:par>
-                      </p:childTnLst>
-                    </p:cTn>
-                  </p:par>
-                  <p:par>
-                    <p:cTn id="13" fill="hold">
-                      <p:stCondLst>
-                        <p:cond delay="indefinite"/>
-                      </p:stCondLst>
-                      <p:childTnLst>
-                        <p:par>
-                          <p:cTn id="14" fill="hold">
-                            <p:stCondLst>
-                              <p:cond delay="0"/>
-                            </p:stCondLst>
-                            <p:childTnLst>
-                              <p:par>
-                                <p:cTn id="15" presetID="1" presetClass="entr" presetSubtype="0" fill="hold" nodeType="clickEffect">
-                                  <p:stCondLst>
-                                    <p:cond delay="0"/>
-                                  </p:stCondLst>
-                                  <p:childTnLst>
-                                    <p:set>
-                                      <p:cBhvr>
-                                        <p:cTn id="16" dur="1" fill="hold">
-                                          <p:stCondLst>
-                                            <p:cond delay="0"/>
-                                          </p:stCondLst>
-                                        </p:cTn>
-                                        <p:tgtEl>
-                                          <p:spTgt spid="13">
-                                            <p:txEl>
-                                              <p:pRg st="0" end="0"/>
-                                            </p:txEl>
-                                          </p:spTgt>
-                                        </p:tgtEl>
-                                        <p:attrNameLst>
-                                          <p:attrName>style.visibility</p:attrName>
-                                        </p:attrNameLst>
-                                      </p:cBhvr>
-                                      <p:to>
-                                        <p:strVal val="visible"/>
-                                      </p:to>
-                                    </p:set>
-                                  </p:childTnLst>
-                                </p:cTn>
-                              </p:par>
-                            </p:childTnLst>
-                          </p:cTn>
-                        </p:par>
-                      </p:childTnLst>
-                    </p:cTn>
-                  </p:par>
-                  <p:par>
-                    <p:cTn id="17" fill="hold">
-                      <p:stCondLst>
-                        <p:cond delay="indefinite"/>
-                      </p:stCondLst>
-                      <p:childTnLst>
-                        <p:par>
-                          <p:cTn id="18" fill="hold">
-                            <p:stCondLst>
-                              <p:cond delay="0"/>
-                            </p:stCondLst>
-                            <p:childTnLst>
-                              <p:par>
-                                <p:cTn id="19" presetID="1" presetClass="entr" presetSubtype="0" fill="hold" nodeType="clickEffect">
-                                  <p:stCondLst>
-                                    <p:cond delay="0"/>
-                                  </p:stCondLst>
-                                  <p:childTnLst>
-                                    <p:set>
-                                      <p:cBhvr>
-                                        <p:cTn id="20" dur="1" fill="hold">
-                                          <p:stCondLst>
-                                            <p:cond delay="0"/>
-                                          </p:stCondLst>
-                                        </p:cTn>
-                                        <p:tgtEl>
-                                          <p:spTgt spid="13">
-                                            <p:txEl>
-                                              <p:pRg st="1" end="1"/>
-                                            </p:txEl>
-                                          </p:spTgt>
-                                        </p:tgtEl>
-                                        <p:attrNameLst>
-                                          <p:attrName>style.visibility</p:attrName>
-                                        </p:attrNameLst>
-                                      </p:cBhvr>
-                                      <p:to>
-                                        <p:strVal val="visible"/>
-                                      </p:to>
-                                    </p:set>
-                                  </p:childTnLst>
-                                </p:cTn>
-                              </p:par>
-                              <p:par>
-                                <p:cTn id="21" presetID="1" presetClass="entr" presetSubtype="0" fill="hold" nodeType="withEffect">
-                                  <p:stCondLst>
-                                    <p:cond delay="0"/>
-                                  </p:stCondLst>
-                                  <p:childTnLst>
-                                    <p:set>
-                                      <p:cBhvr>
-                                        <p:cTn id="22" dur="1" fill="hold">
-                                          <p:stCondLst>
-                                            <p:cond delay="0"/>
-                                          </p:stCondLst>
-                                        </p:cTn>
-                                        <p:tgtEl>
-                                          <p:spTgt spid="13">
-                                            <p:txEl>
-                                              <p:pRg st="2" end="2"/>
-                                            </p:txEl>
-                                          </p:spTgt>
-                                        </p:tgtEl>
-                                        <p:attrNameLst>
-                                          <p:attrName>style.visibility</p:attrName>
-                                        </p:attrNameLst>
-                                      </p:cBhvr>
-                                      <p:to>
-                                        <p:strVal val="visible"/>
-                                      </p:to>
-                                    </p:set>
-                                  </p:childTnLst>
-                                </p:cTn>
-                              </p:par>
-                              <p:par>
-                                <p:cTn id="23" presetID="1" presetClass="entr" presetSubtype="0" fill="hold" nodeType="withEffect">
-                                  <p:stCondLst>
-                                    <p:cond delay="0"/>
-                                  </p:stCondLst>
-                                  <p:childTnLst>
-                                    <p:set>
-                                      <p:cBhvr>
-                                        <p:cTn id="24" dur="1" fill="hold">
-                                          <p:stCondLst>
-                                            <p:cond delay="0"/>
-                                          </p:stCondLst>
-                                        </p:cTn>
-                                        <p:tgtEl>
-                                          <p:spTgt spid="13">
-                                            <p:txEl>
-                                              <p:pRg st="3" end="3"/>
-                                            </p:txEl>
-                                          </p:spTgt>
-                                        </p:tgtEl>
-                                        <p:attrNameLst>
-                                          <p:attrName>style.visibility</p:attrName>
-                                        </p:attrNameLst>
-                                      </p:cBhvr>
-                                      <p:to>
-                                        <p:strVal val="visible"/>
-                                      </p:to>
-                                    </p:set>
-                                  </p:childTnLst>
-                                </p:cTn>
-                              </p:par>
-                              <p:par>
-                                <p:cTn id="25" presetID="1" presetClass="entr" presetSubtype="0" fill="hold" nodeType="withEffect">
-                                  <p:stCondLst>
-                                    <p:cond delay="0"/>
-                                  </p:stCondLst>
-                                  <p:childTnLst>
-                                    <p:set>
-                                      <p:cBhvr>
-                                        <p:cTn id="26" dur="1" fill="hold">
-                                          <p:stCondLst>
-                                            <p:cond delay="0"/>
-                                          </p:stCondLst>
-                                        </p:cTn>
-                                        <p:tgtEl>
-                                          <p:spTgt spid="13">
-                                            <p:txEl>
-                                              <p:pRg st="4" end="4"/>
-                                            </p:txEl>
-                                          </p:spTgt>
-                                        </p:tgtEl>
-                                        <p:attrNameLst>
-                                          <p:attrName>style.visibility</p:attrName>
-                                        </p:attrNameLst>
-                                      </p:cBhvr>
-                                      <p:to>
-                                        <p:strVal val="visible"/>
-                                      </p:to>
-                                    </p:set>
-                                  </p:childTnLst>
-                                </p:cTn>
-                              </p:par>
-                            </p:childTnLst>
-                          </p:cTn>
-                        </p:par>
-                      </p:childTnLst>
-                    </p:cTn>
-                  </p:par>
-                </p:childTnLst>
-              </p:cTn>
-              <p:prevCondLst>
-                <p:cond evt="onPrev" delay="0">
-                  <p:tgtEl>
-                    <p:sldTgt/>
-                  </p:tgtEl>
-                </p:cond>
-              </p:prevCondLst>
-              <p:nextCondLst>
-                <p:cond evt="onNext" delay="0">
-                  <p:tgtEl>
-                    <p:sldTgt/>
-                  </p:tgtEl>
-                </p:cond>
-              </p:nextCondLst>
-            </p:seq>
-          </p:childTnLst>
-        </p:cTn>
-      </p:par>
-    </p:tnLst>
-  </p:timing>
 </p:sld>
 </file>
 

--- a/BIA_SEM_Presentation1.pptx
+++ b/BIA_SEM_Presentation1.pptx
@@ -267,7 +267,7 @@
           <a:p>
             <a:fld id="{1F64DF5B-FF7C-4BA8-9028-82FF013E8FFA}" type="datetimeFigureOut">
               <a:rPr lang="en-US" smtClean="0"/>
-              <a:t>10/29/2025</a:t>
+              <a:t>10/30/2025</a:t>
             </a:fld>
             <a:endParaRPr lang="en-US"/>
           </a:p>
@@ -580,7 +580,7 @@
           <a:p>
             <a:r>
               <a:rPr lang="en-US" dirty="0"/>
-              <a:t>Intro: 1. Who you are   2. what you study    3. why you love data, have used in other roles   4. </a:t>
+              <a:t>Intro: 1. Who you are   2. what you study (focused on public sector/ed data – no RCT, mostly observational/quasi-exp designs and econometric)    3. why you love data, have used in other roles   4. </a:t>
             </a:r>
           </a:p>
         </p:txBody>
@@ -612,6 +612,93 @@
     <p:extLst>
       <p:ext uri="{BB962C8B-B14F-4D97-AF65-F5344CB8AC3E}">
         <p14:creationId xmlns:p14="http://schemas.microsoft.com/office/powerpoint/2010/main" val="2726953075"/>
+      </p:ext>
+    </p:extLst>
+  </p:cSld>
+  <p:clrMapOvr>
+    <a:masterClrMapping/>
+  </p:clrMapOvr>
+</p:notes>
+</file>
+
+<file path=ppt/notesSlides/notesSlide10.xml><?xml version="1.0" encoding="utf-8"?>
+<p:notes xmlns:a="http://schemas.openxmlformats.org/drawingml/2006/main" xmlns:r="http://schemas.openxmlformats.org/officeDocument/2006/relationships" xmlns:p="http://schemas.openxmlformats.org/presentationml/2006/main">
+  <p:cSld>
+    <p:spTree>
+      <p:nvGrpSpPr>
+        <p:cNvPr id="1" name=""/>
+        <p:cNvGrpSpPr/>
+        <p:nvPr/>
+      </p:nvGrpSpPr>
+      <p:grpSpPr>
+        <a:xfrm>
+          <a:off x="0" y="0"/>
+          <a:ext cx="0" cy="0"/>
+          <a:chOff x="0" y="0"/>
+          <a:chExt cx="0" cy="0"/>
+        </a:xfrm>
+      </p:grpSpPr>
+      <p:sp>
+        <p:nvSpPr>
+          <p:cNvPr id="2" name="Slide Image Placeholder 1"/>
+          <p:cNvSpPr>
+            <a:spLocks noGrp="1" noRot="1" noChangeAspect="1"/>
+          </p:cNvSpPr>
+          <p:nvPr>
+            <p:ph type="sldImg"/>
+          </p:nvPr>
+        </p:nvSpPr>
+        <p:spPr/>
+      </p:sp>
+      <p:sp>
+        <p:nvSpPr>
+          <p:cNvPr id="3" name="Notes Placeholder 2"/>
+          <p:cNvSpPr>
+            <a:spLocks noGrp="1"/>
+          </p:cNvSpPr>
+          <p:nvPr>
+            <p:ph type="body" idx="1"/>
+          </p:nvPr>
+        </p:nvSpPr>
+        <p:spPr/>
+        <p:txBody>
+          <a:bodyPr/>
+          <a:lstStyle/>
+          <a:p>
+            <a:r>
+              <a:rPr lang="en-US" dirty="0"/>
+              <a:t>Ultimately, in an era of shrinking numbers of graduating HS students, we need to be focusing efforts on retention.</a:t>
+            </a:r>
+          </a:p>
+        </p:txBody>
+      </p:sp>
+      <p:sp>
+        <p:nvSpPr>
+          <p:cNvPr id="4" name="Slide Number Placeholder 3"/>
+          <p:cNvSpPr>
+            <a:spLocks noGrp="1"/>
+          </p:cNvSpPr>
+          <p:nvPr>
+            <p:ph type="sldNum" sz="quarter" idx="5"/>
+          </p:nvPr>
+        </p:nvSpPr>
+        <p:spPr/>
+        <p:txBody>
+          <a:bodyPr/>
+          <a:lstStyle/>
+          <a:p>
+            <a:fld id="{05249B22-55CD-4149-95F7-051476D09C4D}" type="slidenum">
+              <a:rPr lang="en-US" smtClean="0"/>
+              <a:t>13</a:t>
+            </a:fld>
+            <a:endParaRPr lang="en-US"/>
+          </a:p>
+        </p:txBody>
+      </p:sp>
+    </p:spTree>
+    <p:extLst>
+      <p:ext uri="{BB962C8B-B14F-4D97-AF65-F5344CB8AC3E}">
+        <p14:creationId xmlns:p14="http://schemas.microsoft.com/office/powerpoint/2010/main" val="4144399362"/>
       </p:ext>
     </p:extLst>
   </p:cSld>
@@ -665,10 +752,7 @@
           <a:bodyPr/>
           <a:lstStyle/>
           <a:p>
-            <a:r>
-              <a:rPr lang="en-US" dirty="0"/>
-              <a:t>Retention after first year is roughly 14% of the admitted students.  73% retention after the first year is also comparable with NAU’s average.</a:t>
-            </a:r>
+            <a:endParaRPr lang="en-US" dirty="0"/>
           </a:p>
         </p:txBody>
       </p:sp>
@@ -689,7 +773,7 @@
           <a:p>
             <a:fld id="{05249B22-55CD-4149-95F7-051476D09C4D}" type="slidenum">
               <a:rPr lang="en-US" smtClean="0"/>
-              <a:t>4</a:t>
+              <a:t>2</a:t>
             </a:fld>
             <a:endParaRPr lang="en-US"/>
           </a:p>
@@ -698,7 +782,7 @@
     </p:spTree>
     <p:extLst>
       <p:ext uri="{BB962C8B-B14F-4D97-AF65-F5344CB8AC3E}">
-        <p14:creationId xmlns:p14="http://schemas.microsoft.com/office/powerpoint/2010/main" val="1380942855"/>
+        <p14:creationId xmlns:p14="http://schemas.microsoft.com/office/powerpoint/2010/main" val="1585258013"/>
       </p:ext>
     </p:extLst>
   </p:cSld>
@@ -754,7 +838,7 @@
           <a:p>
             <a:r>
               <a:rPr lang="en-US" dirty="0"/>
-              <a:t>The trends are roughly comparable for both male and female students of Hispanic and Indigenous backgrounds.    Big Rec: targeted support for at-risk groups</a:t>
+              <a:t>Dataset description: nearly 40,000 rows, each representing an admitted student. Tracks each students action: </a:t>
             </a:r>
           </a:p>
         </p:txBody>
@@ -776,6 +860,285 @@
           <a:p>
             <a:fld id="{05249B22-55CD-4149-95F7-051476D09C4D}" type="slidenum">
               <a:rPr lang="en-US" smtClean="0"/>
+              <a:t>3</a:t>
+            </a:fld>
+            <a:endParaRPr lang="en-US"/>
+          </a:p>
+        </p:txBody>
+      </p:sp>
+    </p:spTree>
+    <p:extLst>
+      <p:ext uri="{BB962C8B-B14F-4D97-AF65-F5344CB8AC3E}">
+        <p14:creationId xmlns:p14="http://schemas.microsoft.com/office/powerpoint/2010/main" val="3265367243"/>
+      </p:ext>
+    </p:extLst>
+  </p:cSld>
+  <p:clrMapOvr>
+    <a:masterClrMapping/>
+  </p:clrMapOvr>
+</p:notes>
+</file>
+
+<file path=ppt/notesSlides/notesSlide4.xml><?xml version="1.0" encoding="utf-8"?>
+<p:notes xmlns:a="http://schemas.openxmlformats.org/drawingml/2006/main" xmlns:r="http://schemas.openxmlformats.org/officeDocument/2006/relationships" xmlns:p="http://schemas.openxmlformats.org/presentationml/2006/main">
+  <p:cSld>
+    <p:spTree>
+      <p:nvGrpSpPr>
+        <p:cNvPr id="1" name=""/>
+        <p:cNvGrpSpPr/>
+        <p:nvPr/>
+      </p:nvGrpSpPr>
+      <p:grpSpPr>
+        <a:xfrm>
+          <a:off x="0" y="0"/>
+          <a:ext cx="0" cy="0"/>
+          <a:chOff x="0" y="0"/>
+          <a:chExt cx="0" cy="0"/>
+        </a:xfrm>
+      </p:grpSpPr>
+      <p:sp>
+        <p:nvSpPr>
+          <p:cNvPr id="2" name="Slide Image Placeholder 1"/>
+          <p:cNvSpPr>
+            <a:spLocks noGrp="1" noRot="1" noChangeAspect="1"/>
+          </p:cNvSpPr>
+          <p:nvPr>
+            <p:ph type="sldImg"/>
+          </p:nvPr>
+        </p:nvSpPr>
+        <p:spPr/>
+      </p:sp>
+      <p:sp>
+        <p:nvSpPr>
+          <p:cNvPr id="3" name="Notes Placeholder 2"/>
+          <p:cNvSpPr>
+            <a:spLocks noGrp="1"/>
+          </p:cNvSpPr>
+          <p:nvPr>
+            <p:ph type="body" idx="1"/>
+          </p:nvPr>
+        </p:nvSpPr>
+        <p:spPr/>
+        <p:txBody>
+          <a:bodyPr/>
+          <a:lstStyle/>
+          <a:p>
+            <a:r>
+              <a:rPr lang="en-US" dirty="0"/>
+              <a:t>Retention after first year is roughly 14% of the admitted students.  73% retention after the first year is also comparable with NAU’s average.</a:t>
+            </a:r>
+          </a:p>
+        </p:txBody>
+      </p:sp>
+      <p:sp>
+        <p:nvSpPr>
+          <p:cNvPr id="4" name="Slide Number Placeholder 3"/>
+          <p:cNvSpPr>
+            <a:spLocks noGrp="1"/>
+          </p:cNvSpPr>
+          <p:nvPr>
+            <p:ph type="sldNum" sz="quarter" idx="5"/>
+          </p:nvPr>
+        </p:nvSpPr>
+        <p:spPr/>
+        <p:txBody>
+          <a:bodyPr/>
+          <a:lstStyle/>
+          <a:p>
+            <a:fld id="{05249B22-55CD-4149-95F7-051476D09C4D}" type="slidenum">
+              <a:rPr lang="en-US" smtClean="0"/>
+              <a:t>4</a:t>
+            </a:fld>
+            <a:endParaRPr lang="en-US"/>
+          </a:p>
+        </p:txBody>
+      </p:sp>
+    </p:spTree>
+    <p:extLst>
+      <p:ext uri="{BB962C8B-B14F-4D97-AF65-F5344CB8AC3E}">
+        <p14:creationId xmlns:p14="http://schemas.microsoft.com/office/powerpoint/2010/main" val="1380942855"/>
+      </p:ext>
+    </p:extLst>
+  </p:cSld>
+  <p:clrMapOvr>
+    <a:masterClrMapping/>
+  </p:clrMapOvr>
+</p:notes>
+</file>
+
+<file path=ppt/notesSlides/notesSlide5.xml><?xml version="1.0" encoding="utf-8"?>
+<p:notes xmlns:a="http://schemas.openxmlformats.org/drawingml/2006/main" xmlns:r="http://schemas.openxmlformats.org/officeDocument/2006/relationships" xmlns:p="http://schemas.openxmlformats.org/presentationml/2006/main">
+  <p:cSld>
+    <p:spTree>
+      <p:nvGrpSpPr>
+        <p:cNvPr id="1" name=""/>
+        <p:cNvGrpSpPr/>
+        <p:nvPr/>
+      </p:nvGrpSpPr>
+      <p:grpSpPr>
+        <a:xfrm>
+          <a:off x="0" y="0"/>
+          <a:ext cx="0" cy="0"/>
+          <a:chOff x="0" y="0"/>
+          <a:chExt cx="0" cy="0"/>
+        </a:xfrm>
+      </p:grpSpPr>
+      <p:sp>
+        <p:nvSpPr>
+          <p:cNvPr id="2" name="Slide Image Placeholder 1"/>
+          <p:cNvSpPr>
+            <a:spLocks noGrp="1" noRot="1" noChangeAspect="1"/>
+          </p:cNvSpPr>
+          <p:nvPr>
+            <p:ph type="sldImg"/>
+          </p:nvPr>
+        </p:nvSpPr>
+        <p:spPr/>
+      </p:sp>
+      <p:sp>
+        <p:nvSpPr>
+          <p:cNvPr id="3" name="Notes Placeholder 2"/>
+          <p:cNvSpPr>
+            <a:spLocks noGrp="1"/>
+          </p:cNvSpPr>
+          <p:nvPr>
+            <p:ph type="body" idx="1"/>
+          </p:nvPr>
+        </p:nvSpPr>
+        <p:spPr/>
+        <p:txBody>
+          <a:bodyPr/>
+          <a:lstStyle/>
+          <a:p>
+            <a:r>
+              <a:rPr lang="en-US" dirty="0"/>
+              <a:t>NAU Strategic Goal: have a student body that is representative of AZ, demographically.</a:t>
+            </a:r>
+          </a:p>
+          <a:p>
+            <a:endParaRPr lang="en-US" dirty="0"/>
+          </a:p>
+          <a:p>
+            <a:r>
+              <a:rPr lang="en-US" dirty="0"/>
+              <a:t>Next slide: focus in on two specific ethnic groups of importance to NAU where we could use more intentional efforts.</a:t>
+            </a:r>
+          </a:p>
+        </p:txBody>
+      </p:sp>
+      <p:sp>
+        <p:nvSpPr>
+          <p:cNvPr id="4" name="Slide Number Placeholder 3"/>
+          <p:cNvSpPr>
+            <a:spLocks noGrp="1"/>
+          </p:cNvSpPr>
+          <p:nvPr>
+            <p:ph type="sldNum" sz="quarter" idx="5"/>
+          </p:nvPr>
+        </p:nvSpPr>
+        <p:spPr/>
+        <p:txBody>
+          <a:bodyPr/>
+          <a:lstStyle/>
+          <a:p>
+            <a:fld id="{05249B22-55CD-4149-95F7-051476D09C4D}" type="slidenum">
+              <a:rPr lang="en-US" smtClean="0"/>
+              <a:t>5</a:t>
+            </a:fld>
+            <a:endParaRPr lang="en-US"/>
+          </a:p>
+        </p:txBody>
+      </p:sp>
+    </p:spTree>
+    <p:extLst>
+      <p:ext uri="{BB962C8B-B14F-4D97-AF65-F5344CB8AC3E}">
+        <p14:creationId xmlns:p14="http://schemas.microsoft.com/office/powerpoint/2010/main" val="1177518094"/>
+      </p:ext>
+    </p:extLst>
+  </p:cSld>
+  <p:clrMapOvr>
+    <a:masterClrMapping/>
+  </p:clrMapOvr>
+</p:notes>
+</file>
+
+<file path=ppt/notesSlides/notesSlide6.xml><?xml version="1.0" encoding="utf-8"?>
+<p:notes xmlns:a="http://schemas.openxmlformats.org/drawingml/2006/main" xmlns:r="http://schemas.openxmlformats.org/officeDocument/2006/relationships" xmlns:p="http://schemas.openxmlformats.org/presentationml/2006/main">
+  <p:cSld>
+    <p:spTree>
+      <p:nvGrpSpPr>
+        <p:cNvPr id="1" name=""/>
+        <p:cNvGrpSpPr/>
+        <p:nvPr/>
+      </p:nvGrpSpPr>
+      <p:grpSpPr>
+        <a:xfrm>
+          <a:off x="0" y="0"/>
+          <a:ext cx="0" cy="0"/>
+          <a:chOff x="0" y="0"/>
+          <a:chExt cx="0" cy="0"/>
+        </a:xfrm>
+      </p:grpSpPr>
+      <p:sp>
+        <p:nvSpPr>
+          <p:cNvPr id="2" name="Slide Image Placeholder 1"/>
+          <p:cNvSpPr>
+            <a:spLocks noGrp="1" noRot="1" noChangeAspect="1"/>
+          </p:cNvSpPr>
+          <p:nvPr>
+            <p:ph type="sldImg"/>
+          </p:nvPr>
+        </p:nvSpPr>
+        <p:spPr/>
+      </p:sp>
+      <p:sp>
+        <p:nvSpPr>
+          <p:cNvPr id="3" name="Notes Placeholder 2"/>
+          <p:cNvSpPr>
+            <a:spLocks noGrp="1"/>
+          </p:cNvSpPr>
+          <p:nvPr>
+            <p:ph type="body" idx="1"/>
+          </p:nvPr>
+        </p:nvSpPr>
+        <p:spPr/>
+        <p:txBody>
+          <a:bodyPr/>
+          <a:lstStyle/>
+          <a:p>
+            <a:r>
+              <a:rPr lang="en-US" dirty="0"/>
+              <a:t>The trends are roughly comparable for both male and female students of Hispanic and Indigenous backgrounds.    Big Rec: targeted support for at-risk groups</a:t>
+            </a:r>
+          </a:p>
+          <a:p>
+            <a:endParaRPr lang="en-US" dirty="0"/>
+          </a:p>
+          <a:p>
+            <a:r>
+              <a:rPr lang="en-US" dirty="0"/>
+              <a:t>Also, Data only takes us so far, we might need more intensive surveys and focus groups to identify why students aren’t accepting/enrolling.</a:t>
+            </a:r>
+          </a:p>
+        </p:txBody>
+      </p:sp>
+      <p:sp>
+        <p:nvSpPr>
+          <p:cNvPr id="4" name="Slide Number Placeholder 3"/>
+          <p:cNvSpPr>
+            <a:spLocks noGrp="1"/>
+          </p:cNvSpPr>
+          <p:nvPr>
+            <p:ph type="sldNum" sz="quarter" idx="5"/>
+          </p:nvPr>
+        </p:nvSpPr>
+        <p:spPr/>
+        <p:txBody>
+          <a:bodyPr/>
+          <a:lstStyle/>
+          <a:p>
+            <a:fld id="{05249B22-55CD-4149-95F7-051476D09C4D}" type="slidenum">
+              <a:rPr lang="en-US" smtClean="0"/>
               <a:t>6</a:t>
             </a:fld>
             <a:endParaRPr lang="en-US"/>
@@ -795,7 +1158,244 @@
 </p:notes>
 </file>
 
-<file path=ppt/notesSlides/notesSlide4.xml><?xml version="1.0" encoding="utf-8"?>
+<file path=ppt/notesSlides/notesSlide7.xml><?xml version="1.0" encoding="utf-8"?>
+<p:notes xmlns:a="http://schemas.openxmlformats.org/drawingml/2006/main" xmlns:r="http://schemas.openxmlformats.org/officeDocument/2006/relationships" xmlns:p="http://schemas.openxmlformats.org/presentationml/2006/main">
+  <p:cSld>
+    <p:spTree>
+      <p:nvGrpSpPr>
+        <p:cNvPr id="1" name=""/>
+        <p:cNvGrpSpPr/>
+        <p:nvPr/>
+      </p:nvGrpSpPr>
+      <p:grpSpPr>
+        <a:xfrm>
+          <a:off x="0" y="0"/>
+          <a:ext cx="0" cy="0"/>
+          <a:chOff x="0" y="0"/>
+          <a:chExt cx="0" cy="0"/>
+        </a:xfrm>
+      </p:grpSpPr>
+      <p:sp>
+        <p:nvSpPr>
+          <p:cNvPr id="2" name="Slide Image Placeholder 1"/>
+          <p:cNvSpPr>
+            <a:spLocks noGrp="1" noRot="1" noChangeAspect="1"/>
+          </p:cNvSpPr>
+          <p:nvPr>
+            <p:ph type="sldImg"/>
+          </p:nvPr>
+        </p:nvSpPr>
+        <p:spPr/>
+      </p:sp>
+      <p:sp>
+        <p:nvSpPr>
+          <p:cNvPr id="3" name="Notes Placeholder 2"/>
+          <p:cNvSpPr>
+            <a:spLocks noGrp="1"/>
+          </p:cNvSpPr>
+          <p:nvPr>
+            <p:ph type="body" idx="1"/>
+          </p:nvPr>
+        </p:nvSpPr>
+        <p:spPr/>
+        <p:txBody>
+          <a:bodyPr/>
+          <a:lstStyle/>
+          <a:p>
+            <a:r>
+              <a:rPr lang="en-US" dirty="0"/>
+              <a:t>I wanted to come to a rigorous statistically accurate estimate of the exact effect that financial aid spending has on the admissions funnel.</a:t>
+            </a:r>
+          </a:p>
+          <a:p>
+            <a:endParaRPr lang="en-US" dirty="0"/>
+          </a:p>
+          <a:p>
+            <a:r>
+              <a:rPr lang="en-US" dirty="0"/>
+              <a:t>Explain Quartiles (25% increments). </a:t>
+            </a:r>
+          </a:p>
+          <a:p>
+            <a:endParaRPr lang="en-US" dirty="0"/>
+          </a:p>
+          <a:p>
+            <a:r>
+              <a:rPr lang="en-US" dirty="0"/>
+              <a:t>Looking at the graph, appears there is a slight correlation in accept/enroll when students move from the bottom quartile to the second quartile.</a:t>
+            </a:r>
+          </a:p>
+          <a:p>
+            <a:endParaRPr lang="en-US" dirty="0"/>
+          </a:p>
+          <a:p>
+            <a:r>
+              <a:rPr lang="en-US" dirty="0"/>
+              <a:t>Sometimes, graphs are deceiving.</a:t>
+            </a:r>
+          </a:p>
+          <a:p>
+            <a:endParaRPr lang="en-US" dirty="0"/>
+          </a:p>
+        </p:txBody>
+      </p:sp>
+      <p:sp>
+        <p:nvSpPr>
+          <p:cNvPr id="4" name="Slide Number Placeholder 3"/>
+          <p:cNvSpPr>
+            <a:spLocks noGrp="1"/>
+          </p:cNvSpPr>
+          <p:nvPr>
+            <p:ph type="sldNum" sz="quarter" idx="5"/>
+          </p:nvPr>
+        </p:nvSpPr>
+        <p:spPr/>
+        <p:txBody>
+          <a:bodyPr/>
+          <a:lstStyle/>
+          <a:p>
+            <a:fld id="{05249B22-55CD-4149-95F7-051476D09C4D}" type="slidenum">
+              <a:rPr lang="en-US" smtClean="0"/>
+              <a:t>9</a:t>
+            </a:fld>
+            <a:endParaRPr lang="en-US"/>
+          </a:p>
+        </p:txBody>
+      </p:sp>
+    </p:spTree>
+    <p:extLst>
+      <p:ext uri="{BB962C8B-B14F-4D97-AF65-F5344CB8AC3E}">
+        <p14:creationId xmlns:p14="http://schemas.microsoft.com/office/powerpoint/2010/main" val="2966666224"/>
+      </p:ext>
+    </p:extLst>
+  </p:cSld>
+  <p:clrMapOvr>
+    <a:masterClrMapping/>
+  </p:clrMapOvr>
+</p:notes>
+</file>
+
+<file path=ppt/notesSlides/notesSlide8.xml><?xml version="1.0" encoding="utf-8"?>
+<p:notes xmlns:a="http://schemas.openxmlformats.org/drawingml/2006/main" xmlns:r="http://schemas.openxmlformats.org/officeDocument/2006/relationships" xmlns:p="http://schemas.openxmlformats.org/presentationml/2006/main">
+  <p:cSld>
+    <p:spTree>
+      <p:nvGrpSpPr>
+        <p:cNvPr id="1" name=""/>
+        <p:cNvGrpSpPr/>
+        <p:nvPr/>
+      </p:nvGrpSpPr>
+      <p:grpSpPr>
+        <a:xfrm>
+          <a:off x="0" y="0"/>
+          <a:ext cx="0" cy="0"/>
+          <a:chOff x="0" y="0"/>
+          <a:chExt cx="0" cy="0"/>
+        </a:xfrm>
+      </p:grpSpPr>
+      <p:sp>
+        <p:nvSpPr>
+          <p:cNvPr id="2" name="Slide Image Placeholder 1"/>
+          <p:cNvSpPr>
+            <a:spLocks noGrp="1" noRot="1" noChangeAspect="1"/>
+          </p:cNvSpPr>
+          <p:nvPr>
+            <p:ph type="sldImg"/>
+          </p:nvPr>
+        </p:nvSpPr>
+        <p:spPr/>
+      </p:sp>
+      <p:sp>
+        <p:nvSpPr>
+          <p:cNvPr id="3" name="Notes Placeholder 2"/>
+          <p:cNvSpPr>
+            <a:spLocks noGrp="1"/>
+          </p:cNvSpPr>
+          <p:nvPr>
+            <p:ph type="body" idx="1"/>
+          </p:nvPr>
+        </p:nvSpPr>
+        <p:spPr/>
+        <p:txBody>
+          <a:bodyPr/>
+          <a:lstStyle/>
+          <a:p>
+            <a:r>
+              <a:rPr lang="en-US" dirty="0"/>
+              <a:t>Recommendation:</a:t>
+            </a:r>
+          </a:p>
+          <a:p>
+            <a:pPr marL="228600" indent="-228600">
+              <a:buAutoNum type="arabicPeriod"/>
+            </a:pPr>
+            <a:r>
+              <a:rPr lang="en-US" dirty="0"/>
+              <a:t>Advertise rigorous programs</a:t>
+            </a:r>
+          </a:p>
+          <a:p>
+            <a:pPr marL="228600" indent="-228600">
+              <a:buAutoNum type="arabicPeriod"/>
+            </a:pPr>
+            <a:r>
+              <a:rPr lang="en-US" dirty="0"/>
+              <a:t>Increase research and other extra opportunities for undergrads</a:t>
+            </a:r>
+          </a:p>
+          <a:p>
+            <a:pPr marL="228600" indent="-228600">
+              <a:buAutoNum type="arabicPeriod"/>
+            </a:pPr>
+            <a:r>
+              <a:rPr lang="en-US" dirty="0"/>
+              <a:t>Promote those opportunities (undergrad research symposium)</a:t>
+            </a:r>
+          </a:p>
+          <a:p>
+            <a:pPr marL="228600" indent="-228600">
+              <a:buAutoNum type="arabicPeriod"/>
+            </a:pPr>
+            <a:endParaRPr lang="en-US" dirty="0"/>
+          </a:p>
+        </p:txBody>
+      </p:sp>
+      <p:sp>
+        <p:nvSpPr>
+          <p:cNvPr id="4" name="Slide Number Placeholder 3"/>
+          <p:cNvSpPr>
+            <a:spLocks noGrp="1"/>
+          </p:cNvSpPr>
+          <p:nvPr>
+            <p:ph type="sldNum" sz="quarter" idx="5"/>
+          </p:nvPr>
+        </p:nvSpPr>
+        <p:spPr/>
+        <p:txBody>
+          <a:bodyPr/>
+          <a:lstStyle/>
+          <a:p>
+            <a:fld id="{05249B22-55CD-4149-95F7-051476D09C4D}" type="slidenum">
+              <a:rPr lang="en-US" smtClean="0"/>
+              <a:t>10</a:t>
+            </a:fld>
+            <a:endParaRPr lang="en-US"/>
+          </a:p>
+        </p:txBody>
+      </p:sp>
+    </p:spTree>
+    <p:extLst>
+      <p:ext uri="{BB962C8B-B14F-4D97-AF65-F5344CB8AC3E}">
+        <p14:creationId xmlns:p14="http://schemas.microsoft.com/office/powerpoint/2010/main" val="3187823702"/>
+      </p:ext>
+    </p:extLst>
+  </p:cSld>
+  <p:clrMapOvr>
+    <a:masterClrMapping/>
+  </p:clrMapOvr>
+</p:notes>
+</file>
+
+<file path=ppt/notesSlides/notesSlide9.xml><?xml version="1.0" encoding="utf-8"?>
 <p:notes xmlns:a="http://schemas.openxmlformats.org/drawingml/2006/main" xmlns:r="http://schemas.openxmlformats.org/officeDocument/2006/relationships" xmlns:p="http://schemas.openxmlformats.org/presentationml/2006/main">
   <p:cSld>
     <p:spTree>
@@ -1029,7 +1629,7 @@
           <a:p>
             <a:fld id="{F08FA672-5F32-4886-99DF-A18B3DFDBD3A}" type="datetimeFigureOut">
               <a:rPr lang="en-US" smtClean="0"/>
-              <a:t>10/29/2025</a:t>
+              <a:t>10/30/2025</a:t>
             </a:fld>
             <a:endParaRPr lang="en-US"/>
           </a:p>
@@ -1227,7 +1827,7 @@
           <a:p>
             <a:fld id="{F08FA672-5F32-4886-99DF-A18B3DFDBD3A}" type="datetimeFigureOut">
               <a:rPr lang="en-US" smtClean="0"/>
-              <a:t>10/29/2025</a:t>
+              <a:t>10/30/2025</a:t>
             </a:fld>
             <a:endParaRPr lang="en-US"/>
           </a:p>
@@ -1435,7 +2035,7 @@
           <a:p>
             <a:fld id="{F08FA672-5F32-4886-99DF-A18B3DFDBD3A}" type="datetimeFigureOut">
               <a:rPr lang="en-US" smtClean="0"/>
-              <a:t>10/29/2025</a:t>
+              <a:t>10/30/2025</a:t>
             </a:fld>
             <a:endParaRPr lang="en-US"/>
           </a:p>
@@ -1633,7 +2233,7 @@
           <a:p>
             <a:fld id="{F08FA672-5F32-4886-99DF-A18B3DFDBD3A}" type="datetimeFigureOut">
               <a:rPr lang="en-US" smtClean="0"/>
-              <a:t>10/29/2025</a:t>
+              <a:t>10/30/2025</a:t>
             </a:fld>
             <a:endParaRPr lang="en-US"/>
           </a:p>
@@ -1908,7 +2508,7 @@
           <a:p>
             <a:fld id="{F08FA672-5F32-4886-99DF-A18B3DFDBD3A}" type="datetimeFigureOut">
               <a:rPr lang="en-US" smtClean="0"/>
-              <a:t>10/29/2025</a:t>
+              <a:t>10/30/2025</a:t>
             </a:fld>
             <a:endParaRPr lang="en-US"/>
           </a:p>
@@ -2173,7 +2773,7 @@
           <a:p>
             <a:fld id="{F08FA672-5F32-4886-99DF-A18B3DFDBD3A}" type="datetimeFigureOut">
               <a:rPr lang="en-US" smtClean="0"/>
-              <a:t>10/29/2025</a:t>
+              <a:t>10/30/2025</a:t>
             </a:fld>
             <a:endParaRPr lang="en-US"/>
           </a:p>
@@ -2585,7 +3185,7 @@
           <a:p>
             <a:fld id="{F08FA672-5F32-4886-99DF-A18B3DFDBD3A}" type="datetimeFigureOut">
               <a:rPr lang="en-US" smtClean="0"/>
-              <a:t>10/29/2025</a:t>
+              <a:t>10/30/2025</a:t>
             </a:fld>
             <a:endParaRPr lang="en-US"/>
           </a:p>
@@ -2726,7 +3326,7 @@
           <a:p>
             <a:fld id="{F08FA672-5F32-4886-99DF-A18B3DFDBD3A}" type="datetimeFigureOut">
               <a:rPr lang="en-US" smtClean="0"/>
-              <a:t>10/29/2025</a:t>
+              <a:t>10/30/2025</a:t>
             </a:fld>
             <a:endParaRPr lang="en-US"/>
           </a:p>
@@ -2839,7 +3439,7 @@
           <a:p>
             <a:fld id="{F08FA672-5F32-4886-99DF-A18B3DFDBD3A}" type="datetimeFigureOut">
               <a:rPr lang="en-US" smtClean="0"/>
-              <a:t>10/29/2025</a:t>
+              <a:t>10/30/2025</a:t>
             </a:fld>
             <a:endParaRPr lang="en-US"/>
           </a:p>
@@ -3150,7 +3750,7 @@
           <a:p>
             <a:fld id="{F08FA672-5F32-4886-99DF-A18B3DFDBD3A}" type="datetimeFigureOut">
               <a:rPr lang="en-US" smtClean="0"/>
-              <a:t>10/29/2025</a:t>
+              <a:t>10/30/2025</a:t>
             </a:fld>
             <a:endParaRPr lang="en-US"/>
           </a:p>
@@ -3438,7 +4038,7 @@
           <a:p>
             <a:fld id="{F08FA672-5F32-4886-99DF-A18B3DFDBD3A}" type="datetimeFigureOut">
               <a:rPr lang="en-US" smtClean="0"/>
-              <a:t>10/29/2025</a:t>
+              <a:t>10/30/2025</a:t>
             </a:fld>
             <a:endParaRPr lang="en-US"/>
           </a:p>
@@ -3679,7 +4279,7 @@
           <a:p>
             <a:fld id="{F08FA672-5F32-4886-99DF-A18B3DFDBD3A}" type="datetimeFigureOut">
               <a:rPr lang="en-US" smtClean="0"/>
-              <a:t>10/29/2025</a:t>
+              <a:t>10/30/2025</a:t>
             </a:fld>
             <a:endParaRPr lang="en-US"/>
           </a:p>
@@ -4414,7 +5014,7 @@
           <p:nvPr/>
         </p:nvPicPr>
         <p:blipFill>
-          <a:blip r:embed="rId2"/>
+          <a:blip r:embed="rId3"/>
           <a:stretch>
             <a:fillRect/>
           </a:stretch>
@@ -4637,7 +5237,7 @@
             <a:pPr lvl="1"/>
             <a:r>
               <a:rPr lang="en-US" dirty="0"/>
-              <a:t>A 1 point increase in HS GPA = an 10% increase in likelihood of enrolling AND a 29% increase in the probability the student retains</a:t>
+              <a:t>A 1 point increase in HS GPA = an 10% increase in likelihood of enrolling AND a 29% increase in the probability the student retains (p &gt; 0.01)</a:t>
             </a:r>
           </a:p>
           <a:p>
@@ -4903,7 +5503,7 @@
           <p:nvPr/>
         </p:nvPicPr>
         <p:blipFill>
-          <a:blip r:embed="rId3"/>
+          <a:blip r:embed="rId4"/>
           <a:stretch>
             <a:fillRect/>
           </a:stretch>
@@ -6639,7 +7239,7 @@
           <a:p>
             <a:r>
               <a:rPr lang="en-US" dirty="0"/>
-              <a:t>Largest Risk of Non-Retention</a:t>
+              <a:t>Greatest Risk of Non-Retention</a:t>
             </a:r>
           </a:p>
         </p:txBody>
@@ -6729,7 +7329,7 @@
           <p:nvPr/>
         </p:nvPicPr>
         <p:blipFill>
-          <a:blip r:embed="rId2"/>
+          <a:blip r:embed="rId3"/>
           <a:stretch>
             <a:fillRect/>
           </a:stretch>
@@ -6769,7 +7369,7 @@
         </p:spPr>
         <p:txBody>
           <a:bodyPr vert="horz" lIns="91440" tIns="45720" rIns="91440" bIns="45720" rtlCol="0">
-            <a:normAutofit lnSpcReduction="10000"/>
+            <a:normAutofit fontScale="92500"/>
           </a:bodyPr>
           <a:lstStyle>
             <a:lvl1pPr marL="228600" indent="-228600" algn="l" defTabSz="914400" rtl="0" eaLnBrk="1" latinLnBrk="0" hangingPunct="1">
@@ -6942,6 +7542,16 @@
             </a:pPr>
             <a:r>
               <a:rPr lang="en-US" dirty="0"/>
+              <a:t>First Generation</a:t>
+            </a:r>
+          </a:p>
+          <a:p>
+            <a:pPr marL="514350" indent="-514350">
+              <a:buFont typeface="+mj-lt"/>
+              <a:buAutoNum type="arabicPeriod"/>
+            </a:pPr>
+            <a:r>
+              <a:rPr lang="en-US" dirty="0"/>
               <a:t>Males</a:t>
             </a:r>
           </a:p>
@@ -7083,10 +7693,10 @@
       </p:sp>
       <p:pic>
         <p:nvPicPr>
-          <p:cNvPr id="10" name="Picture 9">
+          <p:cNvPr id="11" name="Picture 10">
             <a:extLst>
               <a:ext uri="{FF2B5EF4-FFF2-40B4-BE49-F238E27FC236}">
-                <a16:creationId xmlns:a16="http://schemas.microsoft.com/office/drawing/2014/main" id="{3BF6EC72-2E5B-A17D-0E08-8525282A60A0}"/>
+                <a16:creationId xmlns:a16="http://schemas.microsoft.com/office/drawing/2014/main" id="{381823E2-1656-E72C-8C03-C55C2DDF3D5E}"/>
               </a:ext>
             </a:extLst>
           </p:cNvPr>
@@ -7096,15 +7706,15 @@
           <p:nvPr/>
         </p:nvPicPr>
         <p:blipFill>
-          <a:blip r:embed="rId3"/>
+          <a:blip r:embed="rId4"/>
           <a:stretch>
             <a:fillRect/>
           </a:stretch>
         </p:blipFill>
         <p:spPr>
           <a:xfrm>
-            <a:off x="6472106" y="1469563"/>
-            <a:ext cx="4581787" cy="5256263"/>
+            <a:off x="7284824" y="1389414"/>
+            <a:ext cx="3489193" cy="5336412"/>
           </a:xfrm>
           <a:prstGeom prst="rect">
             <a:avLst/>
@@ -7172,15 +7782,33 @@
                                   </p:childTnLst>
                                 </p:cTn>
                               </p:par>
+                            </p:childTnLst>
+                          </p:cTn>
+                        </p:par>
+                      </p:childTnLst>
+                    </p:cTn>
+                  </p:par>
+                  <p:par>
+                    <p:cTn id="7" fill="hold">
+                      <p:stCondLst>
+                        <p:cond delay="indefinite"/>
+                      </p:stCondLst>
+                      <p:childTnLst>
+                        <p:par>
+                          <p:cTn id="8" fill="hold">
+                            <p:stCondLst>
+                              <p:cond delay="0"/>
+                            </p:stCondLst>
+                            <p:childTnLst>
                               <p:par>
-                                <p:cTn id="7" presetID="1" presetClass="entr" presetSubtype="0" fill="hold" nodeType="withEffect">
+                                <p:cTn id="9" presetID="1" presetClass="entr" presetSubtype="0" fill="hold" nodeType="clickEffect">
                                   <p:stCondLst>
                                     <p:cond delay="0"/>
                                   </p:stCondLst>
                                   <p:childTnLst>
                                     <p:set>
                                       <p:cBhvr>
-                                        <p:cTn id="8" dur="1" fill="hold">
+                                        <p:cTn id="10" dur="1" fill="hold">
                                           <p:stCondLst>
                                             <p:cond delay="0"/>
                                           </p:stCondLst>
@@ -7204,14 +7832,14 @@
                                 </p:cTn>
                               </p:par>
                               <p:par>
-                                <p:cTn id="9" presetID="1" presetClass="entr" presetSubtype="0" fill="hold" nodeType="withEffect">
+                                <p:cTn id="11" presetID="1" presetClass="entr" presetSubtype="0" fill="hold" nodeType="withEffect">
                                   <p:stCondLst>
                                     <p:cond delay="0"/>
                                   </p:stCondLst>
                                   <p:childTnLst>
                                     <p:set>
                                       <p:cBhvr>
-                                        <p:cTn id="10" dur="1" fill="hold">
+                                        <p:cTn id="12" dur="1" fill="hold">
                                           <p:stCondLst>
                                             <p:cond delay="0"/>
                                           </p:stCondLst>
@@ -7234,26 +7862,8 @@
                                   </p:childTnLst>
                                 </p:cTn>
                               </p:par>
-                            </p:childTnLst>
-                          </p:cTn>
-                        </p:par>
-                      </p:childTnLst>
-                    </p:cTn>
-                  </p:par>
-                  <p:par>
-                    <p:cTn id="11" fill="hold">
-                      <p:stCondLst>
-                        <p:cond delay="indefinite"/>
-                      </p:stCondLst>
-                      <p:childTnLst>
-                        <p:par>
-                          <p:cTn id="12" fill="hold">
-                            <p:stCondLst>
-                              <p:cond delay="0"/>
-                            </p:stCondLst>
-                            <p:childTnLst>
                               <p:par>
-                                <p:cTn id="13" presetID="1" presetClass="entr" presetSubtype="0" fill="hold" nodeType="clickEffect">
+                                <p:cTn id="13" presetID="1" presetClass="entr" presetSubtype="0" fill="hold" nodeType="withEffect">
                                   <p:stCondLst>
                                     <p:cond delay="0"/>
                                   </p:stCondLst>
@@ -7283,39 +7893,26 @@
                                   </p:childTnLst>
                                 </p:cTn>
                               </p:par>
+                            </p:childTnLst>
+                          </p:cTn>
+                        </p:par>
+                      </p:childTnLst>
+                    </p:cTn>
+                  </p:par>
+                  <p:par>
+                    <p:cTn id="15" fill="hold">
+                      <p:stCondLst>
+                        <p:cond delay="indefinite"/>
+                      </p:stCondLst>
+                      <p:childTnLst>
+                        <p:par>
+                          <p:cTn id="16" fill="hold">
+                            <p:stCondLst>
+                              <p:cond delay="0"/>
+                            </p:stCondLst>
+                            <p:childTnLst>
                               <p:par>
-                                <p:cTn id="15" presetID="1" presetClass="entr" presetSubtype="0" fill="hold" nodeType="withEffect">
-                                  <p:stCondLst>
-                                    <p:cond delay="0"/>
-                                  </p:stCondLst>
-                                  <p:childTnLst>
-                                    <p:set>
-                                      <p:cBhvr>
-                                        <p:cTn id="16" dur="1" fill="hold">
-                                          <p:stCondLst>
-                                            <p:cond delay="0"/>
-                                          </p:stCondLst>
-                                        </p:cTn>
-                                        <p:tgtEl>
-                                          <p:spTgt spid="12">
-                                            <p:txEl>
-                                              <p:pRg st="4" end="4"/>
-                                            </p:txEl>
-                                          </p:spTgt>
-                                        </p:tgtEl>
-                                        <p:attrNameLst>
-                                          <p:attrName>style.visibility</p:attrName>
-                                        </p:attrNameLst>
-                                      </p:cBhvr>
-                                      <p:to>
-                                        <p:strVal val="visible"/>
-                                      </p:to>
-                                    </p:set>
-                                  </p:childTnLst>
-                                </p:cTn>
-                              </p:par>
-                              <p:par>
-                                <p:cTn id="17" presetID="1" presetClass="entr" presetSubtype="0" fill="hold" nodeType="withEffect">
+                                <p:cTn id="17" presetID="1" presetClass="entr" presetSubtype="0" fill="hold" nodeType="clickEffect">
                                   <p:stCondLst>
                                     <p:cond delay="0"/>
                                   </p:stCondLst>
@@ -7330,7 +7927,7 @@
                                         <p:tgtEl>
                                           <p:spTgt spid="12">
                                             <p:txEl>
-                                              <p:pRg st="5" end="5"/>
+                                              <p:pRg st="4" end="4"/>
                                             </p:txEl>
                                           </p:spTgt>
                                         </p:tgtEl>
@@ -7361,6 +7958,37 @@
                                         <p:tgtEl>
                                           <p:spTgt spid="12">
                                             <p:txEl>
+                                              <p:pRg st="5" end="5"/>
+                                            </p:txEl>
+                                          </p:spTgt>
+                                        </p:tgtEl>
+                                        <p:attrNameLst>
+                                          <p:attrName>style.visibility</p:attrName>
+                                        </p:attrNameLst>
+                                      </p:cBhvr>
+                                      <p:to>
+                                        <p:strVal val="visible"/>
+                                      </p:to>
+                                    </p:set>
+                                  </p:childTnLst>
+                                </p:cTn>
+                              </p:par>
+                              <p:par>
+                                <p:cTn id="21" presetID="1" presetClass="entr" presetSubtype="0" fill="hold" nodeType="withEffect">
+                                  <p:stCondLst>
+                                    <p:cond delay="0"/>
+                                  </p:stCondLst>
+                                  <p:childTnLst>
+                                    <p:set>
+                                      <p:cBhvr>
+                                        <p:cTn id="22" dur="1" fill="hold">
+                                          <p:stCondLst>
+                                            <p:cond delay="0"/>
+                                          </p:stCondLst>
+                                        </p:cTn>
+                                        <p:tgtEl>
+                                          <p:spTgt spid="12">
+                                            <p:txEl>
                                               <p:pRg st="6" end="6"/>
                                             </p:txEl>
                                           </p:spTgt>
@@ -7376,26 +8004,8 @@
                                   </p:childTnLst>
                                 </p:cTn>
                               </p:par>
-                            </p:childTnLst>
-                          </p:cTn>
-                        </p:par>
-                      </p:childTnLst>
-                    </p:cTn>
-                  </p:par>
-                  <p:par>
-                    <p:cTn id="21" fill="hold">
-                      <p:stCondLst>
-                        <p:cond delay="indefinite"/>
-                      </p:stCondLst>
-                      <p:childTnLst>
-                        <p:par>
-                          <p:cTn id="22" fill="hold">
-                            <p:stCondLst>
-                              <p:cond delay="0"/>
-                            </p:stCondLst>
-                            <p:childTnLst>
                               <p:par>
-                                <p:cTn id="23" presetID="1" presetClass="entr" presetSubtype="0" fill="hold" nodeType="clickEffect">
+                                <p:cTn id="23" presetID="1" presetClass="entr" presetSubtype="0" fill="hold" nodeType="withEffect">
                                   <p:stCondLst>
                                     <p:cond delay="0"/>
                                   </p:stCondLst>
@@ -7425,15 +8035,33 @@
                                   </p:childTnLst>
                                 </p:cTn>
                               </p:par>
+                            </p:childTnLst>
+                          </p:cTn>
+                        </p:par>
+                      </p:childTnLst>
+                    </p:cTn>
+                  </p:par>
+                  <p:par>
+                    <p:cTn id="25" fill="hold">
+                      <p:stCondLst>
+                        <p:cond delay="indefinite"/>
+                      </p:stCondLst>
+                      <p:childTnLst>
+                        <p:par>
+                          <p:cTn id="26" fill="hold">
+                            <p:stCondLst>
+                              <p:cond delay="0"/>
+                            </p:stCondLst>
+                            <p:childTnLst>
                               <p:par>
-                                <p:cTn id="25" presetID="1" presetClass="entr" presetSubtype="0" fill="hold" nodeType="withEffect">
+                                <p:cTn id="27" presetID="1" presetClass="entr" presetSubtype="0" fill="hold" nodeType="clickEffect">
                                   <p:stCondLst>
                                     <p:cond delay="0"/>
                                   </p:stCondLst>
                                   <p:childTnLst>
                                     <p:set>
                                       <p:cBhvr>
-                                        <p:cTn id="26" dur="1" fill="hold">
+                                        <p:cTn id="28" dur="1" fill="hold">
                                           <p:stCondLst>
                                             <p:cond delay="0"/>
                                           </p:stCondLst>
@@ -7457,14 +8085,14 @@
                                 </p:cTn>
                               </p:par>
                               <p:par>
-                                <p:cTn id="27" presetID="1" presetClass="entr" presetSubtype="0" fill="hold" nodeType="withEffect">
+                                <p:cTn id="29" presetID="1" presetClass="entr" presetSubtype="0" fill="hold" nodeType="withEffect">
                                   <p:stCondLst>
                                     <p:cond delay="0"/>
                                   </p:stCondLst>
                                   <p:childTnLst>
                                     <p:set>
                                       <p:cBhvr>
-                                        <p:cTn id="28" dur="1" fill="hold">
+                                        <p:cTn id="30" dur="1" fill="hold">
                                           <p:stCondLst>
                                             <p:cond delay="0"/>
                                           </p:stCondLst>
@@ -7473,6 +8101,37 @@
                                           <p:spTgt spid="12">
                                             <p:txEl>
                                               <p:pRg st="9" end="9"/>
+                                            </p:txEl>
+                                          </p:spTgt>
+                                        </p:tgtEl>
+                                        <p:attrNameLst>
+                                          <p:attrName>style.visibility</p:attrName>
+                                        </p:attrNameLst>
+                                      </p:cBhvr>
+                                      <p:to>
+                                        <p:strVal val="visible"/>
+                                      </p:to>
+                                    </p:set>
+                                  </p:childTnLst>
+                                </p:cTn>
+                              </p:par>
+                              <p:par>
+                                <p:cTn id="31" presetID="1" presetClass="entr" presetSubtype="0" fill="hold" nodeType="withEffect">
+                                  <p:stCondLst>
+                                    <p:cond delay="0"/>
+                                  </p:stCondLst>
+                                  <p:childTnLst>
+                                    <p:set>
+                                      <p:cBhvr>
+                                        <p:cTn id="32" dur="1" fill="hold">
+                                          <p:stCondLst>
+                                            <p:cond delay="0"/>
+                                          </p:stCondLst>
+                                        </p:cTn>
+                                        <p:tgtEl>
+                                          <p:spTgt spid="12">
+                                            <p:txEl>
+                                              <p:pRg st="10" end="10"/>
                                             </p:txEl>
                                           </p:spTgt>
                                         </p:tgtEl>
@@ -10159,7 +10818,7 @@
           <p:nvPr/>
         </p:nvPicPr>
         <p:blipFill>
-          <a:blip r:embed="rId2"/>
+          <a:blip r:embed="rId3"/>
           <a:stretch>
             <a:fillRect/>
           </a:stretch>
@@ -10602,7 +11261,7 @@
           <p:nvPr/>
         </p:nvPicPr>
         <p:blipFill>
-          <a:blip r:embed="rId2"/>
+          <a:blip r:embed="rId3"/>
           <a:stretch>
             <a:fillRect/>
           </a:stretch>
@@ -12648,7 +13307,7 @@
           <p:nvPr/>
         </p:nvPicPr>
         <p:blipFill>
-          <a:blip r:embed="rId2"/>
+          <a:blip r:embed="rId3"/>
           <a:stretch>
             <a:fillRect/>
           </a:stretch>
@@ -14812,7 +15471,7 @@
           <p:nvPr/>
         </p:nvPicPr>
         <p:blipFill>
-          <a:blip r:embed="rId2"/>
+          <a:blip r:embed="rId3"/>
           <a:stretch>
             <a:fillRect/>
           </a:stretch>
@@ -15309,7 +15968,7 @@
           <p:nvPr/>
         </p:nvPicPr>
         <p:blipFill>
-          <a:blip r:embed="rId3"/>
+          <a:blip r:embed="rId4"/>
           <a:stretch>
             <a:fillRect/>
           </a:stretch>
